--- a/DMQL_MoviesMarketPlace.pptx
+++ b/DMQL_MoviesMarketPlace.pptx
@@ -8447,7 +8447,20 @@
                   <a:srgbClr val="FF0000"/>
                 </a:solidFill>
               </a:rPr>
-              <a:t>indexing</a:t>
+              <a:t>Indexing</a:t>
+            </a:r>
+          </a:p>
+          <a:p>
+            <a:pPr marL="457200" lvl="1" indent="0">
+              <a:buNone/>
+            </a:pPr>
+            <a:r>
+              <a:rPr lang="en-US" dirty="0">
+                <a:solidFill>
+                  <a:srgbClr val="FF0000"/>
+                </a:solidFill>
+              </a:rPr>
+              <a:t>triggers</a:t>
             </a:r>
           </a:p>
           <a:p>
@@ -8738,11 +8751,11 @@
           <a:p>
             <a:r>
               <a:rPr lang="en-US" b="1" i="1" dirty="0"/>
-              <a:t>1 Delete Query: </a:t>
+              <a:t>3 Delete Queries: </a:t>
             </a:r>
             <a:r>
               <a:rPr lang="en-US" dirty="0"/>
-              <a:t>Deletes a movie from movies table</a:t>
+              <a:t>Deletes a row from a table based on user selection.</a:t>
             </a:r>
           </a:p>
           <a:p>

--- a/DMQL_MoviesMarketPlace.pptx
+++ b/DMQL_MoviesMarketPlace.pptx
@@ -309,7 +309,7 @@
             <a:fld id="{B61BEF0D-F0BB-DE4B-95CE-6DB70DBA9567}" type="datetimeFigureOut">
               <a:rPr lang="en-US" dirty="0"/>
               <a:pPr/>
-              <a:t>5/2/22</a:t>
+              <a:t>5/3/22</a:t>
             </a:fld>
             <a:endParaRPr lang="en-US" dirty="0"/>
           </a:p>
@@ -644,7 +644,7 @@
             <a:fld id="{B61BEF0D-F0BB-DE4B-95CE-6DB70DBA9567}" type="datetimeFigureOut">
               <a:rPr lang="en-US" dirty="0"/>
               <a:pPr/>
-              <a:t>5/2/22</a:t>
+              <a:t>5/3/22</a:t>
             </a:fld>
             <a:endParaRPr lang="en-US" dirty="0"/>
           </a:p>
@@ -1042,7 +1042,7 @@
             <a:fld id="{B61BEF0D-F0BB-DE4B-95CE-6DB70DBA9567}" type="datetimeFigureOut">
               <a:rPr lang="en-US" dirty="0"/>
               <a:pPr/>
-              <a:t>5/2/22</a:t>
+              <a:t>5/3/22</a:t>
             </a:fld>
             <a:endParaRPr lang="en-US" dirty="0"/>
           </a:p>
@@ -1375,7 +1375,7 @@
             <a:fld id="{B61BEF0D-F0BB-DE4B-95CE-6DB70DBA9567}" type="datetimeFigureOut">
               <a:rPr lang="en-US" dirty="0"/>
               <a:pPr/>
-              <a:t>5/2/22</a:t>
+              <a:t>5/3/22</a:t>
             </a:fld>
             <a:endParaRPr lang="en-US" dirty="0"/>
           </a:p>
@@ -1692,7 +1692,7 @@
             <a:fld id="{B61BEF0D-F0BB-DE4B-95CE-6DB70DBA9567}" type="datetimeFigureOut">
               <a:rPr lang="en-US" dirty="0"/>
               <a:pPr/>
-              <a:t>5/2/22</a:t>
+              <a:t>5/3/22</a:t>
             </a:fld>
             <a:endParaRPr lang="en-US" dirty="0"/>
           </a:p>
@@ -2085,7 +2085,7 @@
             <a:fld id="{B61BEF0D-F0BB-DE4B-95CE-6DB70DBA9567}" type="datetimeFigureOut">
               <a:rPr lang="en-US" dirty="0"/>
               <a:pPr/>
-              <a:t>5/2/22</a:t>
+              <a:t>5/3/22</a:t>
             </a:fld>
             <a:endParaRPr lang="en-US" dirty="0"/>
           </a:p>
@@ -2339,7 +2339,7 @@
             <a:fld id="{B61BEF0D-F0BB-DE4B-95CE-6DB70DBA9567}" type="datetimeFigureOut">
               <a:rPr lang="en-US" dirty="0"/>
               <a:pPr/>
-              <a:t>5/2/22</a:t>
+              <a:t>5/3/22</a:t>
             </a:fld>
             <a:endParaRPr lang="en-US" dirty="0"/>
           </a:p>
@@ -2598,7 +2598,7 @@
             <a:fld id="{B61BEF0D-F0BB-DE4B-95CE-6DB70DBA9567}" type="datetimeFigureOut">
               <a:rPr lang="en-US" dirty="0"/>
               <a:pPr/>
-              <a:t>5/2/22</a:t>
+              <a:t>5/3/22</a:t>
             </a:fld>
             <a:endParaRPr lang="en-US" dirty="0"/>
           </a:p>
@@ -2857,7 +2857,7 @@
             <a:fld id="{B61BEF0D-F0BB-DE4B-95CE-6DB70DBA9567}" type="datetimeFigureOut">
               <a:rPr lang="en-US" dirty="0"/>
               <a:pPr/>
-              <a:t>5/2/22</a:t>
+              <a:t>5/3/22</a:t>
             </a:fld>
             <a:endParaRPr lang="en-US" dirty="0"/>
           </a:p>
@@ -3183,7 +3183,7 @@
             <a:fld id="{B61BEF0D-F0BB-DE4B-95CE-6DB70DBA9567}" type="datetimeFigureOut">
               <a:rPr lang="en-US" dirty="0"/>
               <a:pPr/>
-              <a:t>5/2/22</a:t>
+              <a:t>5/3/22</a:t>
             </a:fld>
             <a:endParaRPr lang="en-US" dirty="0"/>
           </a:p>
@@ -3503,7 +3503,7 @@
             <a:fld id="{B61BEF0D-F0BB-DE4B-95CE-6DB70DBA9567}" type="datetimeFigureOut">
               <a:rPr lang="en-US" dirty="0"/>
               <a:pPr/>
-              <a:t>5/2/22</a:t>
+              <a:t>5/3/22</a:t>
             </a:fld>
             <a:endParaRPr lang="en-US" dirty="0"/>
           </a:p>
@@ -3957,7 +3957,7 @@
             <a:fld id="{B61BEF0D-F0BB-DE4B-95CE-6DB70DBA9567}" type="datetimeFigureOut">
               <a:rPr lang="en-US" dirty="0"/>
               <a:pPr/>
-              <a:t>5/2/22</a:t>
+              <a:t>5/3/22</a:t>
             </a:fld>
             <a:endParaRPr lang="en-US" dirty="0"/>
           </a:p>
@@ -4159,7 +4159,7 @@
             <a:fld id="{B61BEF0D-F0BB-DE4B-95CE-6DB70DBA9567}" type="datetimeFigureOut">
               <a:rPr lang="en-US" dirty="0"/>
               <a:pPr/>
-              <a:t>5/2/22</a:t>
+              <a:t>5/3/22</a:t>
             </a:fld>
             <a:endParaRPr lang="en-US" dirty="0"/>
           </a:p>
@@ -4333,7 +4333,7 @@
             <a:fld id="{B61BEF0D-F0BB-DE4B-95CE-6DB70DBA9567}" type="datetimeFigureOut">
               <a:rPr lang="en-US" dirty="0"/>
               <a:pPr/>
-              <a:t>5/2/22</a:t>
+              <a:t>5/3/22</a:t>
             </a:fld>
             <a:endParaRPr lang="en-US" dirty="0"/>
           </a:p>
@@ -4663,7 +4663,7 @@
             <a:fld id="{B61BEF0D-F0BB-DE4B-95CE-6DB70DBA9567}" type="datetimeFigureOut">
               <a:rPr lang="en-US" dirty="0"/>
               <a:pPr/>
-              <a:t>5/2/22</a:t>
+              <a:t>5/3/22</a:t>
             </a:fld>
             <a:endParaRPr lang="en-US" dirty="0"/>
           </a:p>
@@ -5005,7 +5005,7 @@
             <a:fld id="{B61BEF0D-F0BB-DE4B-95CE-6DB70DBA9567}" type="datetimeFigureOut">
               <a:rPr lang="en-US" dirty="0"/>
               <a:pPr/>
-              <a:t>5/2/22</a:t>
+              <a:t>5/3/22</a:t>
             </a:fld>
             <a:endParaRPr lang="en-US" dirty="0"/>
           </a:p>
@@ -7119,7 +7119,7 @@
             <a:fld id="{B61BEF0D-F0BB-DE4B-95CE-6DB70DBA9567}" type="datetimeFigureOut">
               <a:rPr lang="en-US" dirty="0"/>
               <a:pPr/>
-              <a:t>5/2/22</a:t>
+              <a:t>5/3/22</a:t>
             </a:fld>
             <a:endParaRPr lang="en-US" dirty="0"/>
           </a:p>
@@ -8064,18 +8064,11 @@
             </a:r>
             <a:r>
               <a:rPr lang="en-US" dirty="0"/>
-              <a:t>– genre of a movie.</a:t>
-            </a:r>
-            <a:r>
-              <a:rPr lang="en-US" dirty="0">
-                <a:solidFill>
-                  <a:srgbClr val="FF0000"/>
-                </a:solidFill>
-                <a:highlight>
-                  <a:srgbClr val="0000FF"/>
-                </a:highlight>
-              </a:rPr>
-              <a:t>(why not include genre in movie table).</a:t>
+              <a:t>– genre of a </a:t>
+            </a:r>
+            <a:r>
+              <a:rPr lang="en-US"/>
+              <a:t>movie.</a:t>
             </a:r>
           </a:p>
           <a:p>
@@ -8282,10 +8275,10 @@
       </p:sp>
       <p:pic>
         <p:nvPicPr>
-          <p:cNvPr id="4" name="Picture 3">
+          <p:cNvPr id="3" name="Picture 2">
             <a:extLst>
               <a:ext uri="{FF2B5EF4-FFF2-40B4-BE49-F238E27FC236}">
-                <a16:creationId xmlns:a16="http://schemas.microsoft.com/office/drawing/2014/main" id="{1781B348-3808-4E05-5903-6186E885D216}"/>
+                <a16:creationId xmlns:a16="http://schemas.microsoft.com/office/drawing/2014/main" id="{C0B72E64-914B-F3A2-96DC-002661789C58}"/>
               </a:ext>
             </a:extLst>
           </p:cNvPr>
@@ -8302,8 +8295,8 @@
         </p:blipFill>
         <p:spPr>
           <a:xfrm>
-            <a:off x="1344613" y="1581150"/>
-            <a:ext cx="10160000" cy="4914900"/>
+            <a:off x="1329480" y="1458397"/>
+            <a:ext cx="10477500" cy="4927600"/>
           </a:xfrm>
           <a:prstGeom prst="rect">
             <a:avLst/>
@@ -8391,80 +8384,877 @@
         </p:nvSpPr>
         <p:spPr>
           <a:xfrm>
-            <a:off x="1899138" y="1488831"/>
-            <a:ext cx="9605474" cy="4422391"/>
+            <a:off x="1899137" y="1488831"/>
+            <a:ext cx="4314093" cy="4876800"/>
           </a:xfrm>
         </p:spPr>
         <p:txBody>
-          <a:bodyPr/>
+          <a:bodyPr>
+            <a:normAutofit fontScale="32500" lnSpcReduction="20000"/>
+          </a:bodyPr>
           <a:lstStyle/>
+          <a:p>
+            <a:r>
+              <a:rPr lang="en-US" sz="4400" b="1" i="1" dirty="0">
+                <a:solidFill>
+                  <a:schemeClr val="tx1"/>
+                </a:solidFill>
+              </a:rPr>
+              <a:t>Primary Keys:</a:t>
+            </a:r>
+          </a:p>
+          <a:p>
+            <a:pPr lvl="1"/>
+            <a:r>
+              <a:rPr lang="en-US" sz="4400" dirty="0">
+                <a:solidFill>
+                  <a:schemeClr val="tx1"/>
+                </a:solidFill>
+              </a:rPr>
+              <a:t>movies – id</a:t>
+            </a:r>
+          </a:p>
+          <a:p>
+            <a:pPr lvl="1"/>
+            <a:r>
+              <a:rPr lang="en-US" sz="4400" dirty="0">
+                <a:solidFill>
+                  <a:schemeClr val="tx1"/>
+                </a:solidFill>
+              </a:rPr>
+              <a:t>Actors – id</a:t>
+            </a:r>
+          </a:p>
+          <a:p>
+            <a:pPr lvl="1"/>
+            <a:r>
+              <a:rPr lang="en-US" sz="4400" dirty="0">
+                <a:solidFill>
+                  <a:schemeClr val="tx1"/>
+                </a:solidFill>
+              </a:rPr>
+              <a:t>Directors – id</a:t>
+            </a:r>
+          </a:p>
+          <a:p>
+            <a:pPr lvl="1"/>
+            <a:r>
+              <a:rPr lang="en-US" sz="4400" dirty="0">
+                <a:solidFill>
+                  <a:schemeClr val="tx1"/>
+                </a:solidFill>
+              </a:rPr>
+              <a:t>Movies-directors – (</a:t>
+            </a:r>
+            <a:r>
+              <a:rPr lang="en-US" sz="4400" dirty="0" err="1">
+                <a:solidFill>
+                  <a:schemeClr val="tx1"/>
+                </a:solidFill>
+              </a:rPr>
+              <a:t>director_id</a:t>
+            </a:r>
+            <a:r>
+              <a:rPr lang="en-US" sz="4400" dirty="0">
+                <a:solidFill>
+                  <a:schemeClr val="tx1"/>
+                </a:solidFill>
+              </a:rPr>
+              <a:t>, </a:t>
+            </a:r>
+            <a:r>
+              <a:rPr lang="en-US" sz="4400" dirty="0" err="1">
+                <a:solidFill>
+                  <a:schemeClr val="tx1"/>
+                </a:solidFill>
+              </a:rPr>
+              <a:t>movie_id</a:t>
+            </a:r>
+            <a:r>
+              <a:rPr lang="en-US" sz="4400" dirty="0">
+                <a:solidFill>
+                  <a:schemeClr val="tx1"/>
+                </a:solidFill>
+              </a:rPr>
+              <a:t>)</a:t>
+            </a:r>
+          </a:p>
+          <a:p>
+            <a:pPr lvl="1"/>
+            <a:r>
+              <a:rPr lang="en-US" sz="4400" dirty="0" err="1">
+                <a:solidFill>
+                  <a:schemeClr val="tx1"/>
+                </a:solidFill>
+              </a:rPr>
+              <a:t>Movies_genres</a:t>
+            </a:r>
+            <a:r>
+              <a:rPr lang="en-US" sz="4400" dirty="0">
+                <a:solidFill>
+                  <a:schemeClr val="tx1"/>
+                </a:solidFill>
+              </a:rPr>
+              <a:t> – (</a:t>
+            </a:r>
+            <a:r>
+              <a:rPr lang="en-US" sz="4400" dirty="0" err="1">
+                <a:solidFill>
+                  <a:schemeClr val="tx1"/>
+                </a:solidFill>
+              </a:rPr>
+              <a:t>movie_id</a:t>
+            </a:r>
+            <a:r>
+              <a:rPr lang="en-US" sz="4400" dirty="0">
+                <a:solidFill>
+                  <a:schemeClr val="tx1"/>
+                </a:solidFill>
+              </a:rPr>
+              <a:t>, genre)</a:t>
+            </a:r>
+          </a:p>
+          <a:p>
+            <a:pPr lvl="1"/>
+            <a:r>
+              <a:rPr lang="en-US" sz="4400" dirty="0" err="1">
+                <a:solidFill>
+                  <a:schemeClr val="tx1"/>
+                </a:solidFill>
+              </a:rPr>
+              <a:t>Directors_genres</a:t>
+            </a:r>
+            <a:r>
+              <a:rPr lang="en-US" sz="4400" dirty="0">
+                <a:solidFill>
+                  <a:schemeClr val="tx1"/>
+                </a:solidFill>
+              </a:rPr>
+              <a:t> – (</a:t>
+            </a:r>
+            <a:r>
+              <a:rPr lang="en-US" sz="4400" dirty="0" err="1">
+                <a:solidFill>
+                  <a:schemeClr val="tx1"/>
+                </a:solidFill>
+              </a:rPr>
+              <a:t>director_id</a:t>
+            </a:r>
+            <a:r>
+              <a:rPr lang="en-US" sz="4400" dirty="0">
+                <a:solidFill>
+                  <a:schemeClr val="tx1"/>
+                </a:solidFill>
+              </a:rPr>
+              <a:t>, genre)</a:t>
+            </a:r>
+          </a:p>
+          <a:p>
+            <a:pPr lvl="1"/>
+            <a:r>
+              <a:rPr lang="en-US" sz="4400" dirty="0">
+                <a:solidFill>
+                  <a:schemeClr val="tx1"/>
+                </a:solidFill>
+              </a:rPr>
+              <a:t>Roles – (</a:t>
+            </a:r>
+            <a:r>
+              <a:rPr lang="en-US" sz="4400" dirty="0" err="1">
+                <a:solidFill>
+                  <a:schemeClr val="tx1"/>
+                </a:solidFill>
+              </a:rPr>
+              <a:t>actor_id</a:t>
+            </a:r>
+            <a:r>
+              <a:rPr lang="en-US" sz="4400" dirty="0">
+                <a:solidFill>
+                  <a:schemeClr val="tx1"/>
+                </a:solidFill>
+              </a:rPr>
+              <a:t>, </a:t>
+            </a:r>
+            <a:r>
+              <a:rPr lang="en-US" sz="4400" dirty="0" err="1">
+                <a:solidFill>
+                  <a:schemeClr val="tx1"/>
+                </a:solidFill>
+              </a:rPr>
+              <a:t>movie_id</a:t>
+            </a:r>
+            <a:r>
+              <a:rPr lang="en-US" sz="4400" dirty="0">
+                <a:solidFill>
+                  <a:schemeClr val="tx1"/>
+                </a:solidFill>
+              </a:rPr>
+              <a:t>, role)</a:t>
+            </a:r>
+          </a:p>
+          <a:p>
+            <a:pPr lvl="1"/>
+            <a:r>
+              <a:rPr lang="en-US" sz="4400" dirty="0" err="1">
+                <a:solidFill>
+                  <a:schemeClr val="tx1"/>
+                </a:solidFill>
+              </a:rPr>
+              <a:t>Purchase_history</a:t>
+            </a:r>
+            <a:r>
+              <a:rPr lang="en-US" sz="4400" dirty="0">
+                <a:solidFill>
+                  <a:schemeClr val="tx1"/>
+                </a:solidFill>
+              </a:rPr>
+              <a:t> – </a:t>
+            </a:r>
+            <a:r>
+              <a:rPr lang="en-US" sz="4400" dirty="0" err="1">
+                <a:solidFill>
+                  <a:schemeClr val="tx1"/>
+                </a:solidFill>
+              </a:rPr>
+              <a:t>movie_id</a:t>
+            </a:r>
+            <a:endParaRPr lang="en-US" sz="4400" dirty="0">
+              <a:solidFill>
+                <a:srgbClr val="FF0000"/>
+              </a:solidFill>
+            </a:endParaRPr>
+          </a:p>
+          <a:p>
+            <a:r>
+              <a:rPr lang="en-US" sz="4400" b="1" i="1" dirty="0">
+                <a:solidFill>
+                  <a:schemeClr val="tx1"/>
+                </a:solidFill>
+              </a:rPr>
+              <a:t>Foreign Keys:</a:t>
+            </a:r>
+          </a:p>
+          <a:p>
+            <a:pPr lvl="1"/>
+            <a:r>
+              <a:rPr lang="en-US" sz="4300" dirty="0">
+                <a:solidFill>
+                  <a:schemeClr val="tx1"/>
+                </a:solidFill>
+              </a:rPr>
+              <a:t>Movies-directors – (</a:t>
+            </a:r>
+            <a:r>
+              <a:rPr lang="en-US" sz="4300" dirty="0" err="1">
+                <a:solidFill>
+                  <a:schemeClr val="tx1"/>
+                </a:solidFill>
+              </a:rPr>
+              <a:t>director_id</a:t>
+            </a:r>
+            <a:r>
+              <a:rPr lang="en-US" sz="4300" dirty="0">
+                <a:solidFill>
+                  <a:schemeClr val="tx1"/>
+                </a:solidFill>
+              </a:rPr>
+              <a:t>, </a:t>
+            </a:r>
+            <a:r>
+              <a:rPr lang="en-US" sz="4300" dirty="0" err="1">
+                <a:solidFill>
+                  <a:schemeClr val="tx1"/>
+                </a:solidFill>
+              </a:rPr>
+              <a:t>movie_id</a:t>
+            </a:r>
+            <a:r>
+              <a:rPr lang="en-US" sz="4300" dirty="0">
+                <a:solidFill>
+                  <a:schemeClr val="tx1"/>
+                </a:solidFill>
+              </a:rPr>
+              <a:t>)</a:t>
+            </a:r>
+          </a:p>
+          <a:p>
+            <a:pPr lvl="1"/>
+            <a:r>
+              <a:rPr lang="en-US" sz="4300" dirty="0" err="1">
+                <a:solidFill>
+                  <a:schemeClr val="tx1"/>
+                </a:solidFill>
+              </a:rPr>
+              <a:t>Movies_genres</a:t>
+            </a:r>
+            <a:r>
+              <a:rPr lang="en-US" sz="4300" dirty="0">
+                <a:solidFill>
+                  <a:schemeClr val="tx1"/>
+                </a:solidFill>
+              </a:rPr>
+              <a:t> – </a:t>
+            </a:r>
+            <a:r>
+              <a:rPr lang="en-US" sz="4300" dirty="0" err="1">
+                <a:solidFill>
+                  <a:schemeClr val="tx1"/>
+                </a:solidFill>
+              </a:rPr>
+              <a:t>movie_id</a:t>
+            </a:r>
+            <a:endParaRPr lang="en-US" sz="4300" dirty="0">
+              <a:solidFill>
+                <a:schemeClr val="tx1"/>
+              </a:solidFill>
+            </a:endParaRPr>
+          </a:p>
+          <a:p>
+            <a:pPr lvl="1"/>
+            <a:r>
+              <a:rPr lang="en-US" sz="4300" dirty="0" err="1">
+                <a:solidFill>
+                  <a:schemeClr val="tx1"/>
+                </a:solidFill>
+              </a:rPr>
+              <a:t>Directors_genres</a:t>
+            </a:r>
+            <a:r>
+              <a:rPr lang="en-US" sz="4300" dirty="0">
+                <a:solidFill>
+                  <a:schemeClr val="tx1"/>
+                </a:solidFill>
+              </a:rPr>
+              <a:t> – </a:t>
+            </a:r>
+            <a:r>
+              <a:rPr lang="en-US" sz="4300" dirty="0" err="1">
+                <a:solidFill>
+                  <a:schemeClr val="tx1"/>
+                </a:solidFill>
+              </a:rPr>
+              <a:t>director_id</a:t>
+            </a:r>
+            <a:endParaRPr lang="en-US" sz="4300" dirty="0">
+              <a:solidFill>
+                <a:schemeClr val="tx1"/>
+              </a:solidFill>
+            </a:endParaRPr>
+          </a:p>
+          <a:p>
+            <a:pPr lvl="1"/>
+            <a:r>
+              <a:rPr lang="en-US" sz="4300" dirty="0">
+                <a:solidFill>
+                  <a:schemeClr val="tx1"/>
+                </a:solidFill>
+              </a:rPr>
+              <a:t>Roles – (</a:t>
+            </a:r>
+            <a:r>
+              <a:rPr lang="en-US" sz="4300" dirty="0" err="1">
+                <a:solidFill>
+                  <a:schemeClr val="tx1"/>
+                </a:solidFill>
+              </a:rPr>
+              <a:t>actor_id</a:t>
+            </a:r>
+            <a:r>
+              <a:rPr lang="en-US" sz="4300" dirty="0">
+                <a:solidFill>
+                  <a:schemeClr val="tx1"/>
+                </a:solidFill>
+              </a:rPr>
+              <a:t>, </a:t>
+            </a:r>
+            <a:r>
+              <a:rPr lang="en-US" sz="4300" dirty="0" err="1">
+                <a:solidFill>
+                  <a:schemeClr val="tx1"/>
+                </a:solidFill>
+              </a:rPr>
+              <a:t>movie_id</a:t>
+            </a:r>
+            <a:r>
+              <a:rPr lang="en-US" sz="4300" dirty="0">
+                <a:solidFill>
+                  <a:schemeClr val="tx1"/>
+                </a:solidFill>
+              </a:rPr>
+              <a:t>)</a:t>
+            </a:r>
+          </a:p>
+        </p:txBody>
+      </p:sp>
+      <p:sp>
+        <p:nvSpPr>
+          <p:cNvPr id="4" name="Content Placeholder 2">
+            <a:extLst>
+              <a:ext uri="{FF2B5EF4-FFF2-40B4-BE49-F238E27FC236}">
+                <a16:creationId xmlns:a16="http://schemas.microsoft.com/office/drawing/2014/main" id="{D5B86895-9EAB-46A4-6C79-8BE53DE87275}"/>
+              </a:ext>
+            </a:extLst>
+          </p:cNvPr>
+          <p:cNvSpPr txBox="1">
+            <a:spLocks/>
+          </p:cNvSpPr>
+          <p:nvPr/>
+        </p:nvSpPr>
+        <p:spPr>
+          <a:xfrm>
+            <a:off x="6459414" y="1488830"/>
+            <a:ext cx="4314093" cy="4422391"/>
+          </a:xfrm>
+          <a:prstGeom prst="rect">
+            <a:avLst/>
+          </a:prstGeom>
+        </p:spPr>
+        <p:txBody>
+          <a:bodyPr vert="horz" lIns="91440" tIns="45720" rIns="91440" bIns="45720" rtlCol="0">
+            <a:normAutofit/>
+          </a:bodyPr>
+          <a:lstStyle>
+            <a:lvl1pPr marL="342900" indent="-342900" algn="l" defTabSz="457200" rtl="0" eaLnBrk="1" latinLnBrk="0" hangingPunct="1">
+              <a:spcBef>
+                <a:spcPts val="1000"/>
+              </a:spcBef>
+              <a:spcAft>
+                <a:spcPts val="0"/>
+              </a:spcAft>
+              <a:buClr>
+                <a:schemeClr val="accent1"/>
+              </a:buClr>
+              <a:buFont typeface="Wingdings 3" charset="2"/>
+              <a:buChar char=""/>
+              <a:defRPr sz="1800" kern="1200">
+                <a:solidFill>
+                  <a:schemeClr val="tx1">
+                    <a:lumMod val="75000"/>
+                    <a:lumOff val="25000"/>
+                  </a:schemeClr>
+                </a:solidFill>
+                <a:latin typeface="+mn-lt"/>
+                <a:ea typeface="+mn-ea"/>
+                <a:cs typeface="+mn-cs"/>
+              </a:defRPr>
+            </a:lvl1pPr>
+            <a:lvl2pPr marL="742950" indent="-285750" algn="l" defTabSz="457200" rtl="0" eaLnBrk="1" latinLnBrk="0" hangingPunct="1">
+              <a:spcBef>
+                <a:spcPts val="1000"/>
+              </a:spcBef>
+              <a:spcAft>
+                <a:spcPts val="0"/>
+              </a:spcAft>
+              <a:buClr>
+                <a:schemeClr val="accent1"/>
+              </a:buClr>
+              <a:buFont typeface="Wingdings 3" charset="2"/>
+              <a:buChar char=""/>
+              <a:defRPr sz="1600" kern="1200">
+                <a:solidFill>
+                  <a:schemeClr val="tx1">
+                    <a:lumMod val="75000"/>
+                    <a:lumOff val="25000"/>
+                  </a:schemeClr>
+                </a:solidFill>
+                <a:latin typeface="+mn-lt"/>
+                <a:ea typeface="+mn-ea"/>
+                <a:cs typeface="+mn-cs"/>
+              </a:defRPr>
+            </a:lvl2pPr>
+            <a:lvl3pPr marL="1143000" indent="-228600" algn="l" defTabSz="457200" rtl="0" eaLnBrk="1" latinLnBrk="0" hangingPunct="1">
+              <a:spcBef>
+                <a:spcPts val="1000"/>
+              </a:spcBef>
+              <a:spcAft>
+                <a:spcPts val="0"/>
+              </a:spcAft>
+              <a:buClr>
+                <a:schemeClr val="accent1"/>
+              </a:buClr>
+              <a:buFont typeface="Wingdings 3" charset="2"/>
+              <a:buChar char=""/>
+              <a:defRPr sz="1400" kern="1200">
+                <a:solidFill>
+                  <a:schemeClr val="tx1">
+                    <a:lumMod val="75000"/>
+                    <a:lumOff val="25000"/>
+                  </a:schemeClr>
+                </a:solidFill>
+                <a:latin typeface="+mn-lt"/>
+                <a:ea typeface="+mn-ea"/>
+                <a:cs typeface="+mn-cs"/>
+              </a:defRPr>
+            </a:lvl3pPr>
+            <a:lvl4pPr marL="1600200" indent="-228600" algn="l" defTabSz="457200" rtl="0" eaLnBrk="1" latinLnBrk="0" hangingPunct="1">
+              <a:spcBef>
+                <a:spcPts val="1000"/>
+              </a:spcBef>
+              <a:spcAft>
+                <a:spcPts val="0"/>
+              </a:spcAft>
+              <a:buClr>
+                <a:schemeClr val="accent1"/>
+              </a:buClr>
+              <a:buFont typeface="Wingdings 3" charset="2"/>
+              <a:buChar char=""/>
+              <a:defRPr sz="1200" kern="1200">
+                <a:solidFill>
+                  <a:schemeClr val="tx1">
+                    <a:lumMod val="75000"/>
+                    <a:lumOff val="25000"/>
+                  </a:schemeClr>
+                </a:solidFill>
+                <a:latin typeface="+mn-lt"/>
+                <a:ea typeface="+mn-ea"/>
+                <a:cs typeface="+mn-cs"/>
+              </a:defRPr>
+            </a:lvl4pPr>
+            <a:lvl5pPr marL="2057400" indent="-228600" algn="l" defTabSz="457200" rtl="0" eaLnBrk="1" latinLnBrk="0" hangingPunct="1">
+              <a:spcBef>
+                <a:spcPts val="1000"/>
+              </a:spcBef>
+              <a:spcAft>
+                <a:spcPts val="0"/>
+              </a:spcAft>
+              <a:buClr>
+                <a:schemeClr val="accent1"/>
+              </a:buClr>
+              <a:buFont typeface="Wingdings 3" charset="2"/>
+              <a:buChar char=""/>
+              <a:defRPr sz="1200" kern="1200">
+                <a:solidFill>
+                  <a:schemeClr val="tx1">
+                    <a:lumMod val="75000"/>
+                    <a:lumOff val="25000"/>
+                  </a:schemeClr>
+                </a:solidFill>
+                <a:latin typeface="+mn-lt"/>
+                <a:ea typeface="+mn-ea"/>
+                <a:cs typeface="+mn-cs"/>
+              </a:defRPr>
+            </a:lvl5pPr>
+            <a:lvl6pPr marL="2514600" indent="-228600" algn="l" defTabSz="457200" rtl="0" eaLnBrk="1" latinLnBrk="0" hangingPunct="1">
+              <a:spcBef>
+                <a:spcPts val="1000"/>
+              </a:spcBef>
+              <a:spcAft>
+                <a:spcPts val="0"/>
+              </a:spcAft>
+              <a:buClr>
+                <a:schemeClr val="accent1"/>
+              </a:buClr>
+              <a:buFont typeface="Wingdings 3" charset="2"/>
+              <a:buChar char=""/>
+              <a:defRPr sz="1200" kern="1200">
+                <a:solidFill>
+                  <a:schemeClr val="tx1">
+                    <a:lumMod val="75000"/>
+                    <a:lumOff val="25000"/>
+                  </a:schemeClr>
+                </a:solidFill>
+                <a:latin typeface="+mn-lt"/>
+                <a:ea typeface="+mn-ea"/>
+                <a:cs typeface="+mn-cs"/>
+              </a:defRPr>
+            </a:lvl6pPr>
+            <a:lvl7pPr marL="2971800" indent="-228600" algn="l" defTabSz="457200" rtl="0" eaLnBrk="1" latinLnBrk="0" hangingPunct="1">
+              <a:spcBef>
+                <a:spcPts val="1000"/>
+              </a:spcBef>
+              <a:spcAft>
+                <a:spcPts val="0"/>
+              </a:spcAft>
+              <a:buClr>
+                <a:schemeClr val="accent1"/>
+              </a:buClr>
+              <a:buFont typeface="Wingdings 3" charset="2"/>
+              <a:buChar char=""/>
+              <a:defRPr sz="1200" kern="1200">
+                <a:solidFill>
+                  <a:schemeClr val="tx1">
+                    <a:lumMod val="75000"/>
+                    <a:lumOff val="25000"/>
+                  </a:schemeClr>
+                </a:solidFill>
+                <a:latin typeface="+mn-lt"/>
+                <a:ea typeface="+mn-ea"/>
+                <a:cs typeface="+mn-cs"/>
+              </a:defRPr>
+            </a:lvl7pPr>
+            <a:lvl8pPr marL="3429000" indent="-228600" algn="l" defTabSz="457200" rtl="0" eaLnBrk="1" latinLnBrk="0" hangingPunct="1">
+              <a:spcBef>
+                <a:spcPts val="1000"/>
+              </a:spcBef>
+              <a:spcAft>
+                <a:spcPts val="0"/>
+              </a:spcAft>
+              <a:buClr>
+                <a:schemeClr val="accent1"/>
+              </a:buClr>
+              <a:buFont typeface="Wingdings 3" charset="2"/>
+              <a:buChar char=""/>
+              <a:defRPr sz="1200" kern="1200">
+                <a:solidFill>
+                  <a:schemeClr val="tx1">
+                    <a:lumMod val="75000"/>
+                    <a:lumOff val="25000"/>
+                  </a:schemeClr>
+                </a:solidFill>
+                <a:latin typeface="+mn-lt"/>
+                <a:ea typeface="+mn-ea"/>
+                <a:cs typeface="+mn-cs"/>
+              </a:defRPr>
+            </a:lvl8pPr>
+            <a:lvl9pPr marL="3886200" indent="-228600" algn="l" defTabSz="457200" rtl="0" eaLnBrk="1" latinLnBrk="0" hangingPunct="1">
+              <a:spcBef>
+                <a:spcPts val="1000"/>
+              </a:spcBef>
+              <a:spcAft>
+                <a:spcPts val="0"/>
+              </a:spcAft>
+              <a:buClr>
+                <a:schemeClr val="accent1"/>
+              </a:buClr>
+              <a:buFont typeface="Wingdings 3" charset="2"/>
+              <a:buChar char=""/>
+              <a:defRPr sz="1200" kern="1200">
+                <a:solidFill>
+                  <a:schemeClr val="tx1">
+                    <a:lumMod val="75000"/>
+                    <a:lumOff val="25000"/>
+                  </a:schemeClr>
+                </a:solidFill>
+                <a:latin typeface="+mn-lt"/>
+                <a:ea typeface="+mn-ea"/>
+                <a:cs typeface="+mn-cs"/>
+              </a:defRPr>
+            </a:lvl9pPr>
+          </a:lstStyle>
+          <a:p>
+            <a:r>
+              <a:rPr lang="en-US" sz="1400" b="1" i="1" dirty="0">
+                <a:solidFill>
+                  <a:schemeClr val="tx1"/>
+                </a:solidFill>
+              </a:rPr>
+              <a:t>Triggers:</a:t>
+            </a:r>
+          </a:p>
+          <a:p>
+            <a:pPr lvl="1"/>
+            <a:r>
+              <a:rPr lang="en-US" sz="1200" b="1" i="1" dirty="0" err="1">
+                <a:solidFill>
+                  <a:schemeClr val="tx1"/>
+                </a:solidFill>
+              </a:rPr>
+              <a:t>Log_purchase_history</a:t>
+            </a:r>
+            <a:r>
+              <a:rPr lang="en-US" sz="1200" b="1" i="1" dirty="0">
+                <a:solidFill>
+                  <a:schemeClr val="tx1"/>
+                </a:solidFill>
+              </a:rPr>
+              <a:t> – </a:t>
+            </a:r>
+            <a:r>
+              <a:rPr lang="en-US" sz="1200" dirty="0">
+                <a:solidFill>
+                  <a:schemeClr val="tx1"/>
+                </a:solidFill>
+              </a:rPr>
+              <a:t>automatically keeps track of the number of times a movie is rented.</a:t>
+            </a:r>
+          </a:p>
+          <a:p>
+            <a:pPr lvl="1"/>
+            <a:r>
+              <a:rPr lang="en-US" sz="1200" b="1" i="1" dirty="0" err="1">
+                <a:solidFill>
+                  <a:schemeClr val="tx1"/>
+                </a:solidFill>
+              </a:rPr>
+              <a:t>Actor_Gender</a:t>
+            </a:r>
+            <a:r>
+              <a:rPr lang="en-US" sz="1200" b="1" i="1" dirty="0">
+                <a:solidFill>
+                  <a:schemeClr val="tx1"/>
+                </a:solidFill>
+              </a:rPr>
+              <a:t> – </a:t>
+            </a:r>
+            <a:r>
+              <a:rPr lang="en-US" sz="1200" dirty="0">
+                <a:solidFill>
+                  <a:schemeClr val="tx1"/>
+                </a:solidFill>
+              </a:rPr>
+              <a:t>Only allows (M, F and NB) in gender attribute.</a:t>
+            </a:r>
+          </a:p>
           <a:p>
             <a:pPr marL="457200" lvl="1" indent="0">
               <a:buNone/>
             </a:pPr>
-            <a:r>
-              <a:rPr lang="en-US" dirty="0">
-                <a:solidFill>
-                  <a:srgbClr val="FF0000"/>
-                </a:solidFill>
-              </a:rPr>
-              <a:t>Primary and foreign keys</a:t>
+            <a:endParaRPr lang="en-US" sz="1200" b="1" i="1" dirty="0">
+              <a:solidFill>
+                <a:srgbClr val="FF0000"/>
+              </a:solidFill>
+            </a:endParaRPr>
+          </a:p>
+          <a:p>
+            <a:r>
+              <a:rPr lang="en-US" sz="1400" b="1" i="1" dirty="0">
+                <a:solidFill>
+                  <a:schemeClr val="tx1"/>
+                </a:solidFill>
+              </a:rPr>
+              <a:t>Check Conditions:</a:t>
+            </a:r>
+          </a:p>
+          <a:p>
+            <a:pPr lvl="1"/>
+            <a:r>
+              <a:rPr lang="en-US" sz="1200" dirty="0">
+                <a:solidFill>
+                  <a:schemeClr val="tx1"/>
+                </a:solidFill>
+              </a:rPr>
+              <a:t>Movies price cannot be negative</a:t>
+            </a:r>
+          </a:p>
+          <a:p>
+            <a:pPr lvl="1"/>
+            <a:r>
+              <a:rPr lang="en-US" sz="1200" dirty="0">
+                <a:solidFill>
+                  <a:schemeClr val="tx1"/>
+                </a:solidFill>
+              </a:rPr>
+              <a:t>Movie rating should be between 1 to 10</a:t>
             </a:r>
           </a:p>
           <a:p>
             <a:pPr marL="457200" lvl="1" indent="0">
               <a:buNone/>
             </a:pPr>
-            <a:r>
-              <a:rPr lang="en-US" dirty="0">
-                <a:solidFill>
-                  <a:srgbClr val="FF0000"/>
-                </a:solidFill>
-              </a:rPr>
-              <a:t>Check conditions</a:t>
-            </a:r>
+            <a:endParaRPr lang="en-US" sz="1200" dirty="0">
+              <a:solidFill>
+                <a:schemeClr val="tx1"/>
+              </a:solidFill>
+            </a:endParaRPr>
+          </a:p>
+          <a:p>
+            <a:r>
+              <a:rPr lang="en-US" sz="1400" b="1" i="1" dirty="0">
+                <a:solidFill>
+                  <a:schemeClr val="tx1"/>
+                </a:solidFill>
+              </a:rPr>
+              <a:t>Sequences:</a:t>
+            </a:r>
+          </a:p>
+          <a:p>
+            <a:pPr lvl="1"/>
+            <a:r>
+              <a:rPr lang="en-US" sz="1200" dirty="0" err="1">
+                <a:solidFill>
+                  <a:schemeClr val="tx1"/>
+                </a:solidFill>
+              </a:rPr>
+              <a:t>actors_id_seq</a:t>
+            </a:r>
+            <a:endParaRPr lang="en-US" sz="1200" dirty="0">
+              <a:solidFill>
+                <a:schemeClr val="tx1"/>
+              </a:solidFill>
+            </a:endParaRPr>
+          </a:p>
+          <a:p>
+            <a:pPr lvl="1"/>
+            <a:r>
+              <a:rPr lang="en-US" sz="1200" dirty="0" err="1">
+                <a:solidFill>
+                  <a:schemeClr val="tx1"/>
+                </a:solidFill>
+              </a:rPr>
+              <a:t>directors_id_seq</a:t>
+            </a:r>
+            <a:endParaRPr lang="en-US" sz="1200" dirty="0">
+              <a:solidFill>
+                <a:schemeClr val="tx1"/>
+              </a:solidFill>
+            </a:endParaRPr>
+          </a:p>
+          <a:p>
+            <a:pPr lvl="1"/>
+            <a:r>
+              <a:rPr lang="en-US" sz="1200" dirty="0" err="1">
+                <a:solidFill>
+                  <a:schemeClr val="tx1"/>
+                </a:solidFill>
+              </a:rPr>
+              <a:t>movies_id_seq</a:t>
+            </a:r>
+            <a:endParaRPr lang="en-US" sz="1200" dirty="0">
+              <a:solidFill>
+                <a:schemeClr val="tx1"/>
+              </a:solidFill>
+            </a:endParaRPr>
+          </a:p>
+          <a:p>
+            <a:endParaRPr lang="en-US" sz="1400" dirty="0">
+              <a:solidFill>
+                <a:schemeClr val="tx1"/>
+              </a:solidFill>
+            </a:endParaRPr>
+          </a:p>
+          <a:p>
+            <a:endParaRPr lang="en-US" dirty="0">
+              <a:solidFill>
+                <a:srgbClr val="FF0000"/>
+              </a:solidFill>
+            </a:endParaRPr>
           </a:p>
           <a:p>
             <a:pPr marL="457200" lvl="1" indent="0">
+              <a:buFont typeface="Wingdings 3" charset="2"/>
               <a:buNone/>
             </a:pPr>
-            <a:r>
-              <a:rPr lang="en-US" dirty="0">
-                <a:solidFill>
-                  <a:srgbClr val="FF0000"/>
-                </a:solidFill>
-              </a:rPr>
-              <a:t>Sequencing</a:t>
-            </a:r>
+            <a:endParaRPr lang="en-US" dirty="0">
+              <a:solidFill>
+                <a:srgbClr val="FF0000"/>
+              </a:solidFill>
+            </a:endParaRPr>
           </a:p>
           <a:p>
             <a:pPr marL="457200" lvl="1" indent="0">
+              <a:buFont typeface="Wingdings 3" charset="2"/>
               <a:buNone/>
             </a:pPr>
-            <a:r>
-              <a:rPr lang="en-US" dirty="0">
-                <a:solidFill>
-                  <a:srgbClr val="FF0000"/>
-                </a:solidFill>
-              </a:rPr>
-              <a:t>Indexing</a:t>
-            </a:r>
+            <a:endParaRPr lang="en-US" dirty="0">
+              <a:solidFill>
+                <a:srgbClr val="FF0000"/>
+              </a:solidFill>
+            </a:endParaRPr>
           </a:p>
           <a:p>
             <a:pPr marL="457200" lvl="1" indent="0">
+              <a:buFont typeface="Wingdings 3" charset="2"/>
               <a:buNone/>
             </a:pPr>
-            <a:r>
-              <a:rPr lang="en-US" dirty="0">
-                <a:solidFill>
-                  <a:srgbClr val="FF0000"/>
-                </a:solidFill>
-              </a:rPr>
-              <a:t>triggers</a:t>
-            </a:r>
+            <a:endParaRPr lang="en-US" dirty="0">
+              <a:solidFill>
+                <a:srgbClr val="FF0000"/>
+              </a:solidFill>
+            </a:endParaRPr>
           </a:p>
           <a:p>
             <a:pPr marL="457200" lvl="1" indent="0">
+              <a:buFont typeface="Wingdings 3" charset="2"/>
               <a:buNone/>
             </a:pPr>
             <a:endParaRPr lang="en-US" dirty="0"/>
@@ -8560,22 +9350,1956 @@
         </p:nvSpPr>
         <p:spPr>
           <a:xfrm>
-            <a:off x="1899138" y="1488831"/>
-            <a:ext cx="9605474" cy="4422391"/>
+            <a:off x="1219200" y="1488831"/>
+            <a:ext cx="4953574" cy="4745059"/>
           </a:xfrm>
         </p:spPr>
         <p:txBody>
-          <a:bodyPr/>
+          <a:bodyPr>
+            <a:normAutofit fontScale="85000" lnSpcReduction="20000"/>
+          </a:bodyPr>
           <a:lstStyle/>
           <a:p>
-            <a:pPr marL="457200" lvl="1" indent="0">
+            <a:pPr marL="0" marR="0">
+              <a:spcBef>
+                <a:spcPts val="0"/>
+              </a:spcBef>
+              <a:spcAft>
+                <a:spcPts val="0"/>
+              </a:spcAft>
+            </a:pPr>
+            <a:r>
+              <a:rPr lang="en-US" sz="1900" b="1" dirty="0">
+                <a:solidFill>
+                  <a:srgbClr val="000000"/>
+                </a:solidFill>
+                <a:effectLst/>
+                <a:latin typeface="Times New Roman" panose="02020603050405020304" pitchFamily="18" charset="0"/>
+                <a:ea typeface="Calibri" panose="020F0502020204030204" pitchFamily="34" charset="0"/>
+              </a:rPr>
+              <a:t>actors (id, </a:t>
+            </a:r>
+            <a:r>
+              <a:rPr lang="en-US" sz="1900" b="1" dirty="0" err="1">
+                <a:solidFill>
+                  <a:srgbClr val="000000"/>
+                </a:solidFill>
+                <a:effectLst/>
+                <a:latin typeface="Times New Roman" panose="02020603050405020304" pitchFamily="18" charset="0"/>
+                <a:ea typeface="Calibri" panose="020F0502020204030204" pitchFamily="34" charset="0"/>
+              </a:rPr>
+              <a:t>first_name</a:t>
+            </a:r>
+            <a:r>
+              <a:rPr lang="en-US" sz="1900" b="1" dirty="0">
+                <a:solidFill>
+                  <a:srgbClr val="000000"/>
+                </a:solidFill>
+                <a:effectLst/>
+                <a:latin typeface="Times New Roman" panose="02020603050405020304" pitchFamily="18" charset="0"/>
+                <a:ea typeface="Calibri" panose="020F0502020204030204" pitchFamily="34" charset="0"/>
+              </a:rPr>
+              <a:t>, </a:t>
+            </a:r>
+            <a:r>
+              <a:rPr lang="en-US" sz="1900" b="1" dirty="0" err="1">
+                <a:solidFill>
+                  <a:srgbClr val="000000"/>
+                </a:solidFill>
+                <a:effectLst/>
+                <a:latin typeface="Times New Roman" panose="02020603050405020304" pitchFamily="18" charset="0"/>
+                <a:ea typeface="Calibri" panose="020F0502020204030204" pitchFamily="34" charset="0"/>
+              </a:rPr>
+              <a:t>last_name</a:t>
+            </a:r>
+            <a:r>
+              <a:rPr lang="en-US" sz="1900" b="1" dirty="0">
+                <a:solidFill>
+                  <a:srgbClr val="000000"/>
+                </a:solidFill>
+                <a:effectLst/>
+                <a:latin typeface="Times New Roman" panose="02020603050405020304" pitchFamily="18" charset="0"/>
+                <a:ea typeface="Calibri" panose="020F0502020204030204" pitchFamily="34" charset="0"/>
+              </a:rPr>
+              <a:t>, gender)</a:t>
+            </a:r>
+            <a:endParaRPr lang="en-US" sz="1900" dirty="0">
+              <a:solidFill>
+                <a:srgbClr val="000000"/>
+              </a:solidFill>
+              <a:effectLst/>
+              <a:latin typeface="Calibri" panose="020F0502020204030204" pitchFamily="34" charset="0"/>
+              <a:ea typeface="Calibri" panose="020F0502020204030204" pitchFamily="34" charset="0"/>
+            </a:endParaRPr>
+          </a:p>
+          <a:p>
+            <a:pPr marL="0" marR="0">
+              <a:spcBef>
+                <a:spcPts val="0"/>
+              </a:spcBef>
+              <a:spcAft>
+                <a:spcPts val="0"/>
+              </a:spcAft>
+            </a:pPr>
+            <a:r>
+              <a:rPr lang="en-US" sz="1900" dirty="0">
+                <a:solidFill>
+                  <a:srgbClr val="000000"/>
+                </a:solidFill>
+                <a:effectLst/>
+                <a:latin typeface="Times New Roman" panose="02020603050405020304" pitchFamily="18" charset="0"/>
+                <a:ea typeface="Calibri" panose="020F0502020204030204" pitchFamily="34" charset="0"/>
+              </a:rPr>
+              <a:t>Functional dependencies: </a:t>
+            </a:r>
+            <a:endParaRPr lang="en-US" sz="1900" dirty="0">
+              <a:solidFill>
+                <a:srgbClr val="000000"/>
+              </a:solidFill>
+              <a:effectLst/>
+              <a:latin typeface="Calibri" panose="020F0502020204030204" pitchFamily="34" charset="0"/>
+              <a:ea typeface="Calibri" panose="020F0502020204030204" pitchFamily="34" charset="0"/>
+            </a:endParaRPr>
+          </a:p>
+          <a:p>
+            <a:pPr marL="0" marR="0">
+              <a:spcBef>
+                <a:spcPts val="0"/>
+              </a:spcBef>
+              <a:spcAft>
+                <a:spcPts val="0"/>
+              </a:spcAft>
+            </a:pPr>
+            <a:r>
+              <a:rPr lang="en-US" sz="1900" dirty="0">
+                <a:solidFill>
+                  <a:srgbClr val="000000"/>
+                </a:solidFill>
+                <a:effectLst/>
+                <a:latin typeface="Times New Roman" panose="02020603050405020304" pitchFamily="18" charset="0"/>
+                <a:ea typeface="Calibri" panose="020F0502020204030204" pitchFamily="34" charset="0"/>
+              </a:rPr>
+              <a:t>Id-&gt; </a:t>
+            </a:r>
+            <a:r>
+              <a:rPr lang="en-US" sz="1900" dirty="0" err="1">
+                <a:solidFill>
+                  <a:srgbClr val="000000"/>
+                </a:solidFill>
+                <a:effectLst/>
+                <a:latin typeface="Times New Roman" panose="02020603050405020304" pitchFamily="18" charset="0"/>
+                <a:ea typeface="Calibri" panose="020F0502020204030204" pitchFamily="34" charset="0"/>
+              </a:rPr>
+              <a:t>first_name</a:t>
+            </a:r>
+            <a:endParaRPr lang="en-US" sz="1900" dirty="0">
+              <a:solidFill>
+                <a:srgbClr val="000000"/>
+              </a:solidFill>
+              <a:effectLst/>
+              <a:latin typeface="Calibri" panose="020F0502020204030204" pitchFamily="34" charset="0"/>
+              <a:ea typeface="Calibri" panose="020F0502020204030204" pitchFamily="34" charset="0"/>
+            </a:endParaRPr>
+          </a:p>
+          <a:p>
+            <a:pPr marL="0" marR="0">
+              <a:spcBef>
+                <a:spcPts val="0"/>
+              </a:spcBef>
+              <a:spcAft>
+                <a:spcPts val="0"/>
+              </a:spcAft>
+            </a:pPr>
+            <a:r>
+              <a:rPr lang="en-US" sz="1900" dirty="0">
+                <a:solidFill>
+                  <a:srgbClr val="000000"/>
+                </a:solidFill>
+                <a:effectLst/>
+                <a:latin typeface="Times New Roman" panose="02020603050405020304" pitchFamily="18" charset="0"/>
+                <a:ea typeface="Calibri" panose="020F0502020204030204" pitchFamily="34" charset="0"/>
+              </a:rPr>
+              <a:t>Id-&gt; </a:t>
+            </a:r>
+            <a:r>
+              <a:rPr lang="en-US" sz="1900" dirty="0" err="1">
+                <a:solidFill>
+                  <a:srgbClr val="000000"/>
+                </a:solidFill>
+                <a:effectLst/>
+                <a:latin typeface="Times New Roman" panose="02020603050405020304" pitchFamily="18" charset="0"/>
+                <a:ea typeface="Calibri" panose="020F0502020204030204" pitchFamily="34" charset="0"/>
+              </a:rPr>
+              <a:t>last_name</a:t>
+            </a:r>
+            <a:endParaRPr lang="en-US" sz="1900" dirty="0">
+              <a:solidFill>
+                <a:srgbClr val="000000"/>
+              </a:solidFill>
+              <a:effectLst/>
+              <a:latin typeface="Calibri" panose="020F0502020204030204" pitchFamily="34" charset="0"/>
+              <a:ea typeface="Calibri" panose="020F0502020204030204" pitchFamily="34" charset="0"/>
+            </a:endParaRPr>
+          </a:p>
+          <a:p>
+            <a:pPr marL="0" marR="0">
+              <a:spcBef>
+                <a:spcPts val="0"/>
+              </a:spcBef>
+              <a:spcAft>
+                <a:spcPts val="0"/>
+              </a:spcAft>
+            </a:pPr>
+            <a:r>
+              <a:rPr lang="en-US" sz="1900" dirty="0">
+                <a:solidFill>
+                  <a:srgbClr val="000000"/>
+                </a:solidFill>
+                <a:effectLst/>
+                <a:latin typeface="Times New Roman" panose="02020603050405020304" pitchFamily="18" charset="0"/>
+                <a:ea typeface="Calibri" panose="020F0502020204030204" pitchFamily="34" charset="0"/>
+              </a:rPr>
+              <a:t>Id-&gt; gender</a:t>
+            </a:r>
+            <a:endParaRPr lang="en-US" sz="1900" dirty="0">
+              <a:solidFill>
+                <a:srgbClr val="000000"/>
+              </a:solidFill>
+              <a:effectLst/>
+              <a:latin typeface="Calibri" panose="020F0502020204030204" pitchFamily="34" charset="0"/>
+              <a:ea typeface="Calibri" panose="020F0502020204030204" pitchFamily="34" charset="0"/>
+            </a:endParaRPr>
+          </a:p>
+          <a:p>
+            <a:pPr marL="0" marR="0" indent="0">
+              <a:spcBef>
+                <a:spcPts val="0"/>
+              </a:spcBef>
+              <a:spcAft>
+                <a:spcPts val="0"/>
+              </a:spcAft>
               <a:buNone/>
             </a:pPr>
-            <a:endParaRPr lang="en-US" dirty="0"/>
+            <a:endParaRPr lang="en-US" sz="1900" dirty="0">
+              <a:solidFill>
+                <a:srgbClr val="000000"/>
+              </a:solidFill>
+              <a:effectLst/>
+              <a:latin typeface="Calibri" panose="020F0502020204030204" pitchFamily="34" charset="0"/>
+              <a:ea typeface="Calibri" panose="020F0502020204030204" pitchFamily="34" charset="0"/>
+            </a:endParaRPr>
+          </a:p>
+          <a:p>
+            <a:pPr marL="0" marR="0">
+              <a:spcBef>
+                <a:spcPts val="0"/>
+              </a:spcBef>
+              <a:spcAft>
+                <a:spcPts val="0"/>
+              </a:spcAft>
+            </a:pPr>
+            <a:r>
+              <a:rPr lang="en-US" sz="1900" b="1" dirty="0">
+                <a:solidFill>
+                  <a:srgbClr val="000000"/>
+                </a:solidFill>
+                <a:effectLst/>
+                <a:latin typeface="Times New Roman" panose="02020603050405020304" pitchFamily="18" charset="0"/>
+                <a:ea typeface="Calibri" panose="020F0502020204030204" pitchFamily="34" charset="0"/>
+              </a:rPr>
+              <a:t>directors (Id, </a:t>
+            </a:r>
+            <a:r>
+              <a:rPr lang="en-US" sz="1900" b="1" dirty="0" err="1">
+                <a:solidFill>
+                  <a:srgbClr val="000000"/>
+                </a:solidFill>
+                <a:effectLst/>
+                <a:latin typeface="Times New Roman" panose="02020603050405020304" pitchFamily="18" charset="0"/>
+                <a:ea typeface="Calibri" panose="020F0502020204030204" pitchFamily="34" charset="0"/>
+              </a:rPr>
+              <a:t>first_name</a:t>
+            </a:r>
+            <a:r>
+              <a:rPr lang="en-US" sz="1900" b="1" dirty="0">
+                <a:solidFill>
+                  <a:srgbClr val="000000"/>
+                </a:solidFill>
+                <a:effectLst/>
+                <a:latin typeface="Times New Roman" panose="02020603050405020304" pitchFamily="18" charset="0"/>
+                <a:ea typeface="Calibri" panose="020F0502020204030204" pitchFamily="34" charset="0"/>
+              </a:rPr>
+              <a:t>, </a:t>
+            </a:r>
+            <a:r>
+              <a:rPr lang="en-US" sz="1900" b="1" dirty="0" err="1">
+                <a:solidFill>
+                  <a:srgbClr val="000000"/>
+                </a:solidFill>
+                <a:effectLst/>
+                <a:latin typeface="Times New Roman" panose="02020603050405020304" pitchFamily="18" charset="0"/>
+                <a:ea typeface="Calibri" panose="020F0502020204030204" pitchFamily="34" charset="0"/>
+              </a:rPr>
+              <a:t>last_name</a:t>
+            </a:r>
+            <a:r>
+              <a:rPr lang="en-US" sz="1900" b="1" dirty="0">
+                <a:solidFill>
+                  <a:srgbClr val="000000"/>
+                </a:solidFill>
+                <a:effectLst/>
+                <a:latin typeface="Times New Roman" panose="02020603050405020304" pitchFamily="18" charset="0"/>
+                <a:ea typeface="Calibri" panose="020F0502020204030204" pitchFamily="34" charset="0"/>
+              </a:rPr>
+              <a:t>)</a:t>
+            </a:r>
+            <a:endParaRPr lang="en-US" sz="1900" dirty="0">
+              <a:solidFill>
+                <a:srgbClr val="000000"/>
+              </a:solidFill>
+              <a:effectLst/>
+              <a:latin typeface="Calibri" panose="020F0502020204030204" pitchFamily="34" charset="0"/>
+              <a:ea typeface="Calibri" panose="020F0502020204030204" pitchFamily="34" charset="0"/>
+            </a:endParaRPr>
+          </a:p>
+          <a:p>
+            <a:pPr marL="0" marR="0">
+              <a:spcBef>
+                <a:spcPts val="0"/>
+              </a:spcBef>
+              <a:spcAft>
+                <a:spcPts val="0"/>
+              </a:spcAft>
+            </a:pPr>
+            <a:r>
+              <a:rPr lang="en-US" sz="1900" dirty="0">
+                <a:solidFill>
+                  <a:srgbClr val="000000"/>
+                </a:solidFill>
+                <a:effectLst/>
+                <a:latin typeface="Times New Roman" panose="02020603050405020304" pitchFamily="18" charset="0"/>
+                <a:ea typeface="Calibri" panose="020F0502020204030204" pitchFamily="34" charset="0"/>
+              </a:rPr>
+              <a:t>Functional dependencies: </a:t>
+            </a:r>
+            <a:endParaRPr lang="en-US" sz="1900" dirty="0">
+              <a:solidFill>
+                <a:srgbClr val="000000"/>
+              </a:solidFill>
+              <a:effectLst/>
+              <a:latin typeface="Calibri" panose="020F0502020204030204" pitchFamily="34" charset="0"/>
+              <a:ea typeface="Calibri" panose="020F0502020204030204" pitchFamily="34" charset="0"/>
+            </a:endParaRPr>
+          </a:p>
+          <a:p>
+            <a:pPr marL="0" marR="0">
+              <a:spcBef>
+                <a:spcPts val="0"/>
+              </a:spcBef>
+              <a:spcAft>
+                <a:spcPts val="0"/>
+              </a:spcAft>
+            </a:pPr>
+            <a:r>
+              <a:rPr lang="en-US" sz="1900" dirty="0">
+                <a:solidFill>
+                  <a:srgbClr val="000000"/>
+                </a:solidFill>
+                <a:effectLst/>
+                <a:latin typeface="Times New Roman" panose="02020603050405020304" pitchFamily="18" charset="0"/>
+                <a:ea typeface="Calibri" panose="020F0502020204030204" pitchFamily="34" charset="0"/>
+              </a:rPr>
+              <a:t>Id-&gt; </a:t>
+            </a:r>
+            <a:r>
+              <a:rPr lang="en-US" sz="1900" dirty="0" err="1">
+                <a:solidFill>
+                  <a:srgbClr val="000000"/>
+                </a:solidFill>
+                <a:effectLst/>
+                <a:latin typeface="Times New Roman" panose="02020603050405020304" pitchFamily="18" charset="0"/>
+                <a:ea typeface="Calibri" panose="020F0502020204030204" pitchFamily="34" charset="0"/>
+              </a:rPr>
+              <a:t>first_name</a:t>
+            </a:r>
+            <a:endParaRPr lang="en-US" sz="1900" dirty="0">
+              <a:solidFill>
+                <a:srgbClr val="000000"/>
+              </a:solidFill>
+              <a:effectLst/>
+              <a:latin typeface="Calibri" panose="020F0502020204030204" pitchFamily="34" charset="0"/>
+              <a:ea typeface="Calibri" panose="020F0502020204030204" pitchFamily="34" charset="0"/>
+            </a:endParaRPr>
+          </a:p>
+          <a:p>
+            <a:pPr marL="0" marR="0">
+              <a:spcBef>
+                <a:spcPts val="0"/>
+              </a:spcBef>
+              <a:spcAft>
+                <a:spcPts val="0"/>
+              </a:spcAft>
+            </a:pPr>
+            <a:r>
+              <a:rPr lang="en-US" sz="1900" dirty="0">
+                <a:solidFill>
+                  <a:srgbClr val="000000"/>
+                </a:solidFill>
+                <a:effectLst/>
+                <a:latin typeface="Times New Roman" panose="02020603050405020304" pitchFamily="18" charset="0"/>
+                <a:ea typeface="Calibri" panose="020F0502020204030204" pitchFamily="34" charset="0"/>
+              </a:rPr>
+              <a:t>Id-&gt; </a:t>
+            </a:r>
+            <a:r>
+              <a:rPr lang="en-US" sz="1900" dirty="0" err="1">
+                <a:solidFill>
+                  <a:srgbClr val="000000"/>
+                </a:solidFill>
+                <a:effectLst/>
+                <a:latin typeface="Times New Roman" panose="02020603050405020304" pitchFamily="18" charset="0"/>
+                <a:ea typeface="Calibri" panose="020F0502020204030204" pitchFamily="34" charset="0"/>
+              </a:rPr>
+              <a:t>last_name</a:t>
+            </a:r>
+            <a:endParaRPr lang="en-US" sz="1900" dirty="0">
+              <a:solidFill>
+                <a:srgbClr val="000000"/>
+              </a:solidFill>
+              <a:effectLst/>
+              <a:latin typeface="Calibri" panose="020F0502020204030204" pitchFamily="34" charset="0"/>
+              <a:ea typeface="Calibri" panose="020F0502020204030204" pitchFamily="34" charset="0"/>
+            </a:endParaRPr>
+          </a:p>
+          <a:p>
+            <a:pPr marL="0" marR="0" indent="0">
+              <a:spcBef>
+                <a:spcPts val="0"/>
+              </a:spcBef>
+              <a:spcAft>
+                <a:spcPts val="0"/>
+              </a:spcAft>
+              <a:buNone/>
+            </a:pPr>
+            <a:endParaRPr lang="en-US" sz="1900" dirty="0">
+              <a:solidFill>
+                <a:srgbClr val="000000"/>
+              </a:solidFill>
+              <a:effectLst/>
+              <a:latin typeface="Calibri" panose="020F0502020204030204" pitchFamily="34" charset="0"/>
+              <a:ea typeface="Calibri" panose="020F0502020204030204" pitchFamily="34" charset="0"/>
+            </a:endParaRPr>
+          </a:p>
+          <a:p>
+            <a:pPr marL="0" marR="0">
+              <a:spcBef>
+                <a:spcPts val="0"/>
+              </a:spcBef>
+              <a:spcAft>
+                <a:spcPts val="0"/>
+              </a:spcAft>
+            </a:pPr>
+            <a:r>
+              <a:rPr lang="en-US" sz="1900" b="1" dirty="0" err="1">
+                <a:solidFill>
+                  <a:srgbClr val="000000"/>
+                </a:solidFill>
+                <a:effectLst/>
+                <a:latin typeface="Times New Roman" panose="02020603050405020304" pitchFamily="18" charset="0"/>
+                <a:ea typeface="Calibri" panose="020F0502020204030204" pitchFamily="34" charset="0"/>
+              </a:rPr>
+              <a:t>directors_genres</a:t>
+            </a:r>
+            <a:r>
+              <a:rPr lang="en-US" sz="1900" b="1" dirty="0">
+                <a:solidFill>
+                  <a:srgbClr val="000000"/>
+                </a:solidFill>
+                <a:effectLst/>
+                <a:latin typeface="Times New Roman" panose="02020603050405020304" pitchFamily="18" charset="0"/>
+                <a:ea typeface="Calibri" panose="020F0502020204030204" pitchFamily="34" charset="0"/>
+              </a:rPr>
+              <a:t> (</a:t>
+            </a:r>
+            <a:r>
+              <a:rPr lang="en-US" sz="1900" b="1" dirty="0" err="1">
+                <a:solidFill>
+                  <a:srgbClr val="000000"/>
+                </a:solidFill>
+                <a:effectLst/>
+                <a:latin typeface="Times New Roman" panose="02020603050405020304" pitchFamily="18" charset="0"/>
+                <a:ea typeface="Calibri" panose="020F0502020204030204" pitchFamily="34" charset="0"/>
+              </a:rPr>
+              <a:t>director_id</a:t>
+            </a:r>
+            <a:r>
+              <a:rPr lang="en-US" sz="1900" b="1" dirty="0">
+                <a:solidFill>
+                  <a:srgbClr val="000000"/>
+                </a:solidFill>
+                <a:effectLst/>
+                <a:latin typeface="Times New Roman" panose="02020603050405020304" pitchFamily="18" charset="0"/>
+                <a:ea typeface="Calibri" panose="020F0502020204030204" pitchFamily="34" charset="0"/>
+              </a:rPr>
+              <a:t>, genre, prob) </a:t>
+            </a:r>
+            <a:endParaRPr lang="en-US" sz="1900" dirty="0">
+              <a:solidFill>
+                <a:srgbClr val="000000"/>
+              </a:solidFill>
+              <a:effectLst/>
+              <a:latin typeface="Calibri" panose="020F0502020204030204" pitchFamily="34" charset="0"/>
+              <a:ea typeface="Calibri" panose="020F0502020204030204" pitchFamily="34" charset="0"/>
+            </a:endParaRPr>
+          </a:p>
+          <a:p>
+            <a:pPr marL="0" marR="0">
+              <a:spcBef>
+                <a:spcPts val="0"/>
+              </a:spcBef>
+              <a:spcAft>
+                <a:spcPts val="0"/>
+              </a:spcAft>
+            </a:pPr>
+            <a:r>
+              <a:rPr lang="en-US" sz="1900" dirty="0">
+                <a:solidFill>
+                  <a:srgbClr val="000000"/>
+                </a:solidFill>
+                <a:effectLst/>
+                <a:latin typeface="Times New Roman" panose="02020603050405020304" pitchFamily="18" charset="0"/>
+                <a:ea typeface="Calibri" panose="020F0502020204030204" pitchFamily="34" charset="0"/>
+              </a:rPr>
+              <a:t>Functional dependencies: </a:t>
+            </a:r>
+            <a:endParaRPr lang="en-US" sz="1900" dirty="0">
+              <a:solidFill>
+                <a:srgbClr val="000000"/>
+              </a:solidFill>
+              <a:effectLst/>
+              <a:latin typeface="Calibri" panose="020F0502020204030204" pitchFamily="34" charset="0"/>
+              <a:ea typeface="Calibri" panose="020F0502020204030204" pitchFamily="34" charset="0"/>
+            </a:endParaRPr>
+          </a:p>
+          <a:p>
+            <a:pPr marL="0" marR="0">
+              <a:spcBef>
+                <a:spcPts val="0"/>
+              </a:spcBef>
+              <a:spcAft>
+                <a:spcPts val="0"/>
+              </a:spcAft>
+            </a:pPr>
+            <a:r>
+              <a:rPr lang="en-US" sz="1900" dirty="0" err="1">
+                <a:solidFill>
+                  <a:srgbClr val="000000"/>
+                </a:solidFill>
+                <a:effectLst/>
+                <a:latin typeface="Times New Roman" panose="02020603050405020304" pitchFamily="18" charset="0"/>
+                <a:ea typeface="Calibri" panose="020F0502020204030204" pitchFamily="34" charset="0"/>
+              </a:rPr>
+              <a:t>director_id</a:t>
+            </a:r>
+            <a:r>
+              <a:rPr lang="en-US" sz="1900" dirty="0">
+                <a:solidFill>
+                  <a:srgbClr val="000000"/>
+                </a:solidFill>
+                <a:effectLst/>
+                <a:latin typeface="Times New Roman" panose="02020603050405020304" pitchFamily="18" charset="0"/>
+                <a:ea typeface="Calibri" panose="020F0502020204030204" pitchFamily="34" charset="0"/>
+              </a:rPr>
+              <a:t>, genre -&gt; prob</a:t>
+            </a:r>
+            <a:endParaRPr lang="en-US" sz="1900" dirty="0">
+              <a:solidFill>
+                <a:srgbClr val="000000"/>
+              </a:solidFill>
+              <a:effectLst/>
+              <a:latin typeface="Calibri" panose="020F0502020204030204" pitchFamily="34" charset="0"/>
+              <a:ea typeface="Calibri" panose="020F0502020204030204" pitchFamily="34" charset="0"/>
+            </a:endParaRPr>
+          </a:p>
+          <a:p>
+            <a:pPr marL="0" marR="0" indent="0">
+              <a:spcBef>
+                <a:spcPts val="0"/>
+              </a:spcBef>
+              <a:spcAft>
+                <a:spcPts val="0"/>
+              </a:spcAft>
+              <a:buNone/>
+            </a:pPr>
+            <a:endParaRPr lang="en-US" sz="1900" dirty="0">
+              <a:solidFill>
+                <a:srgbClr val="000000"/>
+              </a:solidFill>
+              <a:effectLst/>
+              <a:latin typeface="Calibri" panose="020F0502020204030204" pitchFamily="34" charset="0"/>
+              <a:ea typeface="Calibri" panose="020F0502020204030204" pitchFamily="34" charset="0"/>
+            </a:endParaRPr>
+          </a:p>
+          <a:p>
+            <a:pPr marL="0" marR="0">
+              <a:spcBef>
+                <a:spcPts val="0"/>
+              </a:spcBef>
+              <a:spcAft>
+                <a:spcPts val="0"/>
+              </a:spcAft>
+            </a:pPr>
+            <a:r>
+              <a:rPr lang="en-US" sz="1900" b="1" dirty="0">
+                <a:solidFill>
+                  <a:srgbClr val="000000"/>
+                </a:solidFill>
+                <a:effectLst/>
+                <a:latin typeface="Times New Roman" panose="02020603050405020304" pitchFamily="18" charset="0"/>
+                <a:ea typeface="Calibri" panose="020F0502020204030204" pitchFamily="34" charset="0"/>
+              </a:rPr>
+              <a:t>movies (Id, name, year, rating, availability, price)</a:t>
+            </a:r>
+            <a:endParaRPr lang="en-US" sz="1900" dirty="0">
+              <a:solidFill>
+                <a:srgbClr val="000000"/>
+              </a:solidFill>
+              <a:effectLst/>
+              <a:latin typeface="Calibri" panose="020F0502020204030204" pitchFamily="34" charset="0"/>
+              <a:ea typeface="Calibri" panose="020F0502020204030204" pitchFamily="34" charset="0"/>
+            </a:endParaRPr>
+          </a:p>
+          <a:p>
+            <a:pPr marL="0" marR="0">
+              <a:spcBef>
+                <a:spcPts val="0"/>
+              </a:spcBef>
+              <a:spcAft>
+                <a:spcPts val="0"/>
+              </a:spcAft>
+            </a:pPr>
+            <a:r>
+              <a:rPr lang="en-US" sz="1900" dirty="0">
+                <a:solidFill>
+                  <a:srgbClr val="000000"/>
+                </a:solidFill>
+                <a:effectLst/>
+                <a:latin typeface="Times New Roman" panose="02020603050405020304" pitchFamily="18" charset="0"/>
+                <a:ea typeface="Calibri" panose="020F0502020204030204" pitchFamily="34" charset="0"/>
+              </a:rPr>
+              <a:t>Functional dependencies: </a:t>
+            </a:r>
+            <a:endParaRPr lang="en-US" sz="1900" dirty="0">
+              <a:solidFill>
+                <a:srgbClr val="000000"/>
+              </a:solidFill>
+              <a:effectLst/>
+              <a:latin typeface="Calibri" panose="020F0502020204030204" pitchFamily="34" charset="0"/>
+              <a:ea typeface="Calibri" panose="020F0502020204030204" pitchFamily="34" charset="0"/>
+            </a:endParaRPr>
+          </a:p>
+          <a:p>
+            <a:pPr marL="0" marR="0">
+              <a:spcBef>
+                <a:spcPts val="0"/>
+              </a:spcBef>
+              <a:spcAft>
+                <a:spcPts val="0"/>
+              </a:spcAft>
+            </a:pPr>
+            <a:r>
+              <a:rPr lang="en-US" sz="1900" dirty="0">
+                <a:solidFill>
+                  <a:srgbClr val="000000"/>
+                </a:solidFill>
+                <a:effectLst/>
+                <a:latin typeface="Times New Roman" panose="02020603050405020304" pitchFamily="18" charset="0"/>
+                <a:ea typeface="Calibri" panose="020F0502020204030204" pitchFamily="34" charset="0"/>
+              </a:rPr>
+              <a:t>Id-&gt; name</a:t>
+            </a:r>
+            <a:endParaRPr lang="en-US" sz="1900" dirty="0">
+              <a:solidFill>
+                <a:srgbClr val="000000"/>
+              </a:solidFill>
+              <a:effectLst/>
+              <a:latin typeface="Calibri" panose="020F0502020204030204" pitchFamily="34" charset="0"/>
+              <a:ea typeface="Calibri" panose="020F0502020204030204" pitchFamily="34" charset="0"/>
+            </a:endParaRPr>
+          </a:p>
+          <a:p>
+            <a:pPr marL="0" marR="0">
+              <a:spcBef>
+                <a:spcPts val="0"/>
+              </a:spcBef>
+              <a:spcAft>
+                <a:spcPts val="0"/>
+              </a:spcAft>
+            </a:pPr>
+            <a:r>
+              <a:rPr lang="en-US" sz="1900" dirty="0">
+                <a:solidFill>
+                  <a:srgbClr val="000000"/>
+                </a:solidFill>
+                <a:effectLst/>
+                <a:latin typeface="Times New Roman" panose="02020603050405020304" pitchFamily="18" charset="0"/>
+                <a:ea typeface="Calibri" panose="020F0502020204030204" pitchFamily="34" charset="0"/>
+              </a:rPr>
+              <a:t>Id-&gt; year</a:t>
+            </a:r>
+            <a:endParaRPr lang="en-US" sz="1900" dirty="0">
+              <a:solidFill>
+                <a:srgbClr val="000000"/>
+              </a:solidFill>
+              <a:effectLst/>
+              <a:latin typeface="Calibri" panose="020F0502020204030204" pitchFamily="34" charset="0"/>
+              <a:ea typeface="Calibri" panose="020F0502020204030204" pitchFamily="34" charset="0"/>
+            </a:endParaRPr>
+          </a:p>
+          <a:p>
+            <a:pPr marL="0" marR="0">
+              <a:spcBef>
+                <a:spcPts val="0"/>
+              </a:spcBef>
+              <a:spcAft>
+                <a:spcPts val="0"/>
+              </a:spcAft>
+            </a:pPr>
+            <a:r>
+              <a:rPr lang="en-US" sz="1900" dirty="0">
+                <a:solidFill>
+                  <a:srgbClr val="000000"/>
+                </a:solidFill>
+                <a:effectLst/>
+                <a:latin typeface="Times New Roman" panose="02020603050405020304" pitchFamily="18" charset="0"/>
+                <a:ea typeface="Calibri" panose="020F0502020204030204" pitchFamily="34" charset="0"/>
+              </a:rPr>
+              <a:t>Id-&gt; rating</a:t>
+            </a:r>
+            <a:endParaRPr lang="en-US" sz="1900" dirty="0">
+              <a:solidFill>
+                <a:srgbClr val="000000"/>
+              </a:solidFill>
+              <a:effectLst/>
+              <a:latin typeface="Calibri" panose="020F0502020204030204" pitchFamily="34" charset="0"/>
+              <a:ea typeface="Calibri" panose="020F0502020204030204" pitchFamily="34" charset="0"/>
+            </a:endParaRPr>
+          </a:p>
+          <a:p>
+            <a:pPr marL="0" marR="0">
+              <a:spcBef>
+                <a:spcPts val="0"/>
+              </a:spcBef>
+              <a:spcAft>
+                <a:spcPts val="0"/>
+              </a:spcAft>
+            </a:pPr>
+            <a:r>
+              <a:rPr lang="en-US" sz="1900" dirty="0">
+                <a:solidFill>
+                  <a:srgbClr val="000000"/>
+                </a:solidFill>
+                <a:effectLst/>
+                <a:latin typeface="Times New Roman" panose="02020603050405020304" pitchFamily="18" charset="0"/>
+                <a:ea typeface="Calibri" panose="020F0502020204030204" pitchFamily="34" charset="0"/>
+              </a:rPr>
+              <a:t>Id-&gt; availability</a:t>
+            </a:r>
+            <a:endParaRPr lang="en-US" sz="1900" dirty="0">
+              <a:solidFill>
+                <a:srgbClr val="000000"/>
+              </a:solidFill>
+              <a:effectLst/>
+              <a:latin typeface="Calibri" panose="020F0502020204030204" pitchFamily="34" charset="0"/>
+              <a:ea typeface="Calibri" panose="020F0502020204030204" pitchFamily="34" charset="0"/>
+            </a:endParaRPr>
+          </a:p>
+          <a:p>
+            <a:pPr marL="0" marR="0">
+              <a:spcBef>
+                <a:spcPts val="0"/>
+              </a:spcBef>
+              <a:spcAft>
+                <a:spcPts val="0"/>
+              </a:spcAft>
+            </a:pPr>
+            <a:r>
+              <a:rPr lang="en-US" sz="1900" dirty="0">
+                <a:solidFill>
+                  <a:srgbClr val="000000"/>
+                </a:solidFill>
+                <a:effectLst/>
+                <a:latin typeface="Times New Roman" panose="02020603050405020304" pitchFamily="18" charset="0"/>
+                <a:ea typeface="Calibri" panose="020F0502020204030204" pitchFamily="34" charset="0"/>
+              </a:rPr>
+              <a:t>Id-&gt; price</a:t>
+            </a:r>
+            <a:endParaRPr lang="en-US" sz="1900" dirty="0">
+              <a:solidFill>
+                <a:srgbClr val="000000"/>
+              </a:solidFill>
+              <a:effectLst/>
+              <a:latin typeface="Calibri" panose="020F0502020204030204" pitchFamily="34" charset="0"/>
+              <a:ea typeface="Calibri" panose="020F0502020204030204" pitchFamily="34" charset="0"/>
+            </a:endParaRPr>
+          </a:p>
+          <a:p>
+            <a:pPr marL="0" marR="0">
+              <a:spcBef>
+                <a:spcPts val="0"/>
+              </a:spcBef>
+              <a:spcAft>
+                <a:spcPts val="0"/>
+              </a:spcAft>
+            </a:pPr>
+            <a:endParaRPr lang="en-US" sz="1800" dirty="0">
+              <a:solidFill>
+                <a:srgbClr val="000000"/>
+              </a:solidFill>
+              <a:effectLst/>
+              <a:latin typeface="Calibri" panose="020F0502020204030204" pitchFamily="34" charset="0"/>
+              <a:ea typeface="Calibri" panose="020F0502020204030204" pitchFamily="34" charset="0"/>
+            </a:endParaRPr>
           </a:p>
           <a:p>
             <a:pPr lvl="1"/>
             <a:endParaRPr lang="en-US" dirty="0"/>
+          </a:p>
+        </p:txBody>
+      </p:sp>
+      <p:sp>
+        <p:nvSpPr>
+          <p:cNvPr id="4" name="Content Placeholder 2">
+            <a:extLst>
+              <a:ext uri="{FF2B5EF4-FFF2-40B4-BE49-F238E27FC236}">
+                <a16:creationId xmlns:a16="http://schemas.microsoft.com/office/drawing/2014/main" id="{44B48B18-CD2F-15BD-37EC-769B70AF5126}"/>
+              </a:ext>
+            </a:extLst>
+          </p:cNvPr>
+          <p:cNvSpPr txBox="1">
+            <a:spLocks/>
+          </p:cNvSpPr>
+          <p:nvPr/>
+        </p:nvSpPr>
+        <p:spPr>
+          <a:xfrm>
+            <a:off x="8299938" y="1488830"/>
+            <a:ext cx="3302782" cy="4422391"/>
+          </a:xfrm>
+          <a:prstGeom prst="rect">
+            <a:avLst/>
+          </a:prstGeom>
+        </p:spPr>
+        <p:txBody>
+          <a:bodyPr vert="horz" lIns="91440" tIns="45720" rIns="91440" bIns="45720" rtlCol="0">
+            <a:normAutofit/>
+          </a:bodyPr>
+          <a:lstStyle>
+            <a:lvl1pPr marL="342900" indent="-342900" algn="l" defTabSz="457200" rtl="0" eaLnBrk="1" latinLnBrk="0" hangingPunct="1">
+              <a:spcBef>
+                <a:spcPts val="1000"/>
+              </a:spcBef>
+              <a:spcAft>
+                <a:spcPts val="0"/>
+              </a:spcAft>
+              <a:buClr>
+                <a:schemeClr val="accent1"/>
+              </a:buClr>
+              <a:buFont typeface="Wingdings 3" charset="2"/>
+              <a:buChar char=""/>
+              <a:defRPr sz="1800" kern="1200">
+                <a:solidFill>
+                  <a:schemeClr val="tx1">
+                    <a:lumMod val="75000"/>
+                    <a:lumOff val="25000"/>
+                  </a:schemeClr>
+                </a:solidFill>
+                <a:latin typeface="+mn-lt"/>
+                <a:ea typeface="+mn-ea"/>
+                <a:cs typeface="+mn-cs"/>
+              </a:defRPr>
+            </a:lvl1pPr>
+            <a:lvl2pPr marL="742950" indent="-285750" algn="l" defTabSz="457200" rtl="0" eaLnBrk="1" latinLnBrk="0" hangingPunct="1">
+              <a:spcBef>
+                <a:spcPts val="1000"/>
+              </a:spcBef>
+              <a:spcAft>
+                <a:spcPts val="0"/>
+              </a:spcAft>
+              <a:buClr>
+                <a:schemeClr val="accent1"/>
+              </a:buClr>
+              <a:buFont typeface="Wingdings 3" charset="2"/>
+              <a:buChar char=""/>
+              <a:defRPr sz="1600" kern="1200">
+                <a:solidFill>
+                  <a:schemeClr val="tx1">
+                    <a:lumMod val="75000"/>
+                    <a:lumOff val="25000"/>
+                  </a:schemeClr>
+                </a:solidFill>
+                <a:latin typeface="+mn-lt"/>
+                <a:ea typeface="+mn-ea"/>
+                <a:cs typeface="+mn-cs"/>
+              </a:defRPr>
+            </a:lvl2pPr>
+            <a:lvl3pPr marL="1143000" indent="-228600" algn="l" defTabSz="457200" rtl="0" eaLnBrk="1" latinLnBrk="0" hangingPunct="1">
+              <a:spcBef>
+                <a:spcPts val="1000"/>
+              </a:spcBef>
+              <a:spcAft>
+                <a:spcPts val="0"/>
+              </a:spcAft>
+              <a:buClr>
+                <a:schemeClr val="accent1"/>
+              </a:buClr>
+              <a:buFont typeface="Wingdings 3" charset="2"/>
+              <a:buChar char=""/>
+              <a:defRPr sz="1400" kern="1200">
+                <a:solidFill>
+                  <a:schemeClr val="tx1">
+                    <a:lumMod val="75000"/>
+                    <a:lumOff val="25000"/>
+                  </a:schemeClr>
+                </a:solidFill>
+                <a:latin typeface="+mn-lt"/>
+                <a:ea typeface="+mn-ea"/>
+                <a:cs typeface="+mn-cs"/>
+              </a:defRPr>
+            </a:lvl3pPr>
+            <a:lvl4pPr marL="1600200" indent="-228600" algn="l" defTabSz="457200" rtl="0" eaLnBrk="1" latinLnBrk="0" hangingPunct="1">
+              <a:spcBef>
+                <a:spcPts val="1000"/>
+              </a:spcBef>
+              <a:spcAft>
+                <a:spcPts val="0"/>
+              </a:spcAft>
+              <a:buClr>
+                <a:schemeClr val="accent1"/>
+              </a:buClr>
+              <a:buFont typeface="Wingdings 3" charset="2"/>
+              <a:buChar char=""/>
+              <a:defRPr sz="1200" kern="1200">
+                <a:solidFill>
+                  <a:schemeClr val="tx1">
+                    <a:lumMod val="75000"/>
+                    <a:lumOff val="25000"/>
+                  </a:schemeClr>
+                </a:solidFill>
+                <a:latin typeface="+mn-lt"/>
+                <a:ea typeface="+mn-ea"/>
+                <a:cs typeface="+mn-cs"/>
+              </a:defRPr>
+            </a:lvl4pPr>
+            <a:lvl5pPr marL="2057400" indent="-228600" algn="l" defTabSz="457200" rtl="0" eaLnBrk="1" latinLnBrk="0" hangingPunct="1">
+              <a:spcBef>
+                <a:spcPts val="1000"/>
+              </a:spcBef>
+              <a:spcAft>
+                <a:spcPts val="0"/>
+              </a:spcAft>
+              <a:buClr>
+                <a:schemeClr val="accent1"/>
+              </a:buClr>
+              <a:buFont typeface="Wingdings 3" charset="2"/>
+              <a:buChar char=""/>
+              <a:defRPr sz="1200" kern="1200">
+                <a:solidFill>
+                  <a:schemeClr val="tx1">
+                    <a:lumMod val="75000"/>
+                    <a:lumOff val="25000"/>
+                  </a:schemeClr>
+                </a:solidFill>
+                <a:latin typeface="+mn-lt"/>
+                <a:ea typeface="+mn-ea"/>
+                <a:cs typeface="+mn-cs"/>
+              </a:defRPr>
+            </a:lvl5pPr>
+            <a:lvl6pPr marL="2514600" indent="-228600" algn="l" defTabSz="457200" rtl="0" eaLnBrk="1" latinLnBrk="0" hangingPunct="1">
+              <a:spcBef>
+                <a:spcPts val="1000"/>
+              </a:spcBef>
+              <a:spcAft>
+                <a:spcPts val="0"/>
+              </a:spcAft>
+              <a:buClr>
+                <a:schemeClr val="accent1"/>
+              </a:buClr>
+              <a:buFont typeface="Wingdings 3" charset="2"/>
+              <a:buChar char=""/>
+              <a:defRPr sz="1200" kern="1200">
+                <a:solidFill>
+                  <a:schemeClr val="tx1">
+                    <a:lumMod val="75000"/>
+                    <a:lumOff val="25000"/>
+                  </a:schemeClr>
+                </a:solidFill>
+                <a:latin typeface="+mn-lt"/>
+                <a:ea typeface="+mn-ea"/>
+                <a:cs typeface="+mn-cs"/>
+              </a:defRPr>
+            </a:lvl6pPr>
+            <a:lvl7pPr marL="2971800" indent="-228600" algn="l" defTabSz="457200" rtl="0" eaLnBrk="1" latinLnBrk="0" hangingPunct="1">
+              <a:spcBef>
+                <a:spcPts val="1000"/>
+              </a:spcBef>
+              <a:spcAft>
+                <a:spcPts val="0"/>
+              </a:spcAft>
+              <a:buClr>
+                <a:schemeClr val="accent1"/>
+              </a:buClr>
+              <a:buFont typeface="Wingdings 3" charset="2"/>
+              <a:buChar char=""/>
+              <a:defRPr sz="1200" kern="1200">
+                <a:solidFill>
+                  <a:schemeClr val="tx1">
+                    <a:lumMod val="75000"/>
+                    <a:lumOff val="25000"/>
+                  </a:schemeClr>
+                </a:solidFill>
+                <a:latin typeface="+mn-lt"/>
+                <a:ea typeface="+mn-ea"/>
+                <a:cs typeface="+mn-cs"/>
+              </a:defRPr>
+            </a:lvl7pPr>
+            <a:lvl8pPr marL="3429000" indent="-228600" algn="l" defTabSz="457200" rtl="0" eaLnBrk="1" latinLnBrk="0" hangingPunct="1">
+              <a:spcBef>
+                <a:spcPts val="1000"/>
+              </a:spcBef>
+              <a:spcAft>
+                <a:spcPts val="0"/>
+              </a:spcAft>
+              <a:buClr>
+                <a:schemeClr val="accent1"/>
+              </a:buClr>
+              <a:buFont typeface="Wingdings 3" charset="2"/>
+              <a:buChar char=""/>
+              <a:defRPr sz="1200" kern="1200">
+                <a:solidFill>
+                  <a:schemeClr val="tx1">
+                    <a:lumMod val="75000"/>
+                    <a:lumOff val="25000"/>
+                  </a:schemeClr>
+                </a:solidFill>
+                <a:latin typeface="+mn-lt"/>
+                <a:ea typeface="+mn-ea"/>
+                <a:cs typeface="+mn-cs"/>
+              </a:defRPr>
+            </a:lvl8pPr>
+            <a:lvl9pPr marL="3886200" indent="-228600" algn="l" defTabSz="457200" rtl="0" eaLnBrk="1" latinLnBrk="0" hangingPunct="1">
+              <a:spcBef>
+                <a:spcPts val="1000"/>
+              </a:spcBef>
+              <a:spcAft>
+                <a:spcPts val="0"/>
+              </a:spcAft>
+              <a:buClr>
+                <a:schemeClr val="accent1"/>
+              </a:buClr>
+              <a:buFont typeface="Wingdings 3" charset="2"/>
+              <a:buChar char=""/>
+              <a:defRPr sz="1200" kern="1200">
+                <a:solidFill>
+                  <a:schemeClr val="tx1">
+                    <a:lumMod val="75000"/>
+                    <a:lumOff val="25000"/>
+                  </a:schemeClr>
+                </a:solidFill>
+                <a:latin typeface="+mn-lt"/>
+                <a:ea typeface="+mn-ea"/>
+                <a:cs typeface="+mn-cs"/>
+              </a:defRPr>
+            </a:lvl9pPr>
+          </a:lstStyle>
+          <a:p>
+            <a:pPr lvl="1"/>
+            <a:endParaRPr lang="en-US" dirty="0"/>
+          </a:p>
+        </p:txBody>
+      </p:sp>
+      <p:sp>
+        <p:nvSpPr>
+          <p:cNvPr id="5" name="Content Placeholder 2">
+            <a:extLst>
+              <a:ext uri="{FF2B5EF4-FFF2-40B4-BE49-F238E27FC236}">
+                <a16:creationId xmlns:a16="http://schemas.microsoft.com/office/drawing/2014/main" id="{135DDF73-0370-9DF0-1464-290685FFEEB7}"/>
+              </a:ext>
+            </a:extLst>
+          </p:cNvPr>
+          <p:cNvSpPr txBox="1">
+            <a:spLocks/>
+          </p:cNvSpPr>
+          <p:nvPr/>
+        </p:nvSpPr>
+        <p:spPr>
+          <a:xfrm>
+            <a:off x="6599494" y="1488829"/>
+            <a:ext cx="5429946" cy="4745059"/>
+          </a:xfrm>
+          <a:prstGeom prst="rect">
+            <a:avLst/>
+          </a:prstGeom>
+        </p:spPr>
+        <p:txBody>
+          <a:bodyPr vert="horz" lIns="91440" tIns="45720" rIns="91440" bIns="45720" rtlCol="0">
+            <a:normAutofit/>
+          </a:bodyPr>
+          <a:lstStyle>
+            <a:lvl1pPr marL="342900" indent="-342900" algn="l" defTabSz="457200" rtl="0" eaLnBrk="1" latinLnBrk="0" hangingPunct="1">
+              <a:spcBef>
+                <a:spcPts val="1000"/>
+              </a:spcBef>
+              <a:spcAft>
+                <a:spcPts val="0"/>
+              </a:spcAft>
+              <a:buClr>
+                <a:schemeClr val="accent1"/>
+              </a:buClr>
+              <a:buFont typeface="Wingdings 3" charset="2"/>
+              <a:buChar char=""/>
+              <a:defRPr sz="1800" kern="1200">
+                <a:solidFill>
+                  <a:schemeClr val="tx1">
+                    <a:lumMod val="75000"/>
+                    <a:lumOff val="25000"/>
+                  </a:schemeClr>
+                </a:solidFill>
+                <a:latin typeface="+mn-lt"/>
+                <a:ea typeface="+mn-ea"/>
+                <a:cs typeface="+mn-cs"/>
+              </a:defRPr>
+            </a:lvl1pPr>
+            <a:lvl2pPr marL="742950" indent="-285750" algn="l" defTabSz="457200" rtl="0" eaLnBrk="1" latinLnBrk="0" hangingPunct="1">
+              <a:spcBef>
+                <a:spcPts val="1000"/>
+              </a:spcBef>
+              <a:spcAft>
+                <a:spcPts val="0"/>
+              </a:spcAft>
+              <a:buClr>
+                <a:schemeClr val="accent1"/>
+              </a:buClr>
+              <a:buFont typeface="Wingdings 3" charset="2"/>
+              <a:buChar char=""/>
+              <a:defRPr sz="1600" kern="1200">
+                <a:solidFill>
+                  <a:schemeClr val="tx1">
+                    <a:lumMod val="75000"/>
+                    <a:lumOff val="25000"/>
+                  </a:schemeClr>
+                </a:solidFill>
+                <a:latin typeface="+mn-lt"/>
+                <a:ea typeface="+mn-ea"/>
+                <a:cs typeface="+mn-cs"/>
+              </a:defRPr>
+            </a:lvl2pPr>
+            <a:lvl3pPr marL="1143000" indent="-228600" algn="l" defTabSz="457200" rtl="0" eaLnBrk="1" latinLnBrk="0" hangingPunct="1">
+              <a:spcBef>
+                <a:spcPts val="1000"/>
+              </a:spcBef>
+              <a:spcAft>
+                <a:spcPts val="0"/>
+              </a:spcAft>
+              <a:buClr>
+                <a:schemeClr val="accent1"/>
+              </a:buClr>
+              <a:buFont typeface="Wingdings 3" charset="2"/>
+              <a:buChar char=""/>
+              <a:defRPr sz="1400" kern="1200">
+                <a:solidFill>
+                  <a:schemeClr val="tx1">
+                    <a:lumMod val="75000"/>
+                    <a:lumOff val="25000"/>
+                  </a:schemeClr>
+                </a:solidFill>
+                <a:latin typeface="+mn-lt"/>
+                <a:ea typeface="+mn-ea"/>
+                <a:cs typeface="+mn-cs"/>
+              </a:defRPr>
+            </a:lvl3pPr>
+            <a:lvl4pPr marL="1600200" indent="-228600" algn="l" defTabSz="457200" rtl="0" eaLnBrk="1" latinLnBrk="0" hangingPunct="1">
+              <a:spcBef>
+                <a:spcPts val="1000"/>
+              </a:spcBef>
+              <a:spcAft>
+                <a:spcPts val="0"/>
+              </a:spcAft>
+              <a:buClr>
+                <a:schemeClr val="accent1"/>
+              </a:buClr>
+              <a:buFont typeface="Wingdings 3" charset="2"/>
+              <a:buChar char=""/>
+              <a:defRPr sz="1200" kern="1200">
+                <a:solidFill>
+                  <a:schemeClr val="tx1">
+                    <a:lumMod val="75000"/>
+                    <a:lumOff val="25000"/>
+                  </a:schemeClr>
+                </a:solidFill>
+                <a:latin typeface="+mn-lt"/>
+                <a:ea typeface="+mn-ea"/>
+                <a:cs typeface="+mn-cs"/>
+              </a:defRPr>
+            </a:lvl4pPr>
+            <a:lvl5pPr marL="2057400" indent="-228600" algn="l" defTabSz="457200" rtl="0" eaLnBrk="1" latinLnBrk="0" hangingPunct="1">
+              <a:spcBef>
+                <a:spcPts val="1000"/>
+              </a:spcBef>
+              <a:spcAft>
+                <a:spcPts val="0"/>
+              </a:spcAft>
+              <a:buClr>
+                <a:schemeClr val="accent1"/>
+              </a:buClr>
+              <a:buFont typeface="Wingdings 3" charset="2"/>
+              <a:buChar char=""/>
+              <a:defRPr sz="1200" kern="1200">
+                <a:solidFill>
+                  <a:schemeClr val="tx1">
+                    <a:lumMod val="75000"/>
+                    <a:lumOff val="25000"/>
+                  </a:schemeClr>
+                </a:solidFill>
+                <a:latin typeface="+mn-lt"/>
+                <a:ea typeface="+mn-ea"/>
+                <a:cs typeface="+mn-cs"/>
+              </a:defRPr>
+            </a:lvl5pPr>
+            <a:lvl6pPr marL="2514600" indent="-228600" algn="l" defTabSz="457200" rtl="0" eaLnBrk="1" latinLnBrk="0" hangingPunct="1">
+              <a:spcBef>
+                <a:spcPts val="1000"/>
+              </a:spcBef>
+              <a:spcAft>
+                <a:spcPts val="0"/>
+              </a:spcAft>
+              <a:buClr>
+                <a:schemeClr val="accent1"/>
+              </a:buClr>
+              <a:buFont typeface="Wingdings 3" charset="2"/>
+              <a:buChar char=""/>
+              <a:defRPr sz="1200" kern="1200">
+                <a:solidFill>
+                  <a:schemeClr val="tx1">
+                    <a:lumMod val="75000"/>
+                    <a:lumOff val="25000"/>
+                  </a:schemeClr>
+                </a:solidFill>
+                <a:latin typeface="+mn-lt"/>
+                <a:ea typeface="+mn-ea"/>
+                <a:cs typeface="+mn-cs"/>
+              </a:defRPr>
+            </a:lvl6pPr>
+            <a:lvl7pPr marL="2971800" indent="-228600" algn="l" defTabSz="457200" rtl="0" eaLnBrk="1" latinLnBrk="0" hangingPunct="1">
+              <a:spcBef>
+                <a:spcPts val="1000"/>
+              </a:spcBef>
+              <a:spcAft>
+                <a:spcPts val="0"/>
+              </a:spcAft>
+              <a:buClr>
+                <a:schemeClr val="accent1"/>
+              </a:buClr>
+              <a:buFont typeface="Wingdings 3" charset="2"/>
+              <a:buChar char=""/>
+              <a:defRPr sz="1200" kern="1200">
+                <a:solidFill>
+                  <a:schemeClr val="tx1">
+                    <a:lumMod val="75000"/>
+                    <a:lumOff val="25000"/>
+                  </a:schemeClr>
+                </a:solidFill>
+                <a:latin typeface="+mn-lt"/>
+                <a:ea typeface="+mn-ea"/>
+                <a:cs typeface="+mn-cs"/>
+              </a:defRPr>
+            </a:lvl7pPr>
+            <a:lvl8pPr marL="3429000" indent="-228600" algn="l" defTabSz="457200" rtl="0" eaLnBrk="1" latinLnBrk="0" hangingPunct="1">
+              <a:spcBef>
+                <a:spcPts val="1000"/>
+              </a:spcBef>
+              <a:spcAft>
+                <a:spcPts val="0"/>
+              </a:spcAft>
+              <a:buClr>
+                <a:schemeClr val="accent1"/>
+              </a:buClr>
+              <a:buFont typeface="Wingdings 3" charset="2"/>
+              <a:buChar char=""/>
+              <a:defRPr sz="1200" kern="1200">
+                <a:solidFill>
+                  <a:schemeClr val="tx1">
+                    <a:lumMod val="75000"/>
+                    <a:lumOff val="25000"/>
+                  </a:schemeClr>
+                </a:solidFill>
+                <a:latin typeface="+mn-lt"/>
+                <a:ea typeface="+mn-ea"/>
+                <a:cs typeface="+mn-cs"/>
+              </a:defRPr>
+            </a:lvl8pPr>
+            <a:lvl9pPr marL="3886200" indent="-228600" algn="l" defTabSz="457200" rtl="0" eaLnBrk="1" latinLnBrk="0" hangingPunct="1">
+              <a:spcBef>
+                <a:spcPts val="1000"/>
+              </a:spcBef>
+              <a:spcAft>
+                <a:spcPts val="0"/>
+              </a:spcAft>
+              <a:buClr>
+                <a:schemeClr val="accent1"/>
+              </a:buClr>
+              <a:buFont typeface="Wingdings 3" charset="2"/>
+              <a:buChar char=""/>
+              <a:defRPr sz="1200" kern="1200">
+                <a:solidFill>
+                  <a:schemeClr val="tx1">
+                    <a:lumMod val="75000"/>
+                    <a:lumOff val="25000"/>
+                  </a:schemeClr>
+                </a:solidFill>
+                <a:latin typeface="+mn-lt"/>
+                <a:ea typeface="+mn-ea"/>
+                <a:cs typeface="+mn-cs"/>
+              </a:defRPr>
+            </a:lvl9pPr>
+          </a:lstStyle>
+          <a:p>
+            <a:pPr marL="0" marR="0">
+              <a:spcBef>
+                <a:spcPts val="0"/>
+              </a:spcBef>
+              <a:spcAft>
+                <a:spcPts val="0"/>
+              </a:spcAft>
+            </a:pPr>
+            <a:r>
+              <a:rPr lang="en-US" sz="1600" b="1" dirty="0" err="1">
+                <a:solidFill>
+                  <a:srgbClr val="000000"/>
+                </a:solidFill>
+                <a:effectLst/>
+                <a:latin typeface="Times New Roman" panose="02020603050405020304" pitchFamily="18" charset="0"/>
+                <a:ea typeface="Calibri" panose="020F0502020204030204" pitchFamily="34" charset="0"/>
+              </a:rPr>
+              <a:t>movies_directors</a:t>
+            </a:r>
+            <a:r>
+              <a:rPr lang="en-US" sz="1600" b="1" dirty="0">
+                <a:solidFill>
+                  <a:srgbClr val="000000"/>
+                </a:solidFill>
+                <a:effectLst/>
+                <a:latin typeface="Times New Roman" panose="02020603050405020304" pitchFamily="18" charset="0"/>
+                <a:ea typeface="Calibri" panose="020F0502020204030204" pitchFamily="34" charset="0"/>
+              </a:rPr>
+              <a:t> (</a:t>
+            </a:r>
+            <a:r>
+              <a:rPr lang="en-US" sz="1600" b="1" dirty="0" err="1">
+                <a:solidFill>
+                  <a:srgbClr val="000000"/>
+                </a:solidFill>
+                <a:effectLst/>
+                <a:latin typeface="Times New Roman" panose="02020603050405020304" pitchFamily="18" charset="0"/>
+                <a:ea typeface="Calibri" panose="020F0502020204030204" pitchFamily="34" charset="0"/>
+              </a:rPr>
+              <a:t>director_id</a:t>
+            </a:r>
+            <a:r>
+              <a:rPr lang="en-US" sz="1600" b="1" dirty="0">
+                <a:solidFill>
+                  <a:srgbClr val="000000"/>
+                </a:solidFill>
+                <a:effectLst/>
+                <a:latin typeface="Times New Roman" panose="02020603050405020304" pitchFamily="18" charset="0"/>
+                <a:ea typeface="Calibri" panose="020F0502020204030204" pitchFamily="34" charset="0"/>
+              </a:rPr>
+              <a:t>, </a:t>
+            </a:r>
+            <a:r>
+              <a:rPr lang="en-US" sz="1600" b="1" dirty="0" err="1">
+                <a:solidFill>
+                  <a:srgbClr val="000000"/>
+                </a:solidFill>
+                <a:effectLst/>
+                <a:latin typeface="Times New Roman" panose="02020603050405020304" pitchFamily="18" charset="0"/>
+                <a:ea typeface="Calibri" panose="020F0502020204030204" pitchFamily="34" charset="0"/>
+              </a:rPr>
+              <a:t>movie_id</a:t>
+            </a:r>
+            <a:r>
+              <a:rPr lang="en-US" sz="1600" b="1" dirty="0">
+                <a:solidFill>
+                  <a:srgbClr val="000000"/>
+                </a:solidFill>
+                <a:effectLst/>
+                <a:latin typeface="Times New Roman" panose="02020603050405020304" pitchFamily="18" charset="0"/>
+                <a:ea typeface="Calibri" panose="020F0502020204030204" pitchFamily="34" charset="0"/>
+              </a:rPr>
+              <a:t>)</a:t>
+            </a:r>
+            <a:endParaRPr lang="en-US" sz="1600" dirty="0">
+              <a:solidFill>
+                <a:srgbClr val="000000"/>
+              </a:solidFill>
+              <a:effectLst/>
+              <a:latin typeface="Calibri" panose="020F0502020204030204" pitchFamily="34" charset="0"/>
+              <a:ea typeface="Calibri" panose="020F0502020204030204" pitchFamily="34" charset="0"/>
+            </a:endParaRPr>
+          </a:p>
+          <a:p>
+            <a:pPr marL="0" marR="0">
+              <a:spcBef>
+                <a:spcPts val="0"/>
+              </a:spcBef>
+              <a:spcAft>
+                <a:spcPts val="0"/>
+              </a:spcAft>
+            </a:pPr>
+            <a:r>
+              <a:rPr lang="en-US" sz="1600" dirty="0">
+                <a:solidFill>
+                  <a:srgbClr val="000000"/>
+                </a:solidFill>
+                <a:effectLst/>
+                <a:latin typeface="Times New Roman" panose="02020603050405020304" pitchFamily="18" charset="0"/>
+                <a:ea typeface="Calibri" panose="020F0502020204030204" pitchFamily="34" charset="0"/>
+              </a:rPr>
+              <a:t>Functional dependencies: </a:t>
+            </a:r>
+            <a:endParaRPr lang="en-US" sz="1600" dirty="0">
+              <a:solidFill>
+                <a:srgbClr val="000000"/>
+              </a:solidFill>
+              <a:effectLst/>
+              <a:latin typeface="Calibri" panose="020F0502020204030204" pitchFamily="34" charset="0"/>
+              <a:ea typeface="Calibri" panose="020F0502020204030204" pitchFamily="34" charset="0"/>
+            </a:endParaRPr>
+          </a:p>
+          <a:p>
+            <a:pPr marL="0" marR="0">
+              <a:spcBef>
+                <a:spcPts val="0"/>
+              </a:spcBef>
+              <a:spcAft>
+                <a:spcPts val="0"/>
+              </a:spcAft>
+            </a:pPr>
+            <a:r>
+              <a:rPr lang="en-US" sz="1600" dirty="0">
+                <a:solidFill>
+                  <a:srgbClr val="000000"/>
+                </a:solidFill>
+                <a:effectLst/>
+                <a:latin typeface="Times New Roman" panose="02020603050405020304" pitchFamily="18" charset="0"/>
+                <a:ea typeface="Calibri" panose="020F0502020204030204" pitchFamily="34" charset="0"/>
+              </a:rPr>
+              <a:t>There are no nontrivial functional dependencies as all the columns combined form a candidate key.</a:t>
+            </a:r>
+            <a:endParaRPr lang="en-US" sz="1600" dirty="0">
+              <a:solidFill>
+                <a:srgbClr val="000000"/>
+              </a:solidFill>
+              <a:effectLst/>
+              <a:latin typeface="Calibri" panose="020F0502020204030204" pitchFamily="34" charset="0"/>
+              <a:ea typeface="Calibri" panose="020F0502020204030204" pitchFamily="34" charset="0"/>
+            </a:endParaRPr>
+          </a:p>
+          <a:p>
+            <a:pPr marL="0" marR="0" indent="0">
+              <a:spcBef>
+                <a:spcPts val="0"/>
+              </a:spcBef>
+              <a:spcAft>
+                <a:spcPts val="0"/>
+              </a:spcAft>
+              <a:buNone/>
+            </a:pPr>
+            <a:endParaRPr lang="en-US" sz="1600" dirty="0">
+              <a:solidFill>
+                <a:srgbClr val="000000"/>
+              </a:solidFill>
+              <a:effectLst/>
+              <a:latin typeface="Calibri" panose="020F0502020204030204" pitchFamily="34" charset="0"/>
+              <a:ea typeface="Calibri" panose="020F0502020204030204" pitchFamily="34" charset="0"/>
+            </a:endParaRPr>
+          </a:p>
+          <a:p>
+            <a:pPr marL="0" marR="0">
+              <a:spcBef>
+                <a:spcPts val="0"/>
+              </a:spcBef>
+              <a:spcAft>
+                <a:spcPts val="0"/>
+              </a:spcAft>
+            </a:pPr>
+            <a:r>
+              <a:rPr lang="en-US" sz="1600" b="1" dirty="0" err="1">
+                <a:solidFill>
+                  <a:srgbClr val="000000"/>
+                </a:solidFill>
+                <a:effectLst/>
+                <a:latin typeface="Times New Roman" panose="02020603050405020304" pitchFamily="18" charset="0"/>
+                <a:ea typeface="Calibri" panose="020F0502020204030204" pitchFamily="34" charset="0"/>
+              </a:rPr>
+              <a:t>movies_genres</a:t>
+            </a:r>
+            <a:r>
+              <a:rPr lang="en-US" sz="1600" b="1" dirty="0">
+                <a:solidFill>
+                  <a:srgbClr val="000000"/>
+                </a:solidFill>
+                <a:effectLst/>
+                <a:latin typeface="Times New Roman" panose="02020603050405020304" pitchFamily="18" charset="0"/>
+                <a:ea typeface="Calibri" panose="020F0502020204030204" pitchFamily="34" charset="0"/>
+              </a:rPr>
+              <a:t> (</a:t>
+            </a:r>
+            <a:r>
+              <a:rPr lang="en-US" sz="1600" b="1" dirty="0" err="1">
+                <a:solidFill>
+                  <a:srgbClr val="000000"/>
+                </a:solidFill>
+                <a:effectLst/>
+                <a:latin typeface="Times New Roman" panose="02020603050405020304" pitchFamily="18" charset="0"/>
+                <a:ea typeface="Calibri" panose="020F0502020204030204" pitchFamily="34" charset="0"/>
+              </a:rPr>
+              <a:t>movie_id</a:t>
+            </a:r>
+            <a:r>
+              <a:rPr lang="en-US" sz="1600" b="1" dirty="0">
+                <a:solidFill>
+                  <a:srgbClr val="000000"/>
+                </a:solidFill>
+                <a:effectLst/>
+                <a:latin typeface="Times New Roman" panose="02020603050405020304" pitchFamily="18" charset="0"/>
+                <a:ea typeface="Calibri" panose="020F0502020204030204" pitchFamily="34" charset="0"/>
+              </a:rPr>
+              <a:t>, genre)</a:t>
+            </a:r>
+            <a:endParaRPr lang="en-US" sz="1600" dirty="0">
+              <a:solidFill>
+                <a:srgbClr val="000000"/>
+              </a:solidFill>
+              <a:effectLst/>
+              <a:latin typeface="Calibri" panose="020F0502020204030204" pitchFamily="34" charset="0"/>
+              <a:ea typeface="Calibri" panose="020F0502020204030204" pitchFamily="34" charset="0"/>
+            </a:endParaRPr>
+          </a:p>
+          <a:p>
+            <a:pPr marL="0" marR="0">
+              <a:spcBef>
+                <a:spcPts val="0"/>
+              </a:spcBef>
+              <a:spcAft>
+                <a:spcPts val="0"/>
+              </a:spcAft>
+            </a:pPr>
+            <a:r>
+              <a:rPr lang="en-US" sz="1600" dirty="0">
+                <a:solidFill>
+                  <a:srgbClr val="000000"/>
+                </a:solidFill>
+                <a:effectLst/>
+                <a:latin typeface="Times New Roman" panose="02020603050405020304" pitchFamily="18" charset="0"/>
+                <a:ea typeface="Calibri" panose="020F0502020204030204" pitchFamily="34" charset="0"/>
+              </a:rPr>
+              <a:t>Functional dependencies: </a:t>
+            </a:r>
+            <a:endParaRPr lang="en-US" sz="1600" dirty="0">
+              <a:solidFill>
+                <a:srgbClr val="000000"/>
+              </a:solidFill>
+              <a:effectLst/>
+              <a:latin typeface="Calibri" panose="020F0502020204030204" pitchFamily="34" charset="0"/>
+              <a:ea typeface="Calibri" panose="020F0502020204030204" pitchFamily="34" charset="0"/>
+            </a:endParaRPr>
+          </a:p>
+          <a:p>
+            <a:pPr marL="0" marR="0">
+              <a:spcBef>
+                <a:spcPts val="0"/>
+              </a:spcBef>
+              <a:spcAft>
+                <a:spcPts val="0"/>
+              </a:spcAft>
+            </a:pPr>
+            <a:r>
+              <a:rPr lang="en-US" sz="1600" dirty="0">
+                <a:solidFill>
+                  <a:srgbClr val="000000"/>
+                </a:solidFill>
+                <a:effectLst/>
+                <a:latin typeface="Times New Roman" panose="02020603050405020304" pitchFamily="18" charset="0"/>
+                <a:ea typeface="Calibri" panose="020F0502020204030204" pitchFamily="34" charset="0"/>
+              </a:rPr>
+              <a:t>There are no nontrivial functional dependencies as all the columns combined form a candidate key.</a:t>
+            </a:r>
+            <a:endParaRPr lang="en-US" sz="1600" dirty="0">
+              <a:solidFill>
+                <a:srgbClr val="000000"/>
+              </a:solidFill>
+              <a:effectLst/>
+              <a:latin typeface="Calibri" panose="020F0502020204030204" pitchFamily="34" charset="0"/>
+              <a:ea typeface="Calibri" panose="020F0502020204030204" pitchFamily="34" charset="0"/>
+            </a:endParaRPr>
+          </a:p>
+          <a:p>
+            <a:pPr marL="0" marR="0" indent="0">
+              <a:spcBef>
+                <a:spcPts val="0"/>
+              </a:spcBef>
+              <a:spcAft>
+                <a:spcPts val="0"/>
+              </a:spcAft>
+              <a:buNone/>
+            </a:pPr>
+            <a:endParaRPr lang="en-US" sz="1600" dirty="0">
+              <a:solidFill>
+                <a:srgbClr val="000000"/>
+              </a:solidFill>
+              <a:effectLst/>
+              <a:latin typeface="Calibri" panose="020F0502020204030204" pitchFamily="34" charset="0"/>
+              <a:ea typeface="Calibri" panose="020F0502020204030204" pitchFamily="34" charset="0"/>
+            </a:endParaRPr>
+          </a:p>
+          <a:p>
+            <a:pPr marL="0" marR="0">
+              <a:spcBef>
+                <a:spcPts val="0"/>
+              </a:spcBef>
+              <a:spcAft>
+                <a:spcPts val="0"/>
+              </a:spcAft>
+            </a:pPr>
+            <a:r>
+              <a:rPr lang="en-US" sz="1600" b="1" dirty="0">
+                <a:solidFill>
+                  <a:srgbClr val="000000"/>
+                </a:solidFill>
+                <a:effectLst/>
+                <a:latin typeface="Times New Roman" panose="02020603050405020304" pitchFamily="18" charset="0"/>
+                <a:ea typeface="Calibri" panose="020F0502020204030204" pitchFamily="34" charset="0"/>
+              </a:rPr>
+              <a:t>Roles (</a:t>
+            </a:r>
+            <a:r>
+              <a:rPr lang="en-US" sz="1600" b="1" dirty="0" err="1">
+                <a:solidFill>
+                  <a:srgbClr val="000000"/>
+                </a:solidFill>
+                <a:effectLst/>
+                <a:latin typeface="Times New Roman" panose="02020603050405020304" pitchFamily="18" charset="0"/>
+                <a:ea typeface="Calibri" panose="020F0502020204030204" pitchFamily="34" charset="0"/>
+              </a:rPr>
+              <a:t>actor_id</a:t>
+            </a:r>
+            <a:r>
+              <a:rPr lang="en-US" sz="1600" b="1" dirty="0">
+                <a:solidFill>
+                  <a:srgbClr val="000000"/>
+                </a:solidFill>
+                <a:effectLst/>
+                <a:latin typeface="Times New Roman" panose="02020603050405020304" pitchFamily="18" charset="0"/>
+                <a:ea typeface="Calibri" panose="020F0502020204030204" pitchFamily="34" charset="0"/>
+              </a:rPr>
+              <a:t>, </a:t>
+            </a:r>
+            <a:r>
+              <a:rPr lang="en-US" sz="1600" b="1" dirty="0" err="1">
+                <a:solidFill>
+                  <a:srgbClr val="000000"/>
+                </a:solidFill>
+                <a:effectLst/>
+                <a:latin typeface="Times New Roman" panose="02020603050405020304" pitchFamily="18" charset="0"/>
+                <a:ea typeface="Calibri" panose="020F0502020204030204" pitchFamily="34" charset="0"/>
+              </a:rPr>
+              <a:t>movie_id</a:t>
+            </a:r>
+            <a:r>
+              <a:rPr lang="en-US" sz="1600" b="1" dirty="0">
+                <a:solidFill>
+                  <a:srgbClr val="000000"/>
+                </a:solidFill>
+                <a:effectLst/>
+                <a:latin typeface="Times New Roman" panose="02020603050405020304" pitchFamily="18" charset="0"/>
+                <a:ea typeface="Calibri" panose="020F0502020204030204" pitchFamily="34" charset="0"/>
+              </a:rPr>
+              <a:t>, role)</a:t>
+            </a:r>
+            <a:endParaRPr lang="en-US" sz="1600" dirty="0">
+              <a:solidFill>
+                <a:srgbClr val="000000"/>
+              </a:solidFill>
+              <a:effectLst/>
+              <a:latin typeface="Calibri" panose="020F0502020204030204" pitchFamily="34" charset="0"/>
+              <a:ea typeface="Calibri" panose="020F0502020204030204" pitchFamily="34" charset="0"/>
+            </a:endParaRPr>
+          </a:p>
+          <a:p>
+            <a:pPr marL="0" marR="0">
+              <a:spcBef>
+                <a:spcPts val="0"/>
+              </a:spcBef>
+              <a:spcAft>
+                <a:spcPts val="0"/>
+              </a:spcAft>
+            </a:pPr>
+            <a:r>
+              <a:rPr lang="en-US" sz="1600" dirty="0">
+                <a:solidFill>
+                  <a:srgbClr val="000000"/>
+                </a:solidFill>
+                <a:effectLst/>
+                <a:latin typeface="Times New Roman" panose="02020603050405020304" pitchFamily="18" charset="0"/>
+                <a:ea typeface="Calibri" panose="020F0502020204030204" pitchFamily="34" charset="0"/>
+              </a:rPr>
+              <a:t>Functional dependencies: </a:t>
+            </a:r>
+            <a:endParaRPr lang="en-US" sz="1600" dirty="0">
+              <a:solidFill>
+                <a:srgbClr val="000000"/>
+              </a:solidFill>
+              <a:effectLst/>
+              <a:latin typeface="Calibri" panose="020F0502020204030204" pitchFamily="34" charset="0"/>
+              <a:ea typeface="Calibri" panose="020F0502020204030204" pitchFamily="34" charset="0"/>
+            </a:endParaRPr>
+          </a:p>
+          <a:p>
+            <a:pPr marL="0" marR="0">
+              <a:spcBef>
+                <a:spcPts val="0"/>
+              </a:spcBef>
+              <a:spcAft>
+                <a:spcPts val="0"/>
+              </a:spcAft>
+            </a:pPr>
+            <a:r>
+              <a:rPr lang="en-US" sz="1600" dirty="0">
+                <a:solidFill>
+                  <a:srgbClr val="000000"/>
+                </a:solidFill>
+                <a:effectLst/>
+                <a:latin typeface="Times New Roman" panose="02020603050405020304" pitchFamily="18" charset="0"/>
+                <a:ea typeface="Calibri" panose="020F0502020204030204" pitchFamily="34" charset="0"/>
+              </a:rPr>
+              <a:t>There are no nontrivial functional dependencies as all the columns combined form a candidate key.</a:t>
+            </a:r>
+          </a:p>
+          <a:p>
+            <a:pPr marL="0" marR="0" indent="0">
+              <a:spcBef>
+                <a:spcPts val="0"/>
+              </a:spcBef>
+              <a:spcAft>
+                <a:spcPts val="0"/>
+              </a:spcAft>
+              <a:buNone/>
+            </a:pPr>
+            <a:endParaRPr lang="en-US" sz="1600" dirty="0">
+              <a:solidFill>
+                <a:srgbClr val="000000"/>
+              </a:solidFill>
+              <a:effectLst/>
+              <a:latin typeface="Calibri" panose="020F0502020204030204" pitchFamily="34" charset="0"/>
+              <a:ea typeface="Calibri" panose="020F0502020204030204" pitchFamily="34" charset="0"/>
+            </a:endParaRPr>
+          </a:p>
+          <a:p>
+            <a:pPr marL="0" marR="0">
+              <a:spcBef>
+                <a:spcPts val="0"/>
+              </a:spcBef>
+              <a:spcAft>
+                <a:spcPts val="0"/>
+              </a:spcAft>
+            </a:pPr>
+            <a:r>
+              <a:rPr lang="en-US" sz="1600" b="1" dirty="0" err="1">
+                <a:solidFill>
+                  <a:srgbClr val="000000"/>
+                </a:solidFill>
+                <a:effectLst/>
+                <a:latin typeface="Times New Roman" panose="02020603050405020304" pitchFamily="18" charset="0"/>
+                <a:ea typeface="Calibri" panose="020F0502020204030204" pitchFamily="34" charset="0"/>
+              </a:rPr>
+              <a:t>Purchase_history</a:t>
+            </a:r>
+            <a:r>
+              <a:rPr lang="en-US" sz="1600" b="1" dirty="0">
+                <a:solidFill>
+                  <a:srgbClr val="000000"/>
+                </a:solidFill>
+                <a:effectLst/>
+                <a:latin typeface="Times New Roman" panose="02020603050405020304" pitchFamily="18" charset="0"/>
+                <a:ea typeface="Calibri" panose="020F0502020204030204" pitchFamily="34" charset="0"/>
+              </a:rPr>
+              <a:t> (</a:t>
+            </a:r>
+            <a:r>
+              <a:rPr lang="en-US" sz="1600" b="1" dirty="0" err="1">
+                <a:solidFill>
+                  <a:srgbClr val="000000"/>
+                </a:solidFill>
+                <a:effectLst/>
+                <a:latin typeface="Times New Roman" panose="02020603050405020304" pitchFamily="18" charset="0"/>
+                <a:ea typeface="Calibri" panose="020F0502020204030204" pitchFamily="34" charset="0"/>
+              </a:rPr>
+              <a:t>movie_id</a:t>
+            </a:r>
+            <a:r>
+              <a:rPr lang="en-US" sz="1600" b="1" dirty="0">
+                <a:solidFill>
+                  <a:srgbClr val="000000"/>
+                </a:solidFill>
+                <a:effectLst/>
+                <a:latin typeface="Times New Roman" panose="02020603050405020304" pitchFamily="18" charset="0"/>
+                <a:ea typeface="Calibri" panose="020F0502020204030204" pitchFamily="34" charset="0"/>
+              </a:rPr>
+              <a:t>, </a:t>
+            </a:r>
+            <a:r>
+              <a:rPr lang="en-US" sz="1600" b="1" dirty="0" err="1">
+                <a:solidFill>
+                  <a:srgbClr val="000000"/>
+                </a:solidFill>
+                <a:effectLst/>
+                <a:latin typeface="Times New Roman" panose="02020603050405020304" pitchFamily="18" charset="0"/>
+                <a:ea typeface="Calibri" panose="020F0502020204030204" pitchFamily="34" charset="0"/>
+              </a:rPr>
+              <a:t>purchase_count</a:t>
+            </a:r>
+            <a:r>
+              <a:rPr lang="en-US" sz="1600" b="1" dirty="0">
+                <a:solidFill>
+                  <a:srgbClr val="000000"/>
+                </a:solidFill>
+                <a:effectLst/>
+                <a:latin typeface="Times New Roman" panose="02020603050405020304" pitchFamily="18" charset="0"/>
+                <a:ea typeface="Calibri" panose="020F0502020204030204" pitchFamily="34" charset="0"/>
+              </a:rPr>
+              <a:t>)</a:t>
+            </a:r>
+            <a:endParaRPr lang="en-US" sz="1600" dirty="0">
+              <a:solidFill>
+                <a:srgbClr val="000000"/>
+              </a:solidFill>
+              <a:effectLst/>
+              <a:latin typeface="Calibri" panose="020F0502020204030204" pitchFamily="34" charset="0"/>
+              <a:ea typeface="Calibri" panose="020F0502020204030204" pitchFamily="34" charset="0"/>
+            </a:endParaRPr>
+          </a:p>
+          <a:p>
+            <a:pPr marL="0" marR="0">
+              <a:spcBef>
+                <a:spcPts val="0"/>
+              </a:spcBef>
+              <a:spcAft>
+                <a:spcPts val="0"/>
+              </a:spcAft>
+            </a:pPr>
+            <a:r>
+              <a:rPr lang="en-US" sz="1600" dirty="0">
+                <a:solidFill>
+                  <a:srgbClr val="000000"/>
+                </a:solidFill>
+                <a:effectLst/>
+                <a:latin typeface="Times New Roman" panose="02020603050405020304" pitchFamily="18" charset="0"/>
+                <a:ea typeface="Calibri" panose="020F0502020204030204" pitchFamily="34" charset="0"/>
+              </a:rPr>
+              <a:t>Functional dependencies: </a:t>
+            </a:r>
+            <a:endParaRPr lang="en-US" sz="1600" dirty="0">
+              <a:solidFill>
+                <a:srgbClr val="000000"/>
+              </a:solidFill>
+              <a:effectLst/>
+              <a:latin typeface="Calibri" panose="020F0502020204030204" pitchFamily="34" charset="0"/>
+              <a:ea typeface="Calibri" panose="020F0502020204030204" pitchFamily="34" charset="0"/>
+            </a:endParaRPr>
+          </a:p>
+          <a:p>
+            <a:pPr marL="0" marR="0">
+              <a:spcBef>
+                <a:spcPts val="0"/>
+              </a:spcBef>
+              <a:spcAft>
+                <a:spcPts val="0"/>
+              </a:spcAft>
+            </a:pPr>
+            <a:r>
+              <a:rPr lang="en-US" sz="1600" dirty="0" err="1">
+                <a:solidFill>
+                  <a:srgbClr val="000000"/>
+                </a:solidFill>
+                <a:effectLst/>
+                <a:latin typeface="Times New Roman" panose="02020603050405020304" pitchFamily="18" charset="0"/>
+                <a:ea typeface="Calibri" panose="020F0502020204030204" pitchFamily="34" charset="0"/>
+              </a:rPr>
+              <a:t>movie_id</a:t>
+            </a:r>
+            <a:r>
+              <a:rPr lang="en-US" sz="1600" dirty="0">
+                <a:solidFill>
+                  <a:srgbClr val="000000"/>
+                </a:solidFill>
+                <a:effectLst/>
+                <a:latin typeface="Times New Roman" panose="02020603050405020304" pitchFamily="18" charset="0"/>
+                <a:ea typeface="Calibri" panose="020F0502020204030204" pitchFamily="34" charset="0"/>
+              </a:rPr>
+              <a:t> -&gt; </a:t>
+            </a:r>
+            <a:r>
+              <a:rPr lang="en-US" sz="1600" dirty="0" err="1">
+                <a:solidFill>
+                  <a:srgbClr val="000000"/>
+                </a:solidFill>
+                <a:effectLst/>
+                <a:latin typeface="Times New Roman" panose="02020603050405020304" pitchFamily="18" charset="0"/>
+                <a:ea typeface="Calibri" panose="020F0502020204030204" pitchFamily="34" charset="0"/>
+              </a:rPr>
+              <a:t>purchase_count</a:t>
+            </a:r>
+            <a:endParaRPr lang="en-US" sz="1600" dirty="0">
+              <a:solidFill>
+                <a:srgbClr val="000000"/>
+              </a:solidFill>
+              <a:effectLst/>
+              <a:latin typeface="Calibri" panose="020F0502020204030204" pitchFamily="34" charset="0"/>
+              <a:ea typeface="Calibri" panose="020F0502020204030204" pitchFamily="34" charset="0"/>
+            </a:endParaRPr>
+          </a:p>
+          <a:p>
+            <a:pPr marL="0" marR="0">
+              <a:spcBef>
+                <a:spcPts val="0"/>
+              </a:spcBef>
+              <a:spcAft>
+                <a:spcPts val="0"/>
+              </a:spcAft>
+            </a:pPr>
+            <a:endParaRPr lang="en-US" sz="1600" dirty="0">
+              <a:solidFill>
+                <a:srgbClr val="000000"/>
+              </a:solidFill>
+              <a:effectLst/>
+              <a:latin typeface="Calibri" panose="020F0502020204030204" pitchFamily="34" charset="0"/>
+              <a:ea typeface="Calibri" panose="020F0502020204030204" pitchFamily="34" charset="0"/>
+            </a:endParaRPr>
+          </a:p>
+          <a:p>
+            <a:pPr marL="0">
+              <a:spcBef>
+                <a:spcPts val="0"/>
+              </a:spcBef>
+            </a:pPr>
+            <a:endParaRPr lang="en-US" dirty="0">
+              <a:solidFill>
+                <a:srgbClr val="000000"/>
+              </a:solidFill>
+              <a:latin typeface="Calibri" panose="020F0502020204030204" pitchFamily="34" charset="0"/>
+              <a:ea typeface="Calibri" panose="020F0502020204030204" pitchFamily="34" charset="0"/>
+            </a:endParaRPr>
           </a:p>
           <a:p>
             <a:pPr lvl="1"/>
@@ -8641,7 +11365,7 @@
           <a:p>
             <a:r>
               <a:rPr lang="en-US" u="sng" dirty="0"/>
-              <a:t>Database Testing – 11 Queries</a:t>
+              <a:t>Database Testing – 12 Queries</a:t>
             </a:r>
           </a:p>
         </p:txBody>
@@ -8682,7 +11406,7 @@
           <a:p>
             <a:r>
               <a:rPr lang="en-US" b="1" dirty="0"/>
-              <a:t>7 Select Queries: </a:t>
+              <a:t>6 Select Queries: </a:t>
             </a:r>
           </a:p>
           <a:p>

--- a/DMQL_MoviesMarketPlace.pptx
+++ b/DMQL_MoviesMarketPlace.pptx
@@ -7999,7 +7999,7 @@
         </p:spPr>
         <p:txBody>
           <a:bodyPr>
-            <a:normAutofit lnSpcReduction="10000"/>
+            <a:normAutofit/>
           </a:bodyPr>
           <a:lstStyle/>
           <a:p>
@@ -8064,11 +8064,7 @@
             </a:r>
             <a:r>
               <a:rPr lang="en-US" dirty="0"/>
-              <a:t>– genre of a </a:t>
-            </a:r>
-            <a:r>
-              <a:rPr lang="en-US"/>
-              <a:t>movie.</a:t>
+              <a:t>– genre of a movie.</a:t>
             </a:r>
           </a:p>
           <a:p>
@@ -8173,35 +8169,8 @@
             </a:r>
             <a:r>
               <a:rPr lang="en-US" dirty="0"/>
-              <a:t>– Inserts records into the tables, each table contains </a:t>
-            </a:r>
-            <a:r>
-              <a:rPr lang="en-US" dirty="0" err="1"/>
-              <a:t>atleast</a:t>
-            </a:r>
-            <a:r>
-              <a:rPr lang="en-US" dirty="0"/>
-              <a:t> 50000 rows</a:t>
-            </a:r>
-          </a:p>
-          <a:p>
-            <a:pPr lvl="1"/>
-            <a:r>
-              <a:rPr lang="en-US" b="1" i="1" dirty="0" err="1"/>
-              <a:t>readme.txt</a:t>
-            </a:r>
-            <a:r>
-              <a:rPr lang="en-US" b="1" i="1" dirty="0"/>
-              <a:t> </a:t>
-            </a:r>
-            <a:r>
-              <a:rPr lang="en-US" dirty="0"/>
-              <a:t>- </a:t>
-            </a:r>
-          </a:p>
-          <a:p>
-            <a:pPr lvl="1"/>
-            <a:endParaRPr lang="en-US" dirty="0"/>
+              <a:t>– Inserts records into the tables, each table contains around 50000 rows</a:t>
+            </a:r>
           </a:p>
           <a:p>
             <a:pPr lvl="1"/>
@@ -9356,7 +9325,7 @@
         </p:spPr>
         <p:txBody>
           <a:bodyPr>
-            <a:normAutofit fontScale="85000" lnSpcReduction="20000"/>
+            <a:normAutofit fontScale="92500" lnSpcReduction="10000"/>
           </a:bodyPr>
           <a:lstStyle/>
           <a:p>
@@ -9369,66 +9338,184 @@
               </a:spcAft>
             </a:pPr>
             <a:r>
-              <a:rPr lang="en-US" sz="1900" b="1" dirty="0">
+              <a:rPr lang="en-US" sz="1600" b="1" dirty="0">
                 <a:solidFill>
                   <a:srgbClr val="000000"/>
                 </a:solidFill>
                 <a:effectLst/>
-                <a:latin typeface="Times New Roman" panose="02020603050405020304" pitchFamily="18" charset="0"/>
                 <a:ea typeface="Calibri" panose="020F0502020204030204" pitchFamily="34" charset="0"/>
               </a:rPr>
               <a:t>actors (id, </a:t>
             </a:r>
             <a:r>
-              <a:rPr lang="en-US" sz="1900" b="1" dirty="0" err="1">
+              <a:rPr lang="en-US" sz="1600" b="1" dirty="0" err="1">
                 <a:solidFill>
                   <a:srgbClr val="000000"/>
                 </a:solidFill>
                 <a:effectLst/>
-                <a:latin typeface="Times New Roman" panose="02020603050405020304" pitchFamily="18" charset="0"/>
                 <a:ea typeface="Calibri" panose="020F0502020204030204" pitchFamily="34" charset="0"/>
               </a:rPr>
               <a:t>first_name</a:t>
             </a:r>
             <a:r>
-              <a:rPr lang="en-US" sz="1900" b="1" dirty="0">
+              <a:rPr lang="en-US" sz="1600" b="1" dirty="0">
                 <a:solidFill>
                   <a:srgbClr val="000000"/>
                 </a:solidFill>
                 <a:effectLst/>
-                <a:latin typeface="Times New Roman" panose="02020603050405020304" pitchFamily="18" charset="0"/>
                 <a:ea typeface="Calibri" panose="020F0502020204030204" pitchFamily="34" charset="0"/>
               </a:rPr>
               <a:t>, </a:t>
             </a:r>
             <a:r>
-              <a:rPr lang="en-US" sz="1900" b="1" dirty="0" err="1">
+              <a:rPr lang="en-US" sz="1600" b="1" dirty="0" err="1">
                 <a:solidFill>
                   <a:srgbClr val="000000"/>
                 </a:solidFill>
                 <a:effectLst/>
-                <a:latin typeface="Times New Roman" panose="02020603050405020304" pitchFamily="18" charset="0"/>
                 <a:ea typeface="Calibri" panose="020F0502020204030204" pitchFamily="34" charset="0"/>
               </a:rPr>
               <a:t>last_name</a:t>
             </a:r>
             <a:r>
-              <a:rPr lang="en-US" sz="1900" b="1" dirty="0">
+              <a:rPr lang="en-US" sz="1600" b="1" dirty="0">
                 <a:solidFill>
                   <a:srgbClr val="000000"/>
                 </a:solidFill>
                 <a:effectLst/>
-                <a:latin typeface="Times New Roman" panose="02020603050405020304" pitchFamily="18" charset="0"/>
                 <a:ea typeface="Calibri" panose="020F0502020204030204" pitchFamily="34" charset="0"/>
               </a:rPr>
               <a:t>, gender)</a:t>
             </a:r>
-            <a:endParaRPr lang="en-US" sz="1900" dirty="0">
+            <a:endParaRPr lang="en-US" sz="1600" dirty="0">
               <a:solidFill>
                 <a:srgbClr val="000000"/>
               </a:solidFill>
               <a:effectLst/>
-              <a:latin typeface="Calibri" panose="020F0502020204030204" pitchFamily="34" charset="0"/>
+              <a:ea typeface="Calibri" panose="020F0502020204030204" pitchFamily="34" charset="0"/>
+            </a:endParaRPr>
+          </a:p>
+          <a:p>
+            <a:pPr marL="0" marR="0" indent="0">
+              <a:spcBef>
+                <a:spcPts val="0"/>
+              </a:spcBef>
+              <a:spcAft>
+                <a:spcPts val="0"/>
+              </a:spcAft>
+              <a:buNone/>
+            </a:pPr>
+            <a:r>
+              <a:rPr lang="en-US" sz="1600" dirty="0">
+                <a:solidFill>
+                  <a:srgbClr val="000000"/>
+                </a:solidFill>
+                <a:effectLst/>
+                <a:ea typeface="Calibri" panose="020F0502020204030204" pitchFamily="34" charset="0"/>
+              </a:rPr>
+              <a:t>Functional dependencies: </a:t>
+            </a:r>
+          </a:p>
+          <a:p>
+            <a:pPr marL="400050" lvl="1">
+              <a:spcBef>
+                <a:spcPts val="0"/>
+              </a:spcBef>
+            </a:pPr>
+            <a:r>
+              <a:rPr lang="en-US" sz="1400" dirty="0">
+                <a:solidFill>
+                  <a:srgbClr val="000000"/>
+                </a:solidFill>
+                <a:effectLst/>
+                <a:ea typeface="Calibri" panose="020F0502020204030204" pitchFamily="34" charset="0"/>
+              </a:rPr>
+              <a:t>Id-&gt; </a:t>
+            </a:r>
+            <a:r>
+              <a:rPr lang="en-US" sz="1400" dirty="0" err="1">
+                <a:solidFill>
+                  <a:srgbClr val="000000"/>
+                </a:solidFill>
+                <a:effectLst/>
+                <a:ea typeface="Calibri" panose="020F0502020204030204" pitchFamily="34" charset="0"/>
+              </a:rPr>
+              <a:t>first_name</a:t>
+            </a:r>
+            <a:endParaRPr lang="en-US" sz="1400" dirty="0">
+              <a:solidFill>
+                <a:srgbClr val="000000"/>
+              </a:solidFill>
+              <a:effectLst/>
+              <a:ea typeface="Calibri" panose="020F0502020204030204" pitchFamily="34" charset="0"/>
+            </a:endParaRPr>
+          </a:p>
+          <a:p>
+            <a:pPr marL="400050" lvl="1">
+              <a:spcBef>
+                <a:spcPts val="0"/>
+              </a:spcBef>
+            </a:pPr>
+            <a:r>
+              <a:rPr lang="en-US" sz="1400" dirty="0">
+                <a:solidFill>
+                  <a:srgbClr val="000000"/>
+                </a:solidFill>
+                <a:effectLst/>
+                <a:ea typeface="Calibri" panose="020F0502020204030204" pitchFamily="34" charset="0"/>
+              </a:rPr>
+              <a:t>Id-&gt; </a:t>
+            </a:r>
+            <a:r>
+              <a:rPr lang="en-US" sz="1400" dirty="0" err="1">
+                <a:solidFill>
+                  <a:srgbClr val="000000"/>
+                </a:solidFill>
+                <a:effectLst/>
+                <a:ea typeface="Calibri" panose="020F0502020204030204" pitchFamily="34" charset="0"/>
+              </a:rPr>
+              <a:t>last_name</a:t>
+            </a:r>
+            <a:endParaRPr lang="en-US" sz="1400" dirty="0">
+              <a:solidFill>
+                <a:srgbClr val="000000"/>
+              </a:solidFill>
+              <a:effectLst/>
+              <a:ea typeface="Calibri" panose="020F0502020204030204" pitchFamily="34" charset="0"/>
+            </a:endParaRPr>
+          </a:p>
+          <a:p>
+            <a:pPr marL="400050" lvl="1">
+              <a:spcBef>
+                <a:spcPts val="0"/>
+              </a:spcBef>
+            </a:pPr>
+            <a:r>
+              <a:rPr lang="en-US" sz="1400" dirty="0">
+                <a:solidFill>
+                  <a:srgbClr val="000000"/>
+                </a:solidFill>
+                <a:effectLst/>
+                <a:ea typeface="Calibri" panose="020F0502020204030204" pitchFamily="34" charset="0"/>
+              </a:rPr>
+              <a:t>Id-&gt; gender</a:t>
+            </a:r>
+          </a:p>
+          <a:p>
+            <a:pPr marL="0" marR="0" indent="0">
+              <a:spcBef>
+                <a:spcPts val="0"/>
+              </a:spcBef>
+              <a:spcAft>
+                <a:spcPts val="0"/>
+              </a:spcAft>
+              <a:buNone/>
+            </a:pPr>
+            <a:endParaRPr lang="en-US" sz="1600" dirty="0">
+              <a:solidFill>
+                <a:srgbClr val="000000"/>
+              </a:solidFill>
+              <a:effectLst/>
               <a:ea typeface="Calibri" panose="020F0502020204030204" pitchFamily="34" charset="0"/>
             </a:endParaRPr>
           </a:p>
@@ -9442,22 +9529,167 @@
               </a:spcAft>
             </a:pPr>
             <a:r>
-              <a:rPr lang="en-US" sz="1900" dirty="0">
+              <a:rPr lang="en-US" sz="1600" b="1" dirty="0">
                 <a:solidFill>
                   <a:srgbClr val="000000"/>
                 </a:solidFill>
                 <a:effectLst/>
-                <a:latin typeface="Times New Roman" panose="02020603050405020304" pitchFamily="18" charset="0"/>
                 <a:ea typeface="Calibri" panose="020F0502020204030204" pitchFamily="34" charset="0"/>
               </a:rPr>
-              <a:t>Functional dependencies: </a:t>
-            </a:r>
-            <a:endParaRPr lang="en-US" sz="1900" dirty="0">
+              <a:t>directors (Id, </a:t>
+            </a:r>
+            <a:r>
+              <a:rPr lang="en-US" sz="1600" b="1" dirty="0" err="1">
+                <a:solidFill>
+                  <a:srgbClr val="000000"/>
+                </a:solidFill>
+                <a:effectLst/>
+                <a:ea typeface="Calibri" panose="020F0502020204030204" pitchFamily="34" charset="0"/>
+              </a:rPr>
+              <a:t>first_name</a:t>
+            </a:r>
+            <a:r>
+              <a:rPr lang="en-US" sz="1600" b="1" dirty="0">
+                <a:solidFill>
+                  <a:srgbClr val="000000"/>
+                </a:solidFill>
+                <a:effectLst/>
+                <a:ea typeface="Calibri" panose="020F0502020204030204" pitchFamily="34" charset="0"/>
+              </a:rPr>
+              <a:t>, </a:t>
+            </a:r>
+            <a:r>
+              <a:rPr lang="en-US" sz="1600" b="1" dirty="0" err="1">
+                <a:solidFill>
+                  <a:srgbClr val="000000"/>
+                </a:solidFill>
+                <a:effectLst/>
+                <a:ea typeface="Calibri" panose="020F0502020204030204" pitchFamily="34" charset="0"/>
+              </a:rPr>
+              <a:t>last_name</a:t>
+            </a:r>
+            <a:r>
+              <a:rPr lang="en-US" sz="1600" b="1" dirty="0">
+                <a:solidFill>
+                  <a:srgbClr val="000000"/>
+                </a:solidFill>
+                <a:effectLst/>
+                <a:ea typeface="Calibri" panose="020F0502020204030204" pitchFamily="34" charset="0"/>
+              </a:rPr>
+              <a:t>)</a:t>
+            </a:r>
+            <a:endParaRPr lang="en-US" sz="1600" dirty="0">
               <a:solidFill>
                 <a:srgbClr val="000000"/>
               </a:solidFill>
               <a:effectLst/>
-              <a:latin typeface="Calibri" panose="020F0502020204030204" pitchFamily="34" charset="0"/>
+              <a:ea typeface="Calibri" panose="020F0502020204030204" pitchFamily="34" charset="0"/>
+            </a:endParaRPr>
+          </a:p>
+          <a:p>
+            <a:pPr marL="0" marR="0" indent="0">
+              <a:spcBef>
+                <a:spcPts val="0"/>
+              </a:spcBef>
+              <a:spcAft>
+                <a:spcPts val="0"/>
+              </a:spcAft>
+              <a:buNone/>
+            </a:pPr>
+            <a:r>
+              <a:rPr lang="en-US" sz="1600" dirty="0">
+                <a:solidFill>
+                  <a:srgbClr val="000000"/>
+                </a:solidFill>
+                <a:effectLst/>
+                <a:ea typeface="Calibri" panose="020F0502020204030204" pitchFamily="34" charset="0"/>
+              </a:rPr>
+              <a:t>Functional dependencies: </a:t>
+            </a:r>
+          </a:p>
+          <a:p>
+            <a:pPr marL="400050" lvl="1">
+              <a:spcBef>
+                <a:spcPts val="0"/>
+              </a:spcBef>
+            </a:pPr>
+            <a:r>
+              <a:rPr lang="en-US" sz="1400" dirty="0">
+                <a:solidFill>
+                  <a:srgbClr val="000000"/>
+                </a:solidFill>
+                <a:effectLst/>
+                <a:ea typeface="Calibri" panose="020F0502020204030204" pitchFamily="34" charset="0"/>
+              </a:rPr>
+              <a:t>Id-&gt; </a:t>
+            </a:r>
+            <a:r>
+              <a:rPr lang="en-US" sz="1400" dirty="0" err="1">
+                <a:solidFill>
+                  <a:srgbClr val="000000"/>
+                </a:solidFill>
+                <a:effectLst/>
+                <a:ea typeface="Calibri" panose="020F0502020204030204" pitchFamily="34" charset="0"/>
+              </a:rPr>
+              <a:t>first_name</a:t>
+            </a:r>
+            <a:endParaRPr lang="en-US" sz="1400" dirty="0">
+              <a:solidFill>
+                <a:srgbClr val="000000"/>
+              </a:solidFill>
+              <a:effectLst/>
+              <a:ea typeface="Calibri" panose="020F0502020204030204" pitchFamily="34" charset="0"/>
+            </a:endParaRPr>
+          </a:p>
+          <a:p>
+            <a:pPr marL="400050" lvl="1">
+              <a:spcBef>
+                <a:spcPts val="0"/>
+              </a:spcBef>
+            </a:pPr>
+            <a:r>
+              <a:rPr lang="en-US" sz="1400" dirty="0">
+                <a:solidFill>
+                  <a:srgbClr val="000000"/>
+                </a:solidFill>
+                <a:effectLst/>
+                <a:ea typeface="Calibri" panose="020F0502020204030204" pitchFamily="34" charset="0"/>
+              </a:rPr>
+              <a:t>Id-&gt; </a:t>
+            </a:r>
+            <a:r>
+              <a:rPr lang="en-US" sz="1400" dirty="0" err="1">
+                <a:solidFill>
+                  <a:srgbClr val="000000"/>
+                </a:solidFill>
+                <a:effectLst/>
+                <a:ea typeface="Calibri" panose="020F0502020204030204" pitchFamily="34" charset="0"/>
+              </a:rPr>
+              <a:t>last_name</a:t>
+            </a:r>
+            <a:endParaRPr lang="en-US" sz="1400" dirty="0">
+              <a:solidFill>
+                <a:srgbClr val="000000"/>
+              </a:solidFill>
+              <a:effectLst/>
+              <a:ea typeface="Calibri" panose="020F0502020204030204" pitchFamily="34" charset="0"/>
+            </a:endParaRPr>
+          </a:p>
+          <a:p>
+            <a:pPr marL="0" marR="0" indent="0">
+              <a:spcBef>
+                <a:spcPts val="0"/>
+              </a:spcBef>
+              <a:spcAft>
+                <a:spcPts val="0"/>
+              </a:spcAft>
+              <a:buNone/>
+            </a:pPr>
+            <a:endParaRPr lang="en-US" sz="1600" dirty="0">
+              <a:solidFill>
+                <a:srgbClr val="000000"/>
+              </a:solidFill>
+              <a:effectLst/>
               <a:ea typeface="Calibri" panose="020F0502020204030204" pitchFamily="34" charset="0"/>
             </a:endParaRPr>
           </a:p>
@@ -9471,33 +9703,116 @@
               </a:spcAft>
             </a:pPr>
             <a:r>
-              <a:rPr lang="en-US" sz="1900" dirty="0">
+              <a:rPr lang="en-US" sz="1600" b="1" dirty="0" err="1">
                 <a:solidFill>
                   <a:srgbClr val="000000"/>
                 </a:solidFill>
                 <a:effectLst/>
-                <a:latin typeface="Times New Roman" panose="02020603050405020304" pitchFamily="18" charset="0"/>
                 <a:ea typeface="Calibri" panose="020F0502020204030204" pitchFamily="34" charset="0"/>
               </a:rPr>
-              <a:t>Id-&gt; </a:t>
-            </a:r>
-            <a:r>
-              <a:rPr lang="en-US" sz="1900" dirty="0" err="1">
+              <a:t>directors_genres</a:t>
+            </a:r>
+            <a:r>
+              <a:rPr lang="en-US" sz="1600" b="1" dirty="0">
                 <a:solidFill>
                   <a:srgbClr val="000000"/>
                 </a:solidFill>
                 <a:effectLst/>
-                <a:latin typeface="Times New Roman" panose="02020603050405020304" pitchFamily="18" charset="0"/>
                 <a:ea typeface="Calibri" panose="020F0502020204030204" pitchFamily="34" charset="0"/>
               </a:rPr>
-              <a:t>first_name</a:t>
-            </a:r>
-            <a:endParaRPr lang="en-US" sz="1900" dirty="0">
+              <a:t> (</a:t>
+            </a:r>
+            <a:r>
+              <a:rPr lang="en-US" sz="1600" b="1" dirty="0" err="1">
+                <a:solidFill>
+                  <a:srgbClr val="000000"/>
+                </a:solidFill>
+                <a:effectLst/>
+                <a:ea typeface="Calibri" panose="020F0502020204030204" pitchFamily="34" charset="0"/>
+              </a:rPr>
+              <a:t>director_id</a:t>
+            </a:r>
+            <a:r>
+              <a:rPr lang="en-US" sz="1600" b="1" dirty="0">
+                <a:solidFill>
+                  <a:srgbClr val="000000"/>
+                </a:solidFill>
+                <a:effectLst/>
+                <a:ea typeface="Calibri" panose="020F0502020204030204" pitchFamily="34" charset="0"/>
+              </a:rPr>
+              <a:t>, genre, prob) </a:t>
+            </a:r>
+            <a:endParaRPr lang="en-US" sz="1600" dirty="0">
               <a:solidFill>
                 <a:srgbClr val="000000"/>
               </a:solidFill>
               <a:effectLst/>
-              <a:latin typeface="Calibri" panose="020F0502020204030204" pitchFamily="34" charset="0"/>
+              <a:ea typeface="Calibri" panose="020F0502020204030204" pitchFamily="34" charset="0"/>
+            </a:endParaRPr>
+          </a:p>
+          <a:p>
+            <a:pPr marL="0" marR="0" indent="0">
+              <a:spcBef>
+                <a:spcPts val="0"/>
+              </a:spcBef>
+              <a:spcAft>
+                <a:spcPts val="0"/>
+              </a:spcAft>
+              <a:buNone/>
+            </a:pPr>
+            <a:r>
+              <a:rPr lang="en-US" sz="1600" dirty="0">
+                <a:solidFill>
+                  <a:srgbClr val="000000"/>
+                </a:solidFill>
+                <a:effectLst/>
+                <a:ea typeface="Calibri" panose="020F0502020204030204" pitchFamily="34" charset="0"/>
+              </a:rPr>
+              <a:t>Functional dependencies: </a:t>
+            </a:r>
+          </a:p>
+          <a:p>
+            <a:pPr marL="400050" lvl="1">
+              <a:spcBef>
+                <a:spcPts val="0"/>
+              </a:spcBef>
+            </a:pPr>
+            <a:r>
+              <a:rPr lang="en-US" sz="1400" dirty="0" err="1">
+                <a:solidFill>
+                  <a:srgbClr val="000000"/>
+                </a:solidFill>
+                <a:effectLst/>
+                <a:ea typeface="Calibri" panose="020F0502020204030204" pitchFamily="34" charset="0"/>
+              </a:rPr>
+              <a:t>director_id</a:t>
+            </a:r>
+            <a:r>
+              <a:rPr lang="en-US" sz="1400" dirty="0">
+                <a:solidFill>
+                  <a:srgbClr val="000000"/>
+                </a:solidFill>
+                <a:effectLst/>
+                <a:ea typeface="Calibri" panose="020F0502020204030204" pitchFamily="34" charset="0"/>
+              </a:rPr>
+              <a:t>, genre -&gt; prob</a:t>
+            </a:r>
+          </a:p>
+          <a:p>
+            <a:pPr marL="0" marR="0" indent="0">
+              <a:spcBef>
+                <a:spcPts val="0"/>
+              </a:spcBef>
+              <a:spcAft>
+                <a:spcPts val="0"/>
+              </a:spcAft>
+              <a:buNone/>
+            </a:pPr>
+            <a:endParaRPr lang="en-US" sz="1600" dirty="0">
+              <a:solidFill>
+                <a:srgbClr val="000000"/>
+              </a:solidFill>
+              <a:effectLst/>
               <a:ea typeface="Calibri" panose="020F0502020204030204" pitchFamily="34" charset="0"/>
             </a:endParaRPr>
           </a:p>
@@ -9511,62 +9826,20 @@
               </a:spcAft>
             </a:pPr>
             <a:r>
-              <a:rPr lang="en-US" sz="1900" dirty="0">
+              <a:rPr lang="en-US" sz="1600" b="1" dirty="0">
                 <a:solidFill>
                   <a:srgbClr val="000000"/>
                 </a:solidFill>
                 <a:effectLst/>
-                <a:latin typeface="Times New Roman" panose="02020603050405020304" pitchFamily="18" charset="0"/>
                 <a:ea typeface="Calibri" panose="020F0502020204030204" pitchFamily="34" charset="0"/>
               </a:rPr>
-              <a:t>Id-&gt; </a:t>
-            </a:r>
-            <a:r>
-              <a:rPr lang="en-US" sz="1900" dirty="0" err="1">
-                <a:solidFill>
-                  <a:srgbClr val="000000"/>
-                </a:solidFill>
-                <a:effectLst/>
-                <a:latin typeface="Times New Roman" panose="02020603050405020304" pitchFamily="18" charset="0"/>
-                <a:ea typeface="Calibri" panose="020F0502020204030204" pitchFamily="34" charset="0"/>
-              </a:rPr>
-              <a:t>last_name</a:t>
-            </a:r>
-            <a:endParaRPr lang="en-US" sz="1900" dirty="0">
+              <a:t>movies (Id, name, year, rating, availability, price)</a:t>
+            </a:r>
+            <a:endParaRPr lang="en-US" sz="1600" dirty="0">
               <a:solidFill>
                 <a:srgbClr val="000000"/>
               </a:solidFill>
               <a:effectLst/>
-              <a:latin typeface="Calibri" panose="020F0502020204030204" pitchFamily="34" charset="0"/>
-              <a:ea typeface="Calibri" panose="020F0502020204030204" pitchFamily="34" charset="0"/>
-            </a:endParaRPr>
-          </a:p>
-          <a:p>
-            <a:pPr marL="0" marR="0">
-              <a:spcBef>
-                <a:spcPts val="0"/>
-              </a:spcBef>
-              <a:spcAft>
-                <a:spcPts val="0"/>
-              </a:spcAft>
-            </a:pPr>
-            <a:r>
-              <a:rPr lang="en-US" sz="1900" dirty="0">
-                <a:solidFill>
-                  <a:srgbClr val="000000"/>
-                </a:solidFill>
-                <a:effectLst/>
-                <a:latin typeface="Times New Roman" panose="02020603050405020304" pitchFamily="18" charset="0"/>
-                <a:ea typeface="Calibri" panose="020F0502020204030204" pitchFamily="34" charset="0"/>
-              </a:rPr>
-              <a:t>Id-&gt; gender</a:t>
-            </a:r>
-            <a:endParaRPr lang="en-US" sz="1900" dirty="0">
-              <a:solidFill>
-                <a:srgbClr val="000000"/>
-              </a:solidFill>
-              <a:effectLst/>
-              <a:latin typeface="Calibri" panose="020F0502020204030204" pitchFamily="34" charset="0"/>
               <a:ea typeface="Calibri" panose="020F0502020204030204" pitchFamily="34" charset="0"/>
             </a:endParaRPr>
           </a:p>
@@ -9580,568 +9853,101 @@
               </a:spcAft>
               <a:buNone/>
             </a:pPr>
-            <a:endParaRPr lang="en-US" sz="1900" dirty="0">
-              <a:solidFill>
-                <a:srgbClr val="000000"/>
-              </a:solidFill>
-              <a:effectLst/>
-              <a:latin typeface="Calibri" panose="020F0502020204030204" pitchFamily="34" charset="0"/>
-              <a:ea typeface="Calibri" panose="020F0502020204030204" pitchFamily="34" charset="0"/>
-            </a:endParaRPr>
-          </a:p>
-          <a:p>
-            <a:pPr marL="0" marR="0">
+            <a:r>
+              <a:rPr lang="en-US" sz="1600" dirty="0">
+                <a:solidFill>
+                  <a:srgbClr val="000000"/>
+                </a:solidFill>
+                <a:effectLst/>
+                <a:ea typeface="Calibri" panose="020F0502020204030204" pitchFamily="34" charset="0"/>
+              </a:rPr>
+              <a:t>Functional dependencies: </a:t>
+            </a:r>
+          </a:p>
+          <a:p>
+            <a:pPr marL="400050" lvl="1">
               <a:spcBef>
                 <a:spcPts val="0"/>
               </a:spcBef>
-              <a:spcAft>
-                <a:spcPts val="0"/>
-              </a:spcAft>
             </a:pPr>
             <a:r>
-              <a:rPr lang="en-US" sz="1900" b="1" dirty="0">
+              <a:rPr lang="en-US" sz="1400" dirty="0">
                 <a:solidFill>
                   <a:srgbClr val="000000"/>
                 </a:solidFill>
                 <a:effectLst/>
-                <a:latin typeface="Times New Roman" panose="02020603050405020304" pitchFamily="18" charset="0"/>
                 <a:ea typeface="Calibri" panose="020F0502020204030204" pitchFamily="34" charset="0"/>
               </a:rPr>
-              <a:t>directors (Id, </a:t>
-            </a:r>
-            <a:r>
-              <a:rPr lang="en-US" sz="1900" b="1" dirty="0" err="1">
-                <a:solidFill>
-                  <a:srgbClr val="000000"/>
-                </a:solidFill>
-                <a:effectLst/>
-                <a:latin typeface="Times New Roman" panose="02020603050405020304" pitchFamily="18" charset="0"/>
-                <a:ea typeface="Calibri" panose="020F0502020204030204" pitchFamily="34" charset="0"/>
-              </a:rPr>
-              <a:t>first_name</a:t>
-            </a:r>
-            <a:r>
-              <a:rPr lang="en-US" sz="1900" b="1" dirty="0">
-                <a:solidFill>
-                  <a:srgbClr val="000000"/>
-                </a:solidFill>
-                <a:effectLst/>
-                <a:latin typeface="Times New Roman" panose="02020603050405020304" pitchFamily="18" charset="0"/>
-                <a:ea typeface="Calibri" panose="020F0502020204030204" pitchFamily="34" charset="0"/>
-              </a:rPr>
-              <a:t>, </a:t>
-            </a:r>
-            <a:r>
-              <a:rPr lang="en-US" sz="1900" b="1" dirty="0" err="1">
-                <a:solidFill>
-                  <a:srgbClr val="000000"/>
-                </a:solidFill>
-                <a:effectLst/>
-                <a:latin typeface="Times New Roman" panose="02020603050405020304" pitchFamily="18" charset="0"/>
-                <a:ea typeface="Calibri" panose="020F0502020204030204" pitchFamily="34" charset="0"/>
-              </a:rPr>
-              <a:t>last_name</a:t>
-            </a:r>
-            <a:r>
-              <a:rPr lang="en-US" sz="1900" b="1" dirty="0">
-                <a:solidFill>
-                  <a:srgbClr val="000000"/>
-                </a:solidFill>
-                <a:effectLst/>
-                <a:latin typeface="Times New Roman" panose="02020603050405020304" pitchFamily="18" charset="0"/>
-                <a:ea typeface="Calibri" panose="020F0502020204030204" pitchFamily="34" charset="0"/>
-              </a:rPr>
-              <a:t>)</a:t>
-            </a:r>
-            <a:endParaRPr lang="en-US" sz="1900" dirty="0">
-              <a:solidFill>
-                <a:srgbClr val="000000"/>
-              </a:solidFill>
-              <a:effectLst/>
-              <a:latin typeface="Calibri" panose="020F0502020204030204" pitchFamily="34" charset="0"/>
-              <a:ea typeface="Calibri" panose="020F0502020204030204" pitchFamily="34" charset="0"/>
-            </a:endParaRPr>
-          </a:p>
-          <a:p>
-            <a:pPr marL="0" marR="0">
+              <a:t>Id-&gt; name</a:t>
+            </a:r>
+          </a:p>
+          <a:p>
+            <a:pPr marL="400050" lvl="1">
               <a:spcBef>
                 <a:spcPts val="0"/>
               </a:spcBef>
-              <a:spcAft>
-                <a:spcPts val="0"/>
-              </a:spcAft>
             </a:pPr>
             <a:r>
-              <a:rPr lang="en-US" sz="1900" dirty="0">
+              <a:rPr lang="en-US" sz="1400" dirty="0">
                 <a:solidFill>
                   <a:srgbClr val="000000"/>
                 </a:solidFill>
                 <a:effectLst/>
-                <a:latin typeface="Times New Roman" panose="02020603050405020304" pitchFamily="18" charset="0"/>
                 <a:ea typeface="Calibri" panose="020F0502020204030204" pitchFamily="34" charset="0"/>
               </a:rPr>
-              <a:t>Functional dependencies: </a:t>
-            </a:r>
-            <a:endParaRPr lang="en-US" sz="1900" dirty="0">
-              <a:solidFill>
-                <a:srgbClr val="000000"/>
-              </a:solidFill>
-              <a:effectLst/>
-              <a:latin typeface="Calibri" panose="020F0502020204030204" pitchFamily="34" charset="0"/>
-              <a:ea typeface="Calibri" panose="020F0502020204030204" pitchFamily="34" charset="0"/>
-            </a:endParaRPr>
-          </a:p>
-          <a:p>
-            <a:pPr marL="0" marR="0">
+              <a:t>Id-&gt; year</a:t>
+            </a:r>
+          </a:p>
+          <a:p>
+            <a:pPr marL="400050" lvl="1">
               <a:spcBef>
                 <a:spcPts val="0"/>
               </a:spcBef>
-              <a:spcAft>
-                <a:spcPts val="0"/>
-              </a:spcAft>
             </a:pPr>
             <a:r>
-              <a:rPr lang="en-US" sz="1900" dirty="0">
+              <a:rPr lang="en-US" sz="1400" dirty="0">
                 <a:solidFill>
                   <a:srgbClr val="000000"/>
                 </a:solidFill>
                 <a:effectLst/>
-                <a:latin typeface="Times New Roman" panose="02020603050405020304" pitchFamily="18" charset="0"/>
                 <a:ea typeface="Calibri" panose="020F0502020204030204" pitchFamily="34" charset="0"/>
               </a:rPr>
-              <a:t>Id-&gt; </a:t>
-            </a:r>
-            <a:r>
-              <a:rPr lang="en-US" sz="1900" dirty="0" err="1">
-                <a:solidFill>
-                  <a:srgbClr val="000000"/>
-                </a:solidFill>
-                <a:effectLst/>
-                <a:latin typeface="Times New Roman" panose="02020603050405020304" pitchFamily="18" charset="0"/>
-                <a:ea typeface="Calibri" panose="020F0502020204030204" pitchFamily="34" charset="0"/>
-              </a:rPr>
-              <a:t>first_name</a:t>
-            </a:r>
-            <a:endParaRPr lang="en-US" sz="1900" dirty="0">
-              <a:solidFill>
-                <a:srgbClr val="000000"/>
-              </a:solidFill>
-              <a:effectLst/>
-              <a:latin typeface="Calibri" panose="020F0502020204030204" pitchFamily="34" charset="0"/>
-              <a:ea typeface="Calibri" panose="020F0502020204030204" pitchFamily="34" charset="0"/>
-            </a:endParaRPr>
-          </a:p>
-          <a:p>
-            <a:pPr marL="0" marR="0">
+              <a:t>Id-&gt; rating</a:t>
+            </a:r>
+          </a:p>
+          <a:p>
+            <a:pPr marL="400050" lvl="1">
               <a:spcBef>
                 <a:spcPts val="0"/>
               </a:spcBef>
-              <a:spcAft>
-                <a:spcPts val="0"/>
-              </a:spcAft>
             </a:pPr>
             <a:r>
-              <a:rPr lang="en-US" sz="1900" dirty="0">
+              <a:rPr lang="en-US" sz="1400" dirty="0">
                 <a:solidFill>
                   <a:srgbClr val="000000"/>
                 </a:solidFill>
                 <a:effectLst/>
-                <a:latin typeface="Times New Roman" panose="02020603050405020304" pitchFamily="18" charset="0"/>
                 <a:ea typeface="Calibri" panose="020F0502020204030204" pitchFamily="34" charset="0"/>
               </a:rPr>
-              <a:t>Id-&gt; </a:t>
-            </a:r>
-            <a:r>
-              <a:rPr lang="en-US" sz="1900" dirty="0" err="1">
-                <a:solidFill>
-                  <a:srgbClr val="000000"/>
-                </a:solidFill>
-                <a:effectLst/>
-                <a:latin typeface="Times New Roman" panose="02020603050405020304" pitchFamily="18" charset="0"/>
-                <a:ea typeface="Calibri" panose="020F0502020204030204" pitchFamily="34" charset="0"/>
-              </a:rPr>
-              <a:t>last_name</a:t>
-            </a:r>
-            <a:endParaRPr lang="en-US" sz="1900" dirty="0">
-              <a:solidFill>
-                <a:srgbClr val="000000"/>
-              </a:solidFill>
-              <a:effectLst/>
-              <a:latin typeface="Calibri" panose="020F0502020204030204" pitchFamily="34" charset="0"/>
-              <a:ea typeface="Calibri" panose="020F0502020204030204" pitchFamily="34" charset="0"/>
-            </a:endParaRPr>
-          </a:p>
-          <a:p>
-            <a:pPr marL="0" marR="0" indent="0">
+              <a:t>Id-&gt; availability</a:t>
+            </a:r>
+          </a:p>
+          <a:p>
+            <a:pPr marL="400050" lvl="1">
               <a:spcBef>
                 <a:spcPts val="0"/>
               </a:spcBef>
-              <a:spcAft>
-                <a:spcPts val="0"/>
-              </a:spcAft>
-              <a:buNone/>
             </a:pPr>
-            <a:endParaRPr lang="en-US" sz="1900" dirty="0">
-              <a:solidFill>
-                <a:srgbClr val="000000"/>
-              </a:solidFill>
-              <a:effectLst/>
-              <a:latin typeface="Calibri" panose="020F0502020204030204" pitchFamily="34" charset="0"/>
-              <a:ea typeface="Calibri" panose="020F0502020204030204" pitchFamily="34" charset="0"/>
-            </a:endParaRPr>
-          </a:p>
-          <a:p>
-            <a:pPr marL="0" marR="0">
-              <a:spcBef>
-                <a:spcPts val="0"/>
-              </a:spcBef>
-              <a:spcAft>
-                <a:spcPts val="0"/>
-              </a:spcAft>
-            </a:pPr>
-            <a:r>
-              <a:rPr lang="en-US" sz="1900" b="1" dirty="0" err="1">
+            <a:r>
+              <a:rPr lang="en-US" sz="1400" dirty="0">
                 <a:solidFill>
                   <a:srgbClr val="000000"/>
                 </a:solidFill>
                 <a:effectLst/>
-                <a:latin typeface="Times New Roman" panose="02020603050405020304" pitchFamily="18" charset="0"/>
                 <a:ea typeface="Calibri" panose="020F0502020204030204" pitchFamily="34" charset="0"/>
               </a:rPr>
-              <a:t>directors_genres</a:t>
-            </a:r>
-            <a:r>
-              <a:rPr lang="en-US" sz="1900" b="1" dirty="0">
-                <a:solidFill>
-                  <a:srgbClr val="000000"/>
-                </a:solidFill>
-                <a:effectLst/>
-                <a:latin typeface="Times New Roman" panose="02020603050405020304" pitchFamily="18" charset="0"/>
-                <a:ea typeface="Calibri" panose="020F0502020204030204" pitchFamily="34" charset="0"/>
-              </a:rPr>
-              <a:t> (</a:t>
-            </a:r>
-            <a:r>
-              <a:rPr lang="en-US" sz="1900" b="1" dirty="0" err="1">
-                <a:solidFill>
-                  <a:srgbClr val="000000"/>
-                </a:solidFill>
-                <a:effectLst/>
-                <a:latin typeface="Times New Roman" panose="02020603050405020304" pitchFamily="18" charset="0"/>
-                <a:ea typeface="Calibri" panose="020F0502020204030204" pitchFamily="34" charset="0"/>
-              </a:rPr>
-              <a:t>director_id</a:t>
-            </a:r>
-            <a:r>
-              <a:rPr lang="en-US" sz="1900" b="1" dirty="0">
-                <a:solidFill>
-                  <a:srgbClr val="000000"/>
-                </a:solidFill>
-                <a:effectLst/>
-                <a:latin typeface="Times New Roman" panose="02020603050405020304" pitchFamily="18" charset="0"/>
-                <a:ea typeface="Calibri" panose="020F0502020204030204" pitchFamily="34" charset="0"/>
-              </a:rPr>
-              <a:t>, genre, prob) </a:t>
-            </a:r>
-            <a:endParaRPr lang="en-US" sz="1900" dirty="0">
-              <a:solidFill>
-                <a:srgbClr val="000000"/>
-              </a:solidFill>
-              <a:effectLst/>
-              <a:latin typeface="Calibri" panose="020F0502020204030204" pitchFamily="34" charset="0"/>
-              <a:ea typeface="Calibri" panose="020F0502020204030204" pitchFamily="34" charset="0"/>
-            </a:endParaRPr>
-          </a:p>
-          <a:p>
-            <a:pPr marL="0" marR="0">
-              <a:spcBef>
-                <a:spcPts val="0"/>
-              </a:spcBef>
-              <a:spcAft>
-                <a:spcPts val="0"/>
-              </a:spcAft>
-            </a:pPr>
-            <a:r>
-              <a:rPr lang="en-US" sz="1900" dirty="0">
-                <a:solidFill>
-                  <a:srgbClr val="000000"/>
-                </a:solidFill>
-                <a:effectLst/>
-                <a:latin typeface="Times New Roman" panose="02020603050405020304" pitchFamily="18" charset="0"/>
-                <a:ea typeface="Calibri" panose="020F0502020204030204" pitchFamily="34" charset="0"/>
-              </a:rPr>
-              <a:t>Functional dependencies: </a:t>
-            </a:r>
-            <a:endParaRPr lang="en-US" sz="1900" dirty="0">
-              <a:solidFill>
-                <a:srgbClr val="000000"/>
-              </a:solidFill>
-              <a:effectLst/>
-              <a:latin typeface="Calibri" panose="020F0502020204030204" pitchFamily="34" charset="0"/>
-              <a:ea typeface="Calibri" panose="020F0502020204030204" pitchFamily="34" charset="0"/>
-            </a:endParaRPr>
-          </a:p>
-          <a:p>
-            <a:pPr marL="0" marR="0">
-              <a:spcBef>
-                <a:spcPts val="0"/>
-              </a:spcBef>
-              <a:spcAft>
-                <a:spcPts val="0"/>
-              </a:spcAft>
-            </a:pPr>
-            <a:r>
-              <a:rPr lang="en-US" sz="1900" dirty="0" err="1">
-                <a:solidFill>
-                  <a:srgbClr val="000000"/>
-                </a:solidFill>
-                <a:effectLst/>
-                <a:latin typeface="Times New Roman" panose="02020603050405020304" pitchFamily="18" charset="0"/>
-                <a:ea typeface="Calibri" panose="020F0502020204030204" pitchFamily="34" charset="0"/>
-              </a:rPr>
-              <a:t>director_id</a:t>
-            </a:r>
-            <a:r>
-              <a:rPr lang="en-US" sz="1900" dirty="0">
-                <a:solidFill>
-                  <a:srgbClr val="000000"/>
-                </a:solidFill>
-                <a:effectLst/>
-                <a:latin typeface="Times New Roman" panose="02020603050405020304" pitchFamily="18" charset="0"/>
-                <a:ea typeface="Calibri" panose="020F0502020204030204" pitchFamily="34" charset="0"/>
-              </a:rPr>
-              <a:t>, genre -&gt; prob</a:t>
-            </a:r>
-            <a:endParaRPr lang="en-US" sz="1900" dirty="0">
-              <a:solidFill>
-                <a:srgbClr val="000000"/>
-              </a:solidFill>
-              <a:effectLst/>
-              <a:latin typeface="Calibri" panose="020F0502020204030204" pitchFamily="34" charset="0"/>
-              <a:ea typeface="Calibri" panose="020F0502020204030204" pitchFamily="34" charset="0"/>
-            </a:endParaRPr>
-          </a:p>
-          <a:p>
-            <a:pPr marL="0" marR="0" indent="0">
-              <a:spcBef>
-                <a:spcPts val="0"/>
-              </a:spcBef>
-              <a:spcAft>
-                <a:spcPts val="0"/>
-              </a:spcAft>
-              <a:buNone/>
-            </a:pPr>
-            <a:endParaRPr lang="en-US" sz="1900" dirty="0">
-              <a:solidFill>
-                <a:srgbClr val="000000"/>
-              </a:solidFill>
-              <a:effectLst/>
-              <a:latin typeface="Calibri" panose="020F0502020204030204" pitchFamily="34" charset="0"/>
-              <a:ea typeface="Calibri" panose="020F0502020204030204" pitchFamily="34" charset="0"/>
-            </a:endParaRPr>
-          </a:p>
-          <a:p>
-            <a:pPr marL="0" marR="0">
-              <a:spcBef>
-                <a:spcPts val="0"/>
-              </a:spcBef>
-              <a:spcAft>
-                <a:spcPts val="0"/>
-              </a:spcAft>
-            </a:pPr>
-            <a:r>
-              <a:rPr lang="en-US" sz="1900" b="1" dirty="0">
-                <a:solidFill>
-                  <a:srgbClr val="000000"/>
-                </a:solidFill>
-                <a:effectLst/>
-                <a:latin typeface="Times New Roman" panose="02020603050405020304" pitchFamily="18" charset="0"/>
-                <a:ea typeface="Calibri" panose="020F0502020204030204" pitchFamily="34" charset="0"/>
-              </a:rPr>
-              <a:t>movies (Id, name, year, rating, availability, price)</a:t>
-            </a:r>
-            <a:endParaRPr lang="en-US" sz="1900" dirty="0">
-              <a:solidFill>
-                <a:srgbClr val="000000"/>
-              </a:solidFill>
-              <a:effectLst/>
-              <a:latin typeface="Calibri" panose="020F0502020204030204" pitchFamily="34" charset="0"/>
-              <a:ea typeface="Calibri" panose="020F0502020204030204" pitchFamily="34" charset="0"/>
-            </a:endParaRPr>
-          </a:p>
-          <a:p>
-            <a:pPr marL="0" marR="0">
-              <a:spcBef>
-                <a:spcPts val="0"/>
-              </a:spcBef>
-              <a:spcAft>
-                <a:spcPts val="0"/>
-              </a:spcAft>
-            </a:pPr>
-            <a:r>
-              <a:rPr lang="en-US" sz="1900" dirty="0">
-                <a:solidFill>
-                  <a:srgbClr val="000000"/>
-                </a:solidFill>
-                <a:effectLst/>
-                <a:latin typeface="Times New Roman" panose="02020603050405020304" pitchFamily="18" charset="0"/>
-                <a:ea typeface="Calibri" panose="020F0502020204030204" pitchFamily="34" charset="0"/>
-              </a:rPr>
-              <a:t>Functional dependencies: </a:t>
-            </a:r>
-            <a:endParaRPr lang="en-US" sz="1900" dirty="0">
-              <a:solidFill>
-                <a:srgbClr val="000000"/>
-              </a:solidFill>
-              <a:effectLst/>
-              <a:latin typeface="Calibri" panose="020F0502020204030204" pitchFamily="34" charset="0"/>
-              <a:ea typeface="Calibri" panose="020F0502020204030204" pitchFamily="34" charset="0"/>
-            </a:endParaRPr>
-          </a:p>
-          <a:p>
-            <a:pPr marL="0" marR="0">
-              <a:spcBef>
-                <a:spcPts val="0"/>
-              </a:spcBef>
-              <a:spcAft>
-                <a:spcPts val="0"/>
-              </a:spcAft>
-            </a:pPr>
-            <a:r>
-              <a:rPr lang="en-US" sz="1900" dirty="0">
-                <a:solidFill>
-                  <a:srgbClr val="000000"/>
-                </a:solidFill>
-                <a:effectLst/>
-                <a:latin typeface="Times New Roman" panose="02020603050405020304" pitchFamily="18" charset="0"/>
-                <a:ea typeface="Calibri" panose="020F0502020204030204" pitchFamily="34" charset="0"/>
-              </a:rPr>
-              <a:t>Id-&gt; name</a:t>
-            </a:r>
-            <a:endParaRPr lang="en-US" sz="1900" dirty="0">
-              <a:solidFill>
-                <a:srgbClr val="000000"/>
-              </a:solidFill>
-              <a:effectLst/>
-              <a:latin typeface="Calibri" panose="020F0502020204030204" pitchFamily="34" charset="0"/>
-              <a:ea typeface="Calibri" panose="020F0502020204030204" pitchFamily="34" charset="0"/>
-            </a:endParaRPr>
-          </a:p>
-          <a:p>
-            <a:pPr marL="0" marR="0">
-              <a:spcBef>
-                <a:spcPts val="0"/>
-              </a:spcBef>
-              <a:spcAft>
-                <a:spcPts val="0"/>
-              </a:spcAft>
-            </a:pPr>
-            <a:r>
-              <a:rPr lang="en-US" sz="1900" dirty="0">
-                <a:solidFill>
-                  <a:srgbClr val="000000"/>
-                </a:solidFill>
-                <a:effectLst/>
-                <a:latin typeface="Times New Roman" panose="02020603050405020304" pitchFamily="18" charset="0"/>
-                <a:ea typeface="Calibri" panose="020F0502020204030204" pitchFamily="34" charset="0"/>
-              </a:rPr>
-              <a:t>Id-&gt; year</a:t>
-            </a:r>
-            <a:endParaRPr lang="en-US" sz="1900" dirty="0">
-              <a:solidFill>
-                <a:srgbClr val="000000"/>
-              </a:solidFill>
-              <a:effectLst/>
-              <a:latin typeface="Calibri" panose="020F0502020204030204" pitchFamily="34" charset="0"/>
-              <a:ea typeface="Calibri" panose="020F0502020204030204" pitchFamily="34" charset="0"/>
-            </a:endParaRPr>
-          </a:p>
-          <a:p>
-            <a:pPr marL="0" marR="0">
-              <a:spcBef>
-                <a:spcPts val="0"/>
-              </a:spcBef>
-              <a:spcAft>
-                <a:spcPts val="0"/>
-              </a:spcAft>
-            </a:pPr>
-            <a:r>
-              <a:rPr lang="en-US" sz="1900" dirty="0">
-                <a:solidFill>
-                  <a:srgbClr val="000000"/>
-                </a:solidFill>
-                <a:effectLst/>
-                <a:latin typeface="Times New Roman" panose="02020603050405020304" pitchFamily="18" charset="0"/>
-                <a:ea typeface="Calibri" panose="020F0502020204030204" pitchFamily="34" charset="0"/>
-              </a:rPr>
-              <a:t>Id-&gt; rating</a:t>
-            </a:r>
-            <a:endParaRPr lang="en-US" sz="1900" dirty="0">
-              <a:solidFill>
-                <a:srgbClr val="000000"/>
-              </a:solidFill>
-              <a:effectLst/>
-              <a:latin typeface="Calibri" panose="020F0502020204030204" pitchFamily="34" charset="0"/>
-              <a:ea typeface="Calibri" panose="020F0502020204030204" pitchFamily="34" charset="0"/>
-            </a:endParaRPr>
-          </a:p>
-          <a:p>
-            <a:pPr marL="0" marR="0">
-              <a:spcBef>
-                <a:spcPts val="0"/>
-              </a:spcBef>
-              <a:spcAft>
-                <a:spcPts val="0"/>
-              </a:spcAft>
-            </a:pPr>
-            <a:r>
-              <a:rPr lang="en-US" sz="1900" dirty="0">
-                <a:solidFill>
-                  <a:srgbClr val="000000"/>
-                </a:solidFill>
-                <a:effectLst/>
-                <a:latin typeface="Times New Roman" panose="02020603050405020304" pitchFamily="18" charset="0"/>
-                <a:ea typeface="Calibri" panose="020F0502020204030204" pitchFamily="34" charset="0"/>
-              </a:rPr>
-              <a:t>Id-&gt; availability</a:t>
-            </a:r>
-            <a:endParaRPr lang="en-US" sz="1900" dirty="0">
-              <a:solidFill>
-                <a:srgbClr val="000000"/>
-              </a:solidFill>
-              <a:effectLst/>
-              <a:latin typeface="Calibri" panose="020F0502020204030204" pitchFamily="34" charset="0"/>
-              <a:ea typeface="Calibri" panose="020F0502020204030204" pitchFamily="34" charset="0"/>
-            </a:endParaRPr>
-          </a:p>
-          <a:p>
-            <a:pPr marL="0" marR="0">
-              <a:spcBef>
-                <a:spcPts val="0"/>
-              </a:spcBef>
-              <a:spcAft>
-                <a:spcPts val="0"/>
-              </a:spcAft>
-            </a:pPr>
-            <a:r>
-              <a:rPr lang="en-US" sz="1900" dirty="0">
-                <a:solidFill>
-                  <a:srgbClr val="000000"/>
-                </a:solidFill>
-                <a:effectLst/>
-                <a:latin typeface="Times New Roman" panose="02020603050405020304" pitchFamily="18" charset="0"/>
-                <a:ea typeface="Calibri" panose="020F0502020204030204" pitchFamily="34" charset="0"/>
-              </a:rPr>
               <a:t>Id-&gt; price</a:t>
             </a:r>
-            <a:endParaRPr lang="en-US" sz="1900" dirty="0">
-              <a:solidFill>
-                <a:srgbClr val="000000"/>
-              </a:solidFill>
-              <a:effectLst/>
-              <a:latin typeface="Calibri" panose="020F0502020204030204" pitchFamily="34" charset="0"/>
-              <a:ea typeface="Calibri" panose="020F0502020204030204" pitchFamily="34" charset="0"/>
-            </a:endParaRPr>
           </a:p>
           <a:p>
             <a:pPr marL="0" marR="0">
@@ -10157,7 +9963,6 @@
                 <a:srgbClr val="000000"/>
               </a:solidFill>
               <a:effectLst/>
-              <a:latin typeface="Calibri" panose="020F0502020204030204" pitchFamily="34" charset="0"/>
               <a:ea typeface="Calibri" panose="020F0502020204030204" pitchFamily="34" charset="0"/>
             </a:endParaRPr>
           </a:p>
@@ -10673,77 +10478,126 @@
               </a:spcAft>
             </a:pPr>
             <a:r>
-              <a:rPr lang="en-US" sz="1600" b="1" dirty="0" err="1">
+              <a:rPr lang="en-US" sz="1400" b="1" dirty="0" err="1">
                 <a:solidFill>
                   <a:srgbClr val="000000"/>
                 </a:solidFill>
                 <a:effectLst/>
-                <a:latin typeface="Times New Roman" panose="02020603050405020304" pitchFamily="18" charset="0"/>
                 <a:ea typeface="Calibri" panose="020F0502020204030204" pitchFamily="34" charset="0"/>
               </a:rPr>
               <a:t>movies_directors</a:t>
             </a:r>
             <a:r>
-              <a:rPr lang="en-US" sz="1600" b="1" dirty="0">
+              <a:rPr lang="en-US" sz="1400" b="1" dirty="0">
                 <a:solidFill>
                   <a:srgbClr val="000000"/>
                 </a:solidFill>
                 <a:effectLst/>
-                <a:latin typeface="Times New Roman" panose="02020603050405020304" pitchFamily="18" charset="0"/>
                 <a:ea typeface="Calibri" panose="020F0502020204030204" pitchFamily="34" charset="0"/>
               </a:rPr>
               <a:t> (</a:t>
             </a:r>
             <a:r>
-              <a:rPr lang="en-US" sz="1600" b="1" dirty="0" err="1">
+              <a:rPr lang="en-US" sz="1400" b="1" dirty="0" err="1">
                 <a:solidFill>
                   <a:srgbClr val="000000"/>
                 </a:solidFill>
                 <a:effectLst/>
-                <a:latin typeface="Times New Roman" panose="02020603050405020304" pitchFamily="18" charset="0"/>
                 <a:ea typeface="Calibri" panose="020F0502020204030204" pitchFamily="34" charset="0"/>
               </a:rPr>
               <a:t>director_id</a:t>
             </a:r>
             <a:r>
-              <a:rPr lang="en-US" sz="1600" b="1" dirty="0">
+              <a:rPr lang="en-US" sz="1400" b="1" dirty="0">
                 <a:solidFill>
                   <a:srgbClr val="000000"/>
                 </a:solidFill>
                 <a:effectLst/>
-                <a:latin typeface="Times New Roman" panose="02020603050405020304" pitchFamily="18" charset="0"/>
                 <a:ea typeface="Calibri" panose="020F0502020204030204" pitchFamily="34" charset="0"/>
               </a:rPr>
               <a:t>, </a:t>
             </a:r>
             <a:r>
-              <a:rPr lang="en-US" sz="1600" b="1" dirty="0" err="1">
+              <a:rPr lang="en-US" sz="1400" b="1" dirty="0" err="1">
                 <a:solidFill>
                   <a:srgbClr val="000000"/>
                 </a:solidFill>
                 <a:effectLst/>
-                <a:latin typeface="Times New Roman" panose="02020603050405020304" pitchFamily="18" charset="0"/>
                 <a:ea typeface="Calibri" panose="020F0502020204030204" pitchFamily="34" charset="0"/>
               </a:rPr>
               <a:t>movie_id</a:t>
             </a:r>
             <a:r>
-              <a:rPr lang="en-US" sz="1600" b="1" dirty="0">
+              <a:rPr lang="en-US" sz="1400" b="1" dirty="0">
                 <a:solidFill>
                   <a:srgbClr val="000000"/>
                 </a:solidFill>
                 <a:effectLst/>
-                <a:latin typeface="Times New Roman" panose="02020603050405020304" pitchFamily="18" charset="0"/>
                 <a:ea typeface="Calibri" panose="020F0502020204030204" pitchFamily="34" charset="0"/>
               </a:rPr>
               <a:t>)</a:t>
             </a:r>
-            <a:endParaRPr lang="en-US" sz="1600" dirty="0">
+            <a:endParaRPr lang="en-US" sz="1400" dirty="0">
               <a:solidFill>
                 <a:srgbClr val="000000"/>
               </a:solidFill>
               <a:effectLst/>
-              <a:latin typeface="Calibri" panose="020F0502020204030204" pitchFamily="34" charset="0"/>
+              <a:ea typeface="Calibri" panose="020F0502020204030204" pitchFamily="34" charset="0"/>
+            </a:endParaRPr>
+          </a:p>
+          <a:p>
+            <a:pPr marL="0" marR="0" indent="0">
+              <a:spcBef>
+                <a:spcPts val="0"/>
+              </a:spcBef>
+              <a:spcAft>
+                <a:spcPts val="0"/>
+              </a:spcAft>
+              <a:buNone/>
+            </a:pPr>
+            <a:r>
+              <a:rPr lang="en-US" sz="1400" dirty="0">
+                <a:solidFill>
+                  <a:srgbClr val="000000"/>
+                </a:solidFill>
+                <a:effectLst/>
+                <a:ea typeface="Calibri" panose="020F0502020204030204" pitchFamily="34" charset="0"/>
+              </a:rPr>
+              <a:t>Functional dependencies: </a:t>
+            </a:r>
+          </a:p>
+          <a:p>
+            <a:pPr marL="400050" lvl="1">
+              <a:spcBef>
+                <a:spcPts val="0"/>
+              </a:spcBef>
+            </a:pPr>
+            <a:r>
+              <a:rPr lang="en-US" sz="1200" dirty="0">
+                <a:solidFill>
+                  <a:srgbClr val="000000"/>
+                </a:solidFill>
+                <a:effectLst/>
+                <a:ea typeface="Calibri" panose="020F0502020204030204" pitchFamily="34" charset="0"/>
+              </a:rPr>
+              <a:t>There are no nontrivial functional dependencies as all the columns combined form a candidate key.</a:t>
+            </a:r>
+          </a:p>
+          <a:p>
+            <a:pPr marL="0" marR="0" indent="0">
+              <a:spcBef>
+                <a:spcPts val="0"/>
+              </a:spcBef>
+              <a:spcAft>
+                <a:spcPts val="0"/>
+              </a:spcAft>
+              <a:buNone/>
+            </a:pPr>
+            <a:endParaRPr lang="en-US" sz="1400" dirty="0">
+              <a:solidFill>
+                <a:srgbClr val="000000"/>
+              </a:solidFill>
+              <a:effectLst/>
               <a:ea typeface="Calibri" panose="020F0502020204030204" pitchFamily="34" charset="0"/>
             </a:endParaRPr>
           </a:p>
@@ -10757,22 +10611,106 @@
               </a:spcAft>
             </a:pPr>
             <a:r>
-              <a:rPr lang="en-US" sz="1600" dirty="0">
+              <a:rPr lang="en-US" sz="1400" b="1" dirty="0" err="1">
                 <a:solidFill>
                   <a:srgbClr val="000000"/>
                 </a:solidFill>
                 <a:effectLst/>
-                <a:latin typeface="Times New Roman" panose="02020603050405020304" pitchFamily="18" charset="0"/>
                 <a:ea typeface="Calibri" panose="020F0502020204030204" pitchFamily="34" charset="0"/>
               </a:rPr>
-              <a:t>Functional dependencies: </a:t>
-            </a:r>
-            <a:endParaRPr lang="en-US" sz="1600" dirty="0">
+              <a:t>movies_genres</a:t>
+            </a:r>
+            <a:r>
+              <a:rPr lang="en-US" sz="1400" b="1" dirty="0">
+                <a:solidFill>
+                  <a:srgbClr val="000000"/>
+                </a:solidFill>
+                <a:effectLst/>
+                <a:ea typeface="Calibri" panose="020F0502020204030204" pitchFamily="34" charset="0"/>
+              </a:rPr>
+              <a:t> (</a:t>
+            </a:r>
+            <a:r>
+              <a:rPr lang="en-US" sz="1400" b="1" dirty="0" err="1">
+                <a:solidFill>
+                  <a:srgbClr val="000000"/>
+                </a:solidFill>
+                <a:effectLst/>
+                <a:ea typeface="Calibri" panose="020F0502020204030204" pitchFamily="34" charset="0"/>
+              </a:rPr>
+              <a:t>movie_id</a:t>
+            </a:r>
+            <a:r>
+              <a:rPr lang="en-US" sz="1400" b="1" dirty="0">
+                <a:solidFill>
+                  <a:srgbClr val="000000"/>
+                </a:solidFill>
+                <a:effectLst/>
+                <a:ea typeface="Calibri" panose="020F0502020204030204" pitchFamily="34" charset="0"/>
+              </a:rPr>
+              <a:t>, genre)</a:t>
+            </a:r>
+            <a:endParaRPr lang="en-US" sz="1400" dirty="0">
               <a:solidFill>
                 <a:srgbClr val="000000"/>
               </a:solidFill>
               <a:effectLst/>
-              <a:latin typeface="Calibri" panose="020F0502020204030204" pitchFamily="34" charset="0"/>
+              <a:ea typeface="Calibri" panose="020F0502020204030204" pitchFamily="34" charset="0"/>
+            </a:endParaRPr>
+          </a:p>
+          <a:p>
+            <a:pPr marL="0" marR="0" indent="0">
+              <a:spcBef>
+                <a:spcPts val="0"/>
+              </a:spcBef>
+              <a:spcAft>
+                <a:spcPts val="0"/>
+              </a:spcAft>
+              <a:buNone/>
+            </a:pPr>
+            <a:r>
+              <a:rPr lang="en-US" sz="1400" dirty="0">
+                <a:solidFill>
+                  <a:srgbClr val="000000"/>
+                </a:solidFill>
+                <a:effectLst/>
+                <a:ea typeface="Calibri" panose="020F0502020204030204" pitchFamily="34" charset="0"/>
+              </a:rPr>
+              <a:t>Functional dependencies: </a:t>
+            </a:r>
+          </a:p>
+          <a:p>
+            <a:pPr marL="400050" lvl="1">
+              <a:spcBef>
+                <a:spcPts val="0"/>
+              </a:spcBef>
+            </a:pPr>
+            <a:r>
+              <a:rPr lang="en-US" sz="1200" dirty="0">
+                <a:solidFill>
+                  <a:srgbClr val="000000"/>
+                </a:solidFill>
+                <a:effectLst/>
+                <a:ea typeface="Calibri" panose="020F0502020204030204" pitchFamily="34" charset="0"/>
+              </a:rPr>
+              <a:t>There are no nontrivial functional dependencies as all the columns combined form a candidate key.</a:t>
+            </a:r>
+          </a:p>
+          <a:p>
+            <a:pPr marL="0" marR="0" indent="0">
+              <a:spcBef>
+                <a:spcPts val="0"/>
+              </a:spcBef>
+              <a:spcAft>
+                <a:spcPts val="0"/>
+              </a:spcAft>
+              <a:buNone/>
+            </a:pPr>
+            <a:endParaRPr lang="en-US" sz="1400" dirty="0">
+              <a:solidFill>
+                <a:srgbClr val="000000"/>
+              </a:solidFill>
+              <a:effectLst/>
               <a:ea typeface="Calibri" panose="020F0502020204030204" pitchFamily="34" charset="0"/>
             </a:endParaRPr>
           </a:p>
@@ -10786,22 +10724,60 @@
               </a:spcAft>
             </a:pPr>
             <a:r>
-              <a:rPr lang="en-US" sz="1600" dirty="0">
+              <a:rPr lang="en-US" sz="1400" b="1" dirty="0">
                 <a:solidFill>
                   <a:srgbClr val="000000"/>
                 </a:solidFill>
                 <a:effectLst/>
-                <a:latin typeface="Times New Roman" panose="02020603050405020304" pitchFamily="18" charset="0"/>
                 <a:ea typeface="Calibri" panose="020F0502020204030204" pitchFamily="34" charset="0"/>
               </a:rPr>
-              <a:t>There are no nontrivial functional dependencies as all the columns combined form a candidate key.</a:t>
-            </a:r>
-            <a:endParaRPr lang="en-US" sz="1600" dirty="0">
+              <a:t>Roles (</a:t>
+            </a:r>
+            <a:r>
+              <a:rPr lang="en-US" sz="1400" b="1" dirty="0" err="1">
+                <a:solidFill>
+                  <a:srgbClr val="000000"/>
+                </a:solidFill>
+                <a:effectLst/>
+                <a:ea typeface="Calibri" panose="020F0502020204030204" pitchFamily="34" charset="0"/>
+              </a:rPr>
+              <a:t>actor_id</a:t>
+            </a:r>
+            <a:r>
+              <a:rPr lang="en-US" sz="1400" b="1" dirty="0">
+                <a:solidFill>
+                  <a:srgbClr val="000000"/>
+                </a:solidFill>
+                <a:effectLst/>
+                <a:ea typeface="Calibri" panose="020F0502020204030204" pitchFamily="34" charset="0"/>
+              </a:rPr>
+              <a:t>, </a:t>
+            </a:r>
+            <a:r>
+              <a:rPr lang="en-US" sz="1400" b="1" dirty="0" err="1">
+                <a:solidFill>
+                  <a:srgbClr val="000000"/>
+                </a:solidFill>
+                <a:effectLst/>
+                <a:ea typeface="Calibri" panose="020F0502020204030204" pitchFamily="34" charset="0"/>
+              </a:rPr>
+              <a:t>movie_id</a:t>
+            </a:r>
+            <a:r>
+              <a:rPr lang="en-US" sz="1400" b="1" dirty="0">
+                <a:solidFill>
+                  <a:srgbClr val="000000"/>
+                </a:solidFill>
+                <a:effectLst/>
+                <a:ea typeface="Calibri" panose="020F0502020204030204" pitchFamily="34" charset="0"/>
+              </a:rPr>
+              <a:t>, role)</a:t>
+            </a:r>
+            <a:endParaRPr lang="en-US" sz="1400" dirty="0">
               <a:solidFill>
                 <a:srgbClr val="000000"/>
               </a:solidFill>
               <a:effectLst/>
-              <a:latin typeface="Calibri" panose="020F0502020204030204" pitchFamily="34" charset="0"/>
               <a:ea typeface="Calibri" panose="020F0502020204030204" pitchFamily="34" charset="0"/>
             </a:endParaRPr>
           </a:p>
@@ -10815,12 +10791,49 @@
               </a:spcAft>
               <a:buNone/>
             </a:pPr>
-            <a:endParaRPr lang="en-US" sz="1600" dirty="0">
+            <a:r>
+              <a:rPr lang="en-US" sz="1400" dirty="0">
+                <a:solidFill>
+                  <a:srgbClr val="000000"/>
+                </a:solidFill>
+                <a:effectLst/>
+                <a:ea typeface="Calibri" panose="020F0502020204030204" pitchFamily="34" charset="0"/>
+              </a:rPr>
+              <a:t>Functional dependencies: </a:t>
+            </a:r>
+          </a:p>
+          <a:p>
+            <a:pPr marL="400050" lvl="1">
+              <a:spcBef>
+                <a:spcPts val="0"/>
+              </a:spcBef>
+            </a:pPr>
+            <a:r>
+              <a:rPr lang="en-US" sz="1200" dirty="0">
+                <a:solidFill>
+                  <a:srgbClr val="000000"/>
+                </a:solidFill>
+                <a:effectLst/>
+                <a:ea typeface="Calibri" panose="020F0502020204030204" pitchFamily="34" charset="0"/>
+              </a:rPr>
+              <a:t>There are no nontrivial functional dependencies as all the columns combined form a candidate key.</a:t>
+            </a:r>
+          </a:p>
+          <a:p>
+            <a:pPr marL="0" marR="0" indent="0">
+              <a:spcBef>
+                <a:spcPts val="0"/>
+              </a:spcBef>
+              <a:spcAft>
+                <a:spcPts val="0"/>
+              </a:spcAft>
+              <a:buNone/>
+            </a:pPr>
+            <a:endParaRPr lang="en-US" sz="1400" dirty="0">
               <a:solidFill>
                 <a:srgbClr val="000000"/>
               </a:solidFill>
               <a:effectLst/>
-              <a:latin typeface="Calibri" panose="020F0502020204030204" pitchFamily="34" charset="0"/>
               <a:ea typeface="Calibri" panose="020F0502020204030204" pitchFamily="34" charset="0"/>
             </a:endParaRPr>
           </a:p>
@@ -10834,113 +10847,70 @@
               </a:spcAft>
             </a:pPr>
             <a:r>
-              <a:rPr lang="en-US" sz="1600" b="1" dirty="0" err="1">
+              <a:rPr lang="en-US" sz="1400" b="1" dirty="0" err="1">
                 <a:solidFill>
                   <a:srgbClr val="000000"/>
                 </a:solidFill>
                 <a:effectLst/>
-                <a:latin typeface="Times New Roman" panose="02020603050405020304" pitchFamily="18" charset="0"/>
                 <a:ea typeface="Calibri" panose="020F0502020204030204" pitchFamily="34" charset="0"/>
               </a:rPr>
-              <a:t>movies_genres</a:t>
-            </a:r>
-            <a:r>
-              <a:rPr lang="en-US" sz="1600" b="1" dirty="0">
+              <a:t>Purchase_history</a:t>
+            </a:r>
+            <a:r>
+              <a:rPr lang="en-US" sz="1400" b="1" dirty="0">
                 <a:solidFill>
                   <a:srgbClr val="000000"/>
                 </a:solidFill>
                 <a:effectLst/>
-                <a:latin typeface="Times New Roman" panose="02020603050405020304" pitchFamily="18" charset="0"/>
                 <a:ea typeface="Calibri" panose="020F0502020204030204" pitchFamily="34" charset="0"/>
               </a:rPr>
               <a:t> (</a:t>
             </a:r>
             <a:r>
-              <a:rPr lang="en-US" sz="1600" b="1" dirty="0" err="1">
+              <a:rPr lang="en-US" sz="1400" b="1" dirty="0" err="1">
                 <a:solidFill>
                   <a:srgbClr val="000000"/>
                 </a:solidFill>
                 <a:effectLst/>
-                <a:latin typeface="Times New Roman" panose="02020603050405020304" pitchFamily="18" charset="0"/>
                 <a:ea typeface="Calibri" panose="020F0502020204030204" pitchFamily="34" charset="0"/>
               </a:rPr>
               <a:t>movie_id</a:t>
             </a:r>
             <a:r>
-              <a:rPr lang="en-US" sz="1600" b="1" dirty="0">
+              <a:rPr lang="en-US" sz="1400" b="1" dirty="0">
                 <a:solidFill>
                   <a:srgbClr val="000000"/>
                 </a:solidFill>
                 <a:effectLst/>
-                <a:latin typeface="Times New Roman" panose="02020603050405020304" pitchFamily="18" charset="0"/>
                 <a:ea typeface="Calibri" panose="020F0502020204030204" pitchFamily="34" charset="0"/>
               </a:rPr>
-              <a:t>, genre)</a:t>
-            </a:r>
-            <a:endParaRPr lang="en-US" sz="1600" dirty="0">
+              <a:t>, </a:t>
+            </a:r>
+            <a:r>
+              <a:rPr lang="en-US" sz="1400" b="1" dirty="0" err="1">
+                <a:solidFill>
+                  <a:srgbClr val="000000"/>
+                </a:solidFill>
+                <a:effectLst/>
+                <a:ea typeface="Calibri" panose="020F0502020204030204" pitchFamily="34" charset="0"/>
+              </a:rPr>
+              <a:t>purchase_count</a:t>
+            </a:r>
+            <a:r>
+              <a:rPr lang="en-US" sz="1400" b="1" dirty="0">
+                <a:solidFill>
+                  <a:srgbClr val="000000"/>
+                </a:solidFill>
+                <a:effectLst/>
+                <a:ea typeface="Calibri" panose="020F0502020204030204" pitchFamily="34" charset="0"/>
+              </a:rPr>
+              <a:t>)</a:t>
+            </a:r>
+            <a:endParaRPr lang="en-US" sz="1400" dirty="0">
               <a:solidFill>
                 <a:srgbClr val="000000"/>
               </a:solidFill>
               <a:effectLst/>
-              <a:latin typeface="Calibri" panose="020F0502020204030204" pitchFamily="34" charset="0"/>
-              <a:ea typeface="Calibri" panose="020F0502020204030204" pitchFamily="34" charset="0"/>
-            </a:endParaRPr>
-          </a:p>
-          <a:p>
-            <a:pPr marL="0" marR="0">
-              <a:spcBef>
-                <a:spcPts val="0"/>
-              </a:spcBef>
-              <a:spcAft>
-                <a:spcPts val="0"/>
-              </a:spcAft>
-            </a:pPr>
-            <a:r>
-              <a:rPr lang="en-US" sz="1600" dirty="0">
-                <a:solidFill>
-                  <a:srgbClr val="000000"/>
-                </a:solidFill>
-                <a:effectLst/>
-                <a:latin typeface="Times New Roman" panose="02020603050405020304" pitchFamily="18" charset="0"/>
-                <a:ea typeface="Calibri" panose="020F0502020204030204" pitchFamily="34" charset="0"/>
-              </a:rPr>
-              <a:t>Functional dependencies: </a:t>
-            </a:r>
-            <a:endParaRPr lang="en-US" sz="1600" dirty="0">
-              <a:solidFill>
-                <a:srgbClr val="000000"/>
-              </a:solidFill>
-              <a:effectLst/>
-              <a:latin typeface="Calibri" panose="020F0502020204030204" pitchFamily="34" charset="0"/>
-              <a:ea typeface="Calibri" panose="020F0502020204030204" pitchFamily="34" charset="0"/>
-            </a:endParaRPr>
-          </a:p>
-          <a:p>
-            <a:pPr marL="0" marR="0">
-              <a:spcBef>
-                <a:spcPts val="0"/>
-              </a:spcBef>
-              <a:spcAft>
-                <a:spcPts val="0"/>
-              </a:spcAft>
-            </a:pPr>
-            <a:r>
-              <a:rPr lang="en-US" sz="1600" dirty="0">
-                <a:solidFill>
-                  <a:srgbClr val="000000"/>
-                </a:solidFill>
-                <a:effectLst/>
-                <a:latin typeface="Times New Roman" panose="02020603050405020304" pitchFamily="18" charset="0"/>
-                <a:ea typeface="Calibri" panose="020F0502020204030204" pitchFamily="34" charset="0"/>
-              </a:rPr>
-              <a:t>There are no nontrivial functional dependencies as all the columns combined form a candidate key.</a:t>
-            </a:r>
-            <a:endParaRPr lang="en-US" sz="1600" dirty="0">
-              <a:solidFill>
-                <a:srgbClr val="000000"/>
-              </a:solidFill>
-              <a:effectLst/>
-              <a:latin typeface="Calibri" panose="020F0502020204030204" pitchFamily="34" charset="0"/>
               <a:ea typeface="Calibri" panose="020F0502020204030204" pitchFamily="34" charset="0"/>
             </a:endParaRPr>
           </a:p>
@@ -10954,318 +10924,58 @@
               </a:spcAft>
               <a:buNone/>
             </a:pPr>
-            <a:endParaRPr lang="en-US" sz="1600" dirty="0">
+            <a:r>
+              <a:rPr lang="en-US" sz="1400" dirty="0">
+                <a:solidFill>
+                  <a:srgbClr val="000000"/>
+                </a:solidFill>
+                <a:effectLst/>
+                <a:ea typeface="Calibri" panose="020F0502020204030204" pitchFamily="34" charset="0"/>
+              </a:rPr>
+              <a:t>Functional dependencies: </a:t>
+            </a:r>
+          </a:p>
+          <a:p>
+            <a:pPr marL="400050" lvl="1">
+              <a:spcBef>
+                <a:spcPts val="0"/>
+              </a:spcBef>
+            </a:pPr>
+            <a:r>
+              <a:rPr lang="en-US" sz="1200" dirty="0" err="1">
+                <a:solidFill>
+                  <a:srgbClr val="000000"/>
+                </a:solidFill>
+                <a:effectLst/>
+                <a:ea typeface="Calibri" panose="020F0502020204030204" pitchFamily="34" charset="0"/>
+              </a:rPr>
+              <a:t>movie_id</a:t>
+            </a:r>
+            <a:r>
+              <a:rPr lang="en-US" sz="1200" dirty="0">
+                <a:solidFill>
+                  <a:srgbClr val="000000"/>
+                </a:solidFill>
+                <a:effectLst/>
+                <a:ea typeface="Calibri" panose="020F0502020204030204" pitchFamily="34" charset="0"/>
+              </a:rPr>
+              <a:t> -&gt; </a:t>
+            </a:r>
+            <a:r>
+              <a:rPr lang="en-US" sz="1200" dirty="0" err="1">
+                <a:solidFill>
+                  <a:srgbClr val="000000"/>
+                </a:solidFill>
+                <a:effectLst/>
+                <a:ea typeface="Calibri" panose="020F0502020204030204" pitchFamily="34" charset="0"/>
+              </a:rPr>
+              <a:t>purchase_count</a:t>
+            </a:r>
+            <a:endParaRPr lang="en-US" sz="1200" dirty="0">
               <a:solidFill>
                 <a:srgbClr val="000000"/>
               </a:solidFill>
               <a:effectLst/>
-              <a:latin typeface="Calibri" panose="020F0502020204030204" pitchFamily="34" charset="0"/>
-              <a:ea typeface="Calibri" panose="020F0502020204030204" pitchFamily="34" charset="0"/>
-            </a:endParaRPr>
-          </a:p>
-          <a:p>
-            <a:pPr marL="0" marR="0">
-              <a:spcBef>
-                <a:spcPts val="0"/>
-              </a:spcBef>
-              <a:spcAft>
-                <a:spcPts val="0"/>
-              </a:spcAft>
-            </a:pPr>
-            <a:r>
-              <a:rPr lang="en-US" sz="1600" b="1" dirty="0">
-                <a:solidFill>
-                  <a:srgbClr val="000000"/>
-                </a:solidFill>
-                <a:effectLst/>
-                <a:latin typeface="Times New Roman" panose="02020603050405020304" pitchFamily="18" charset="0"/>
-                <a:ea typeface="Calibri" panose="020F0502020204030204" pitchFamily="34" charset="0"/>
-              </a:rPr>
-              <a:t>Roles (</a:t>
-            </a:r>
-            <a:r>
-              <a:rPr lang="en-US" sz="1600" b="1" dirty="0" err="1">
-                <a:solidFill>
-                  <a:srgbClr val="000000"/>
-                </a:solidFill>
-                <a:effectLst/>
-                <a:latin typeface="Times New Roman" panose="02020603050405020304" pitchFamily="18" charset="0"/>
-                <a:ea typeface="Calibri" panose="020F0502020204030204" pitchFamily="34" charset="0"/>
-              </a:rPr>
-              <a:t>actor_id</a:t>
-            </a:r>
-            <a:r>
-              <a:rPr lang="en-US" sz="1600" b="1" dirty="0">
-                <a:solidFill>
-                  <a:srgbClr val="000000"/>
-                </a:solidFill>
-                <a:effectLst/>
-                <a:latin typeface="Times New Roman" panose="02020603050405020304" pitchFamily="18" charset="0"/>
-                <a:ea typeface="Calibri" panose="020F0502020204030204" pitchFamily="34" charset="0"/>
-              </a:rPr>
-              <a:t>, </a:t>
-            </a:r>
-            <a:r>
-              <a:rPr lang="en-US" sz="1600" b="1" dirty="0" err="1">
-                <a:solidFill>
-                  <a:srgbClr val="000000"/>
-                </a:solidFill>
-                <a:effectLst/>
-                <a:latin typeface="Times New Roman" panose="02020603050405020304" pitchFamily="18" charset="0"/>
-                <a:ea typeface="Calibri" panose="020F0502020204030204" pitchFamily="34" charset="0"/>
-              </a:rPr>
-              <a:t>movie_id</a:t>
-            </a:r>
-            <a:r>
-              <a:rPr lang="en-US" sz="1600" b="1" dirty="0">
-                <a:solidFill>
-                  <a:srgbClr val="000000"/>
-                </a:solidFill>
-                <a:effectLst/>
-                <a:latin typeface="Times New Roman" panose="02020603050405020304" pitchFamily="18" charset="0"/>
-                <a:ea typeface="Calibri" panose="020F0502020204030204" pitchFamily="34" charset="0"/>
-              </a:rPr>
-              <a:t>, role)</a:t>
-            </a:r>
-            <a:endParaRPr lang="en-US" sz="1600" dirty="0">
-              <a:solidFill>
-                <a:srgbClr val="000000"/>
-              </a:solidFill>
-              <a:effectLst/>
-              <a:latin typeface="Calibri" panose="020F0502020204030204" pitchFamily="34" charset="0"/>
-              <a:ea typeface="Calibri" panose="020F0502020204030204" pitchFamily="34" charset="0"/>
-            </a:endParaRPr>
-          </a:p>
-          <a:p>
-            <a:pPr marL="0" marR="0">
-              <a:spcBef>
-                <a:spcPts val="0"/>
-              </a:spcBef>
-              <a:spcAft>
-                <a:spcPts val="0"/>
-              </a:spcAft>
-            </a:pPr>
-            <a:r>
-              <a:rPr lang="en-US" sz="1600" dirty="0">
-                <a:solidFill>
-                  <a:srgbClr val="000000"/>
-                </a:solidFill>
-                <a:effectLst/>
-                <a:latin typeface="Times New Roman" panose="02020603050405020304" pitchFamily="18" charset="0"/>
-                <a:ea typeface="Calibri" panose="020F0502020204030204" pitchFamily="34" charset="0"/>
-              </a:rPr>
-              <a:t>Functional dependencies: </a:t>
-            </a:r>
-            <a:endParaRPr lang="en-US" sz="1600" dirty="0">
-              <a:solidFill>
-                <a:srgbClr val="000000"/>
-              </a:solidFill>
-              <a:effectLst/>
-              <a:latin typeface="Calibri" panose="020F0502020204030204" pitchFamily="34" charset="0"/>
-              <a:ea typeface="Calibri" panose="020F0502020204030204" pitchFamily="34" charset="0"/>
-            </a:endParaRPr>
-          </a:p>
-          <a:p>
-            <a:pPr marL="0" marR="0">
-              <a:spcBef>
-                <a:spcPts val="0"/>
-              </a:spcBef>
-              <a:spcAft>
-                <a:spcPts val="0"/>
-              </a:spcAft>
-            </a:pPr>
-            <a:r>
-              <a:rPr lang="en-US" sz="1600" dirty="0">
-                <a:solidFill>
-                  <a:srgbClr val="000000"/>
-                </a:solidFill>
-                <a:effectLst/>
-                <a:latin typeface="Times New Roman" panose="02020603050405020304" pitchFamily="18" charset="0"/>
-                <a:ea typeface="Calibri" panose="020F0502020204030204" pitchFamily="34" charset="0"/>
-              </a:rPr>
-              <a:t>There are no nontrivial functional dependencies as all the columns combined form a candidate key.</a:t>
-            </a:r>
-          </a:p>
-          <a:p>
-            <a:pPr marL="0" marR="0" indent="0">
-              <a:spcBef>
-                <a:spcPts val="0"/>
-              </a:spcBef>
-              <a:spcAft>
-                <a:spcPts val="0"/>
-              </a:spcAft>
-              <a:buNone/>
-            </a:pPr>
-            <a:endParaRPr lang="en-US" sz="1600" dirty="0">
-              <a:solidFill>
-                <a:srgbClr val="000000"/>
-              </a:solidFill>
-              <a:effectLst/>
-              <a:latin typeface="Calibri" panose="020F0502020204030204" pitchFamily="34" charset="0"/>
-              <a:ea typeface="Calibri" panose="020F0502020204030204" pitchFamily="34" charset="0"/>
-            </a:endParaRPr>
-          </a:p>
-          <a:p>
-            <a:pPr marL="0" marR="0">
-              <a:spcBef>
-                <a:spcPts val="0"/>
-              </a:spcBef>
-              <a:spcAft>
-                <a:spcPts val="0"/>
-              </a:spcAft>
-            </a:pPr>
-            <a:r>
-              <a:rPr lang="en-US" sz="1600" b="1" dirty="0" err="1">
-                <a:solidFill>
-                  <a:srgbClr val="000000"/>
-                </a:solidFill>
-                <a:effectLst/>
-                <a:latin typeface="Times New Roman" panose="02020603050405020304" pitchFamily="18" charset="0"/>
-                <a:ea typeface="Calibri" panose="020F0502020204030204" pitchFamily="34" charset="0"/>
-              </a:rPr>
-              <a:t>Purchase_history</a:t>
-            </a:r>
-            <a:r>
-              <a:rPr lang="en-US" sz="1600" b="1" dirty="0">
-                <a:solidFill>
-                  <a:srgbClr val="000000"/>
-                </a:solidFill>
-                <a:effectLst/>
-                <a:latin typeface="Times New Roman" panose="02020603050405020304" pitchFamily="18" charset="0"/>
-                <a:ea typeface="Calibri" panose="020F0502020204030204" pitchFamily="34" charset="0"/>
-              </a:rPr>
-              <a:t> (</a:t>
-            </a:r>
-            <a:r>
-              <a:rPr lang="en-US" sz="1600" b="1" dirty="0" err="1">
-                <a:solidFill>
-                  <a:srgbClr val="000000"/>
-                </a:solidFill>
-                <a:effectLst/>
-                <a:latin typeface="Times New Roman" panose="02020603050405020304" pitchFamily="18" charset="0"/>
-                <a:ea typeface="Calibri" panose="020F0502020204030204" pitchFamily="34" charset="0"/>
-              </a:rPr>
-              <a:t>movie_id</a:t>
-            </a:r>
-            <a:r>
-              <a:rPr lang="en-US" sz="1600" b="1" dirty="0">
-                <a:solidFill>
-                  <a:srgbClr val="000000"/>
-                </a:solidFill>
-                <a:effectLst/>
-                <a:latin typeface="Times New Roman" panose="02020603050405020304" pitchFamily="18" charset="0"/>
-                <a:ea typeface="Calibri" panose="020F0502020204030204" pitchFamily="34" charset="0"/>
-              </a:rPr>
-              <a:t>, </a:t>
-            </a:r>
-            <a:r>
-              <a:rPr lang="en-US" sz="1600" b="1" dirty="0" err="1">
-                <a:solidFill>
-                  <a:srgbClr val="000000"/>
-                </a:solidFill>
-                <a:effectLst/>
-                <a:latin typeface="Times New Roman" panose="02020603050405020304" pitchFamily="18" charset="0"/>
-                <a:ea typeface="Calibri" panose="020F0502020204030204" pitchFamily="34" charset="0"/>
-              </a:rPr>
-              <a:t>purchase_count</a:t>
-            </a:r>
-            <a:r>
-              <a:rPr lang="en-US" sz="1600" b="1" dirty="0">
-                <a:solidFill>
-                  <a:srgbClr val="000000"/>
-                </a:solidFill>
-                <a:effectLst/>
-                <a:latin typeface="Times New Roman" panose="02020603050405020304" pitchFamily="18" charset="0"/>
-                <a:ea typeface="Calibri" panose="020F0502020204030204" pitchFamily="34" charset="0"/>
-              </a:rPr>
-              <a:t>)</a:t>
-            </a:r>
-            <a:endParaRPr lang="en-US" sz="1600" dirty="0">
-              <a:solidFill>
-                <a:srgbClr val="000000"/>
-              </a:solidFill>
-              <a:effectLst/>
-              <a:latin typeface="Calibri" panose="020F0502020204030204" pitchFamily="34" charset="0"/>
-              <a:ea typeface="Calibri" panose="020F0502020204030204" pitchFamily="34" charset="0"/>
-            </a:endParaRPr>
-          </a:p>
-          <a:p>
-            <a:pPr marL="0" marR="0">
-              <a:spcBef>
-                <a:spcPts val="0"/>
-              </a:spcBef>
-              <a:spcAft>
-                <a:spcPts val="0"/>
-              </a:spcAft>
-            </a:pPr>
-            <a:r>
-              <a:rPr lang="en-US" sz="1600" dirty="0">
-                <a:solidFill>
-                  <a:srgbClr val="000000"/>
-                </a:solidFill>
-                <a:effectLst/>
-                <a:latin typeface="Times New Roman" panose="02020603050405020304" pitchFamily="18" charset="0"/>
-                <a:ea typeface="Calibri" panose="020F0502020204030204" pitchFamily="34" charset="0"/>
-              </a:rPr>
-              <a:t>Functional dependencies: </a:t>
-            </a:r>
-            <a:endParaRPr lang="en-US" sz="1600" dirty="0">
-              <a:solidFill>
-                <a:srgbClr val="000000"/>
-              </a:solidFill>
-              <a:effectLst/>
-              <a:latin typeface="Calibri" panose="020F0502020204030204" pitchFamily="34" charset="0"/>
-              <a:ea typeface="Calibri" panose="020F0502020204030204" pitchFamily="34" charset="0"/>
-            </a:endParaRPr>
-          </a:p>
-          <a:p>
-            <a:pPr marL="0" marR="0">
-              <a:spcBef>
-                <a:spcPts val="0"/>
-              </a:spcBef>
-              <a:spcAft>
-                <a:spcPts val="0"/>
-              </a:spcAft>
-            </a:pPr>
-            <a:r>
-              <a:rPr lang="en-US" sz="1600" dirty="0" err="1">
-                <a:solidFill>
-                  <a:srgbClr val="000000"/>
-                </a:solidFill>
-                <a:effectLst/>
-                <a:latin typeface="Times New Roman" panose="02020603050405020304" pitchFamily="18" charset="0"/>
-                <a:ea typeface="Calibri" panose="020F0502020204030204" pitchFamily="34" charset="0"/>
-              </a:rPr>
-              <a:t>movie_id</a:t>
-            </a:r>
-            <a:r>
-              <a:rPr lang="en-US" sz="1600" dirty="0">
-                <a:solidFill>
-                  <a:srgbClr val="000000"/>
-                </a:solidFill>
-                <a:effectLst/>
-                <a:latin typeface="Times New Roman" panose="02020603050405020304" pitchFamily="18" charset="0"/>
-                <a:ea typeface="Calibri" panose="020F0502020204030204" pitchFamily="34" charset="0"/>
-              </a:rPr>
-              <a:t> -&gt; </a:t>
-            </a:r>
-            <a:r>
-              <a:rPr lang="en-US" sz="1600" dirty="0" err="1">
-                <a:solidFill>
-                  <a:srgbClr val="000000"/>
-                </a:solidFill>
-                <a:effectLst/>
-                <a:latin typeface="Times New Roman" panose="02020603050405020304" pitchFamily="18" charset="0"/>
-                <a:ea typeface="Calibri" panose="020F0502020204030204" pitchFamily="34" charset="0"/>
-              </a:rPr>
-              <a:t>purchase_count</a:t>
-            </a:r>
-            <a:endParaRPr lang="en-US" sz="1600" dirty="0">
-              <a:solidFill>
-                <a:srgbClr val="000000"/>
-              </a:solidFill>
-              <a:effectLst/>
-              <a:latin typeface="Calibri" panose="020F0502020204030204" pitchFamily="34" charset="0"/>
               <a:ea typeface="Calibri" panose="020F0502020204030204" pitchFamily="34" charset="0"/>
             </a:endParaRPr>
           </a:p>
@@ -11365,7 +11075,7 @@
           <a:p>
             <a:r>
               <a:rPr lang="en-US" u="sng" dirty="0"/>
-              <a:t>Database Testing – 12 Queries</a:t>
+              <a:t>Database Testing – 11 Queries</a:t>
             </a:r>
           </a:p>
         </p:txBody>
@@ -11406,7 +11116,7 @@
           <a:p>
             <a:r>
               <a:rPr lang="en-US" b="1" dirty="0"/>
-              <a:t>6 Select Queries: </a:t>
+              <a:t>5 Select Queries: </a:t>
             </a:r>
           </a:p>
           <a:p>
@@ -11469,7 +11179,7 @@
             <a:pPr lvl="1"/>
             <a:r>
               <a:rPr lang="en-US" dirty="0"/>
-              <a:t>Updating movie name and availability from movies table.</a:t>
+              <a:t>Updating movie name, rating and availability from movies table.</a:t>
             </a:r>
           </a:p>
           <a:p>
@@ -11571,8 +11281,8 @@
         </p:nvSpPr>
         <p:spPr>
           <a:xfrm>
-            <a:off x="1899138" y="1488831"/>
-            <a:ext cx="9835662" cy="4947138"/>
+            <a:off x="527538" y="1491762"/>
+            <a:ext cx="4032587" cy="5169144"/>
           </a:xfrm>
         </p:spPr>
         <p:txBody>
@@ -11581,13 +11291,1348 @@
           </a:bodyPr>
           <a:lstStyle/>
           <a:p>
+            <a:pPr marL="0" indent="0">
+              <a:buNone/>
+            </a:pPr>
+            <a:r>
+              <a:rPr lang="en-US" sz="1400" b="1" dirty="0">
+                <a:solidFill>
+                  <a:srgbClr val="FF0000"/>
+                </a:solidFill>
+              </a:rPr>
+              <a:t>SELECT DISTINCT </a:t>
+            </a:r>
+            <a:r>
+              <a:rPr lang="en-US" sz="1400" b="1" dirty="0" err="1">
+                <a:solidFill>
+                  <a:srgbClr val="FF0000"/>
+                </a:solidFill>
+              </a:rPr>
+              <a:t>C.first_name,A.year</a:t>
+            </a:r>
+            <a:r>
+              <a:rPr lang="en-US" sz="1400" b="1" dirty="0">
+                <a:solidFill>
+                  <a:srgbClr val="FF0000"/>
+                </a:solidFill>
+              </a:rPr>
+              <a:t>, count(</a:t>
+            </a:r>
+            <a:r>
+              <a:rPr lang="en-US" sz="1400" b="1" dirty="0" err="1">
+                <a:solidFill>
+                  <a:srgbClr val="FF0000"/>
+                </a:solidFill>
+              </a:rPr>
+              <a:t>A.id</a:t>
+            </a:r>
+            <a:r>
+              <a:rPr lang="en-US" sz="1400" b="1" dirty="0">
+                <a:solidFill>
+                  <a:srgbClr val="FF0000"/>
+                </a:solidFill>
+              </a:rPr>
+              <a:t>) from movies A, </a:t>
+            </a:r>
+            <a:r>
+              <a:rPr lang="en-US" sz="1400" b="1" dirty="0" err="1">
+                <a:solidFill>
+                  <a:srgbClr val="FF0000"/>
+                </a:solidFill>
+              </a:rPr>
+              <a:t>movies_directors</a:t>
+            </a:r>
+            <a:r>
+              <a:rPr lang="en-US" sz="1400" b="1" dirty="0">
+                <a:solidFill>
+                  <a:srgbClr val="FF0000"/>
+                </a:solidFill>
+              </a:rPr>
+              <a:t> B, directors C where </a:t>
+            </a:r>
+            <a:r>
+              <a:rPr lang="en-US" sz="1400" b="1" dirty="0" err="1">
+                <a:solidFill>
+                  <a:srgbClr val="FF0000"/>
+                </a:solidFill>
+              </a:rPr>
+              <a:t>A.id</a:t>
+            </a:r>
+            <a:r>
+              <a:rPr lang="en-US" sz="1400" b="1" dirty="0">
+                <a:solidFill>
+                  <a:srgbClr val="FF0000"/>
+                </a:solidFill>
+              </a:rPr>
+              <a:t> = </a:t>
+            </a:r>
+            <a:r>
+              <a:rPr lang="en-US" sz="1400" b="1" dirty="0" err="1">
+                <a:solidFill>
+                  <a:srgbClr val="FF0000"/>
+                </a:solidFill>
+              </a:rPr>
+              <a:t>B.movie_id</a:t>
+            </a:r>
+            <a:r>
+              <a:rPr lang="en-US" sz="1400" b="1" dirty="0">
+                <a:solidFill>
+                  <a:srgbClr val="FF0000"/>
+                </a:solidFill>
+              </a:rPr>
+              <a:t> and </a:t>
+            </a:r>
+            <a:r>
+              <a:rPr lang="en-US" sz="1400" b="1" dirty="0" err="1">
+                <a:solidFill>
+                  <a:srgbClr val="FF0000"/>
+                </a:solidFill>
+              </a:rPr>
+              <a:t>B.director_id</a:t>
+            </a:r>
+            <a:r>
+              <a:rPr lang="en-US" sz="1400" b="1" dirty="0">
+                <a:solidFill>
+                  <a:srgbClr val="FF0000"/>
+                </a:solidFill>
+              </a:rPr>
+              <a:t> = </a:t>
+            </a:r>
+            <a:r>
+              <a:rPr lang="en-US" sz="1400" b="1" dirty="0" err="1">
+                <a:solidFill>
+                  <a:srgbClr val="FF0000"/>
+                </a:solidFill>
+              </a:rPr>
+              <a:t>C.id</a:t>
+            </a:r>
+            <a:r>
+              <a:rPr lang="en-US" sz="1400" b="1" dirty="0">
+                <a:solidFill>
+                  <a:srgbClr val="FF0000"/>
+                </a:solidFill>
+              </a:rPr>
+              <a:t>  and </a:t>
+            </a:r>
+            <a:r>
+              <a:rPr lang="en-US" sz="1400" b="1" dirty="0" err="1">
+                <a:solidFill>
+                  <a:srgbClr val="FF0000"/>
+                </a:solidFill>
+              </a:rPr>
+              <a:t>A.year</a:t>
+            </a:r>
+            <a:r>
+              <a:rPr lang="en-US" sz="1400" b="1" dirty="0">
+                <a:solidFill>
+                  <a:srgbClr val="FF0000"/>
+                </a:solidFill>
+              </a:rPr>
+              <a:t> &gt; 1930 group by </a:t>
+            </a:r>
+            <a:r>
+              <a:rPr lang="en-US" sz="1400" b="1" dirty="0" err="1">
+                <a:solidFill>
+                  <a:srgbClr val="FF0000"/>
+                </a:solidFill>
+              </a:rPr>
+              <a:t>C.first_name</a:t>
+            </a:r>
+            <a:r>
+              <a:rPr lang="en-US" sz="1400" b="1" dirty="0">
+                <a:solidFill>
+                  <a:srgbClr val="FF0000"/>
+                </a:solidFill>
+              </a:rPr>
+              <a:t>, </a:t>
+            </a:r>
+            <a:r>
+              <a:rPr lang="en-US" sz="1400" b="1" dirty="0" err="1">
+                <a:solidFill>
+                  <a:srgbClr val="FF0000"/>
+                </a:solidFill>
+              </a:rPr>
+              <a:t>A.year</a:t>
+            </a:r>
+            <a:r>
+              <a:rPr lang="en-US" sz="1400" b="1" dirty="0">
+                <a:solidFill>
+                  <a:srgbClr val="FF0000"/>
+                </a:solidFill>
+              </a:rPr>
+              <a:t> having count(</a:t>
+            </a:r>
+            <a:r>
+              <a:rPr lang="en-US" sz="1400" b="1" dirty="0" err="1">
+                <a:solidFill>
+                  <a:srgbClr val="FF0000"/>
+                </a:solidFill>
+              </a:rPr>
+              <a:t>B.movie_id</a:t>
+            </a:r>
+            <a:r>
+              <a:rPr lang="en-US" sz="1400" b="1" dirty="0">
+                <a:solidFill>
+                  <a:srgbClr val="FF0000"/>
+                </a:solidFill>
+              </a:rPr>
+              <a:t>) &gt; 5;</a:t>
+            </a:r>
+          </a:p>
+          <a:p>
+            <a:pPr marL="0" indent="0">
+              <a:buNone/>
+            </a:pPr>
+            <a:r>
+              <a:rPr lang="en-US" b="1" i="1" dirty="0"/>
+              <a:t>Before Indexing:</a:t>
+            </a:r>
+          </a:p>
+          <a:p>
+            <a:pPr marL="0" indent="0">
+              <a:buNone/>
+            </a:pPr>
             <a:endParaRPr lang="en-US" dirty="0"/>
           </a:p>
           <a:p>
+            <a:pPr marL="0" indent="0">
+              <a:buNone/>
+            </a:pPr>
+            <a:endParaRPr lang="en-US" i="1" dirty="0"/>
+          </a:p>
+          <a:p>
+            <a:pPr marL="0" indent="0">
+              <a:buNone/>
+            </a:pPr>
+            <a:r>
+              <a:rPr lang="en-US" b="1" i="1" dirty="0"/>
+              <a:t>Creating Indexes:</a:t>
+            </a:r>
+          </a:p>
+          <a:p>
+            <a:pPr marL="0" indent="0">
+              <a:buNone/>
+            </a:pPr>
+            <a:r>
+              <a:rPr lang="en-US" sz="1200" dirty="0"/>
+              <a:t>CREATE INDEX test ON movies(id, year);</a:t>
+            </a:r>
+          </a:p>
+          <a:p>
+            <a:pPr marL="0" indent="0">
+              <a:buNone/>
+            </a:pPr>
+            <a:r>
+              <a:rPr lang="en-US" sz="1300" dirty="0"/>
+              <a:t>CREATE INDEX test1 ON  directors(</a:t>
+            </a:r>
+            <a:r>
+              <a:rPr lang="en-US" sz="1300" dirty="0" err="1"/>
+              <a:t>id,first_name</a:t>
+            </a:r>
+            <a:r>
+              <a:rPr lang="en-US" sz="1300" dirty="0"/>
+              <a:t>);</a:t>
+            </a:r>
+            <a:endParaRPr lang="en-US" sz="1300" i="1" dirty="0"/>
+          </a:p>
+          <a:p>
+            <a:pPr marL="0" indent="0">
+              <a:buNone/>
+            </a:pPr>
+            <a:r>
+              <a:rPr lang="en-US" b="1" i="1" dirty="0"/>
+              <a:t>After Indexing:</a:t>
+            </a:r>
+          </a:p>
+          <a:p>
             <a:endParaRPr lang="en-US" b="1" dirty="0"/>
           </a:p>
         </p:txBody>
       </p:sp>
+      <p:pic>
+        <p:nvPicPr>
+          <p:cNvPr id="9" name="Picture 8" descr="Text&#10;&#10;Description automatically generated with medium confidence">
+            <a:extLst>
+              <a:ext uri="{FF2B5EF4-FFF2-40B4-BE49-F238E27FC236}">
+                <a16:creationId xmlns:a16="http://schemas.microsoft.com/office/drawing/2014/main" id="{1A354013-D427-CD8A-71E8-CA36ABF0EB3F}"/>
+              </a:ext>
+            </a:extLst>
+          </p:cNvPr>
+          <p:cNvPicPr>
+            <a:picLocks noChangeAspect="1"/>
+          </p:cNvPicPr>
+          <p:nvPr/>
+        </p:nvPicPr>
+        <p:blipFill>
+          <a:blip r:embed="rId2"/>
+          <a:stretch>
+            <a:fillRect/>
+          </a:stretch>
+        </p:blipFill>
+        <p:spPr>
+          <a:xfrm>
+            <a:off x="527538" y="3429000"/>
+            <a:ext cx="2032000" cy="431800"/>
+          </a:xfrm>
+          <a:prstGeom prst="rect">
+            <a:avLst/>
+          </a:prstGeom>
+        </p:spPr>
+      </p:pic>
+      <p:pic>
+        <p:nvPicPr>
+          <p:cNvPr id="13" name="Picture 12" descr="Text&#10;&#10;Description automatically generated">
+            <a:extLst>
+              <a:ext uri="{FF2B5EF4-FFF2-40B4-BE49-F238E27FC236}">
+                <a16:creationId xmlns:a16="http://schemas.microsoft.com/office/drawing/2014/main" id="{2D739C7C-DCB2-52D8-1FEC-9EB15F2D2785}"/>
+              </a:ext>
+            </a:extLst>
+          </p:cNvPr>
+          <p:cNvPicPr>
+            <a:picLocks noChangeAspect="1"/>
+          </p:cNvPicPr>
+          <p:nvPr/>
+        </p:nvPicPr>
+        <p:blipFill>
+          <a:blip r:embed="rId3"/>
+          <a:stretch>
+            <a:fillRect/>
+          </a:stretch>
+        </p:blipFill>
+        <p:spPr>
+          <a:xfrm>
+            <a:off x="658538" y="5729913"/>
+            <a:ext cx="2032000" cy="444500"/>
+          </a:xfrm>
+          <a:prstGeom prst="rect">
+            <a:avLst/>
+          </a:prstGeom>
+        </p:spPr>
+      </p:pic>
+      <p:sp>
+        <p:nvSpPr>
+          <p:cNvPr id="14" name="Content Placeholder 2">
+            <a:extLst>
+              <a:ext uri="{FF2B5EF4-FFF2-40B4-BE49-F238E27FC236}">
+                <a16:creationId xmlns:a16="http://schemas.microsoft.com/office/drawing/2014/main" id="{B54E832A-1FE3-D01C-42E0-E4CD54E825B7}"/>
+              </a:ext>
+            </a:extLst>
+          </p:cNvPr>
+          <p:cNvSpPr txBox="1">
+            <a:spLocks/>
+          </p:cNvSpPr>
+          <p:nvPr/>
+        </p:nvSpPr>
+        <p:spPr>
+          <a:xfrm>
+            <a:off x="4440480" y="1488831"/>
+            <a:ext cx="3901587" cy="5169144"/>
+          </a:xfrm>
+          <a:prstGeom prst="rect">
+            <a:avLst/>
+          </a:prstGeom>
+        </p:spPr>
+        <p:txBody>
+          <a:bodyPr vert="horz" lIns="91440" tIns="45720" rIns="91440" bIns="45720" rtlCol="0">
+            <a:normAutofit/>
+          </a:bodyPr>
+          <a:lstStyle>
+            <a:lvl1pPr marL="342900" indent="-342900" algn="l" defTabSz="457200" rtl="0" eaLnBrk="1" latinLnBrk="0" hangingPunct="1">
+              <a:spcBef>
+                <a:spcPts val="1000"/>
+              </a:spcBef>
+              <a:spcAft>
+                <a:spcPts val="0"/>
+              </a:spcAft>
+              <a:buClr>
+                <a:schemeClr val="accent1"/>
+              </a:buClr>
+              <a:buFont typeface="Wingdings 3" charset="2"/>
+              <a:buChar char=""/>
+              <a:defRPr sz="1800" kern="1200">
+                <a:solidFill>
+                  <a:schemeClr val="tx1">
+                    <a:lumMod val="75000"/>
+                    <a:lumOff val="25000"/>
+                  </a:schemeClr>
+                </a:solidFill>
+                <a:latin typeface="+mn-lt"/>
+                <a:ea typeface="+mn-ea"/>
+                <a:cs typeface="+mn-cs"/>
+              </a:defRPr>
+            </a:lvl1pPr>
+            <a:lvl2pPr marL="742950" indent="-285750" algn="l" defTabSz="457200" rtl="0" eaLnBrk="1" latinLnBrk="0" hangingPunct="1">
+              <a:spcBef>
+                <a:spcPts val="1000"/>
+              </a:spcBef>
+              <a:spcAft>
+                <a:spcPts val="0"/>
+              </a:spcAft>
+              <a:buClr>
+                <a:schemeClr val="accent1"/>
+              </a:buClr>
+              <a:buFont typeface="Wingdings 3" charset="2"/>
+              <a:buChar char=""/>
+              <a:defRPr sz="1600" kern="1200">
+                <a:solidFill>
+                  <a:schemeClr val="tx1">
+                    <a:lumMod val="75000"/>
+                    <a:lumOff val="25000"/>
+                  </a:schemeClr>
+                </a:solidFill>
+                <a:latin typeface="+mn-lt"/>
+                <a:ea typeface="+mn-ea"/>
+                <a:cs typeface="+mn-cs"/>
+              </a:defRPr>
+            </a:lvl2pPr>
+            <a:lvl3pPr marL="1143000" indent="-228600" algn="l" defTabSz="457200" rtl="0" eaLnBrk="1" latinLnBrk="0" hangingPunct="1">
+              <a:spcBef>
+                <a:spcPts val="1000"/>
+              </a:spcBef>
+              <a:spcAft>
+                <a:spcPts val="0"/>
+              </a:spcAft>
+              <a:buClr>
+                <a:schemeClr val="accent1"/>
+              </a:buClr>
+              <a:buFont typeface="Wingdings 3" charset="2"/>
+              <a:buChar char=""/>
+              <a:defRPr sz="1400" kern="1200">
+                <a:solidFill>
+                  <a:schemeClr val="tx1">
+                    <a:lumMod val="75000"/>
+                    <a:lumOff val="25000"/>
+                  </a:schemeClr>
+                </a:solidFill>
+                <a:latin typeface="+mn-lt"/>
+                <a:ea typeface="+mn-ea"/>
+                <a:cs typeface="+mn-cs"/>
+              </a:defRPr>
+            </a:lvl3pPr>
+            <a:lvl4pPr marL="1600200" indent="-228600" algn="l" defTabSz="457200" rtl="0" eaLnBrk="1" latinLnBrk="0" hangingPunct="1">
+              <a:spcBef>
+                <a:spcPts val="1000"/>
+              </a:spcBef>
+              <a:spcAft>
+                <a:spcPts val="0"/>
+              </a:spcAft>
+              <a:buClr>
+                <a:schemeClr val="accent1"/>
+              </a:buClr>
+              <a:buFont typeface="Wingdings 3" charset="2"/>
+              <a:buChar char=""/>
+              <a:defRPr sz="1200" kern="1200">
+                <a:solidFill>
+                  <a:schemeClr val="tx1">
+                    <a:lumMod val="75000"/>
+                    <a:lumOff val="25000"/>
+                  </a:schemeClr>
+                </a:solidFill>
+                <a:latin typeface="+mn-lt"/>
+                <a:ea typeface="+mn-ea"/>
+                <a:cs typeface="+mn-cs"/>
+              </a:defRPr>
+            </a:lvl4pPr>
+            <a:lvl5pPr marL="2057400" indent="-228600" algn="l" defTabSz="457200" rtl="0" eaLnBrk="1" latinLnBrk="0" hangingPunct="1">
+              <a:spcBef>
+                <a:spcPts val="1000"/>
+              </a:spcBef>
+              <a:spcAft>
+                <a:spcPts val="0"/>
+              </a:spcAft>
+              <a:buClr>
+                <a:schemeClr val="accent1"/>
+              </a:buClr>
+              <a:buFont typeface="Wingdings 3" charset="2"/>
+              <a:buChar char=""/>
+              <a:defRPr sz="1200" kern="1200">
+                <a:solidFill>
+                  <a:schemeClr val="tx1">
+                    <a:lumMod val="75000"/>
+                    <a:lumOff val="25000"/>
+                  </a:schemeClr>
+                </a:solidFill>
+                <a:latin typeface="+mn-lt"/>
+                <a:ea typeface="+mn-ea"/>
+                <a:cs typeface="+mn-cs"/>
+              </a:defRPr>
+            </a:lvl5pPr>
+            <a:lvl6pPr marL="2514600" indent="-228600" algn="l" defTabSz="457200" rtl="0" eaLnBrk="1" latinLnBrk="0" hangingPunct="1">
+              <a:spcBef>
+                <a:spcPts val="1000"/>
+              </a:spcBef>
+              <a:spcAft>
+                <a:spcPts val="0"/>
+              </a:spcAft>
+              <a:buClr>
+                <a:schemeClr val="accent1"/>
+              </a:buClr>
+              <a:buFont typeface="Wingdings 3" charset="2"/>
+              <a:buChar char=""/>
+              <a:defRPr sz="1200" kern="1200">
+                <a:solidFill>
+                  <a:schemeClr val="tx1">
+                    <a:lumMod val="75000"/>
+                    <a:lumOff val="25000"/>
+                  </a:schemeClr>
+                </a:solidFill>
+                <a:latin typeface="+mn-lt"/>
+                <a:ea typeface="+mn-ea"/>
+                <a:cs typeface="+mn-cs"/>
+              </a:defRPr>
+            </a:lvl6pPr>
+            <a:lvl7pPr marL="2971800" indent="-228600" algn="l" defTabSz="457200" rtl="0" eaLnBrk="1" latinLnBrk="0" hangingPunct="1">
+              <a:spcBef>
+                <a:spcPts val="1000"/>
+              </a:spcBef>
+              <a:spcAft>
+                <a:spcPts val="0"/>
+              </a:spcAft>
+              <a:buClr>
+                <a:schemeClr val="accent1"/>
+              </a:buClr>
+              <a:buFont typeface="Wingdings 3" charset="2"/>
+              <a:buChar char=""/>
+              <a:defRPr sz="1200" kern="1200">
+                <a:solidFill>
+                  <a:schemeClr val="tx1">
+                    <a:lumMod val="75000"/>
+                    <a:lumOff val="25000"/>
+                  </a:schemeClr>
+                </a:solidFill>
+                <a:latin typeface="+mn-lt"/>
+                <a:ea typeface="+mn-ea"/>
+                <a:cs typeface="+mn-cs"/>
+              </a:defRPr>
+            </a:lvl7pPr>
+            <a:lvl8pPr marL="3429000" indent="-228600" algn="l" defTabSz="457200" rtl="0" eaLnBrk="1" latinLnBrk="0" hangingPunct="1">
+              <a:spcBef>
+                <a:spcPts val="1000"/>
+              </a:spcBef>
+              <a:spcAft>
+                <a:spcPts val="0"/>
+              </a:spcAft>
+              <a:buClr>
+                <a:schemeClr val="accent1"/>
+              </a:buClr>
+              <a:buFont typeface="Wingdings 3" charset="2"/>
+              <a:buChar char=""/>
+              <a:defRPr sz="1200" kern="1200">
+                <a:solidFill>
+                  <a:schemeClr val="tx1">
+                    <a:lumMod val="75000"/>
+                    <a:lumOff val="25000"/>
+                  </a:schemeClr>
+                </a:solidFill>
+                <a:latin typeface="+mn-lt"/>
+                <a:ea typeface="+mn-ea"/>
+                <a:cs typeface="+mn-cs"/>
+              </a:defRPr>
+            </a:lvl8pPr>
+            <a:lvl9pPr marL="3886200" indent="-228600" algn="l" defTabSz="457200" rtl="0" eaLnBrk="1" latinLnBrk="0" hangingPunct="1">
+              <a:spcBef>
+                <a:spcPts val="1000"/>
+              </a:spcBef>
+              <a:spcAft>
+                <a:spcPts val="0"/>
+              </a:spcAft>
+              <a:buClr>
+                <a:schemeClr val="accent1"/>
+              </a:buClr>
+              <a:buFont typeface="Wingdings 3" charset="2"/>
+              <a:buChar char=""/>
+              <a:defRPr sz="1200" kern="1200">
+                <a:solidFill>
+                  <a:schemeClr val="tx1">
+                    <a:lumMod val="75000"/>
+                    <a:lumOff val="25000"/>
+                  </a:schemeClr>
+                </a:solidFill>
+                <a:latin typeface="+mn-lt"/>
+                <a:ea typeface="+mn-ea"/>
+                <a:cs typeface="+mn-cs"/>
+              </a:defRPr>
+            </a:lvl9pPr>
+          </a:lstStyle>
+          <a:p>
+            <a:pPr marL="0" indent="0">
+              <a:buNone/>
+            </a:pPr>
+            <a:r>
+              <a:rPr lang="en-US" b="1" dirty="0">
+                <a:solidFill>
+                  <a:srgbClr val="FF0000"/>
+                </a:solidFill>
+              </a:rPr>
+              <a:t>UPDATE movies SET availability = 'False', rating = 2.5 WHERE id = 13334; </a:t>
+            </a:r>
+          </a:p>
+          <a:p>
+            <a:pPr marL="0" indent="0">
+              <a:buNone/>
+            </a:pPr>
+            <a:r>
+              <a:rPr lang="en-US" b="1" i="1" dirty="0"/>
+              <a:t>Before Indexing:</a:t>
+            </a:r>
+          </a:p>
+          <a:p>
+            <a:endParaRPr lang="en-US" b="1" i="1" dirty="0"/>
+          </a:p>
+          <a:p>
+            <a:pPr marL="0" indent="0">
+              <a:buNone/>
+            </a:pPr>
+            <a:endParaRPr lang="en-US" b="1" i="1" dirty="0"/>
+          </a:p>
+          <a:p>
+            <a:endParaRPr lang="en-US" i="1" dirty="0"/>
+          </a:p>
+          <a:p>
+            <a:pPr marL="0" indent="0">
+              <a:buNone/>
+            </a:pPr>
+            <a:r>
+              <a:rPr lang="en-US" b="1" i="1" dirty="0"/>
+              <a:t>Creating Indexes:</a:t>
+            </a:r>
+          </a:p>
+          <a:p>
+            <a:pPr marL="0" indent="0">
+              <a:buNone/>
+            </a:pPr>
+            <a:r>
+              <a:rPr lang="en-US" sz="1200" dirty="0"/>
+              <a:t>CREATE INDEX test2 ON movies(id, availability);</a:t>
+            </a:r>
+          </a:p>
+          <a:p>
+            <a:pPr marL="0" indent="0">
+              <a:buNone/>
+            </a:pPr>
+            <a:r>
+              <a:rPr lang="en-US" sz="1200" dirty="0"/>
+              <a:t>CREATE INDEX test3 ON movies(id, rating);</a:t>
+            </a:r>
+            <a:endParaRPr lang="en-US" b="1" i="1" dirty="0"/>
+          </a:p>
+          <a:p>
+            <a:pPr marL="0" indent="0">
+              <a:buNone/>
+            </a:pPr>
+            <a:r>
+              <a:rPr lang="en-US" b="1" i="1" dirty="0"/>
+              <a:t>After Indexing:</a:t>
+            </a:r>
+          </a:p>
+          <a:p>
+            <a:endParaRPr lang="en-US" b="1" dirty="0"/>
+          </a:p>
+        </p:txBody>
+      </p:sp>
+      <p:pic>
+        <p:nvPicPr>
+          <p:cNvPr id="17" name="Picture 16" descr="Graphical user interface, text&#10;&#10;Description automatically generated">
+            <a:extLst>
+              <a:ext uri="{FF2B5EF4-FFF2-40B4-BE49-F238E27FC236}">
+                <a16:creationId xmlns:a16="http://schemas.microsoft.com/office/drawing/2014/main" id="{A1E1ACAD-A5BE-466C-DA1A-C6BB3FB0AA0B}"/>
+              </a:ext>
+            </a:extLst>
+          </p:cNvPr>
+          <p:cNvPicPr>
+            <a:picLocks noChangeAspect="1"/>
+          </p:cNvPicPr>
+          <p:nvPr/>
+        </p:nvPicPr>
+        <p:blipFill>
+          <a:blip r:embed="rId4"/>
+          <a:stretch>
+            <a:fillRect/>
+          </a:stretch>
+        </p:blipFill>
+        <p:spPr>
+          <a:xfrm>
+            <a:off x="4560125" y="5611691"/>
+            <a:ext cx="3048000" cy="698500"/>
+          </a:xfrm>
+          <a:prstGeom prst="rect">
+            <a:avLst/>
+          </a:prstGeom>
+        </p:spPr>
+      </p:pic>
+      <p:pic>
+        <p:nvPicPr>
+          <p:cNvPr id="19" name="Picture 18" descr="Graphical user interface&#10;&#10;Description automatically generated with medium confidence">
+            <a:extLst>
+              <a:ext uri="{FF2B5EF4-FFF2-40B4-BE49-F238E27FC236}">
+                <a16:creationId xmlns:a16="http://schemas.microsoft.com/office/drawing/2014/main" id="{741AA883-DA42-92B5-AE52-E1D685C63A06}"/>
+              </a:ext>
+            </a:extLst>
+          </p:cNvPr>
+          <p:cNvPicPr>
+            <a:picLocks noChangeAspect="1"/>
+          </p:cNvPicPr>
+          <p:nvPr/>
+        </p:nvPicPr>
+        <p:blipFill>
+          <a:blip r:embed="rId5"/>
+          <a:stretch>
+            <a:fillRect/>
+          </a:stretch>
+        </p:blipFill>
+        <p:spPr>
+          <a:xfrm>
+            <a:off x="4560125" y="2948691"/>
+            <a:ext cx="2999232" cy="749808"/>
+          </a:xfrm>
+          <a:prstGeom prst="rect">
+            <a:avLst/>
+          </a:prstGeom>
+        </p:spPr>
+      </p:pic>
+      <p:sp>
+        <p:nvSpPr>
+          <p:cNvPr id="20" name="Content Placeholder 2">
+            <a:extLst>
+              <a:ext uri="{FF2B5EF4-FFF2-40B4-BE49-F238E27FC236}">
+                <a16:creationId xmlns:a16="http://schemas.microsoft.com/office/drawing/2014/main" id="{2F599E55-5FA0-F2BB-45DE-DE7BCF8BC838}"/>
+              </a:ext>
+            </a:extLst>
+          </p:cNvPr>
+          <p:cNvSpPr txBox="1">
+            <a:spLocks/>
+          </p:cNvSpPr>
+          <p:nvPr/>
+        </p:nvSpPr>
+        <p:spPr>
+          <a:xfrm>
+            <a:off x="8211067" y="1488831"/>
+            <a:ext cx="4032587" cy="5169144"/>
+          </a:xfrm>
+          <a:prstGeom prst="rect">
+            <a:avLst/>
+          </a:prstGeom>
+        </p:spPr>
+        <p:txBody>
+          <a:bodyPr vert="horz" lIns="91440" tIns="45720" rIns="91440" bIns="45720" rtlCol="0">
+            <a:normAutofit/>
+          </a:bodyPr>
+          <a:lstStyle>
+            <a:lvl1pPr marL="342900" indent="-342900" algn="l" defTabSz="457200" rtl="0" eaLnBrk="1" latinLnBrk="0" hangingPunct="1">
+              <a:spcBef>
+                <a:spcPts val="1000"/>
+              </a:spcBef>
+              <a:spcAft>
+                <a:spcPts val="0"/>
+              </a:spcAft>
+              <a:buClr>
+                <a:schemeClr val="accent1"/>
+              </a:buClr>
+              <a:buFont typeface="Wingdings 3" charset="2"/>
+              <a:buChar char=""/>
+              <a:defRPr sz="1800" kern="1200">
+                <a:solidFill>
+                  <a:schemeClr val="tx1">
+                    <a:lumMod val="75000"/>
+                    <a:lumOff val="25000"/>
+                  </a:schemeClr>
+                </a:solidFill>
+                <a:latin typeface="+mn-lt"/>
+                <a:ea typeface="+mn-ea"/>
+                <a:cs typeface="+mn-cs"/>
+              </a:defRPr>
+            </a:lvl1pPr>
+            <a:lvl2pPr marL="742950" indent="-285750" algn="l" defTabSz="457200" rtl="0" eaLnBrk="1" latinLnBrk="0" hangingPunct="1">
+              <a:spcBef>
+                <a:spcPts val="1000"/>
+              </a:spcBef>
+              <a:spcAft>
+                <a:spcPts val="0"/>
+              </a:spcAft>
+              <a:buClr>
+                <a:schemeClr val="accent1"/>
+              </a:buClr>
+              <a:buFont typeface="Wingdings 3" charset="2"/>
+              <a:buChar char=""/>
+              <a:defRPr sz="1600" kern="1200">
+                <a:solidFill>
+                  <a:schemeClr val="tx1">
+                    <a:lumMod val="75000"/>
+                    <a:lumOff val="25000"/>
+                  </a:schemeClr>
+                </a:solidFill>
+                <a:latin typeface="+mn-lt"/>
+                <a:ea typeface="+mn-ea"/>
+                <a:cs typeface="+mn-cs"/>
+              </a:defRPr>
+            </a:lvl2pPr>
+            <a:lvl3pPr marL="1143000" indent="-228600" algn="l" defTabSz="457200" rtl="0" eaLnBrk="1" latinLnBrk="0" hangingPunct="1">
+              <a:spcBef>
+                <a:spcPts val="1000"/>
+              </a:spcBef>
+              <a:spcAft>
+                <a:spcPts val="0"/>
+              </a:spcAft>
+              <a:buClr>
+                <a:schemeClr val="accent1"/>
+              </a:buClr>
+              <a:buFont typeface="Wingdings 3" charset="2"/>
+              <a:buChar char=""/>
+              <a:defRPr sz="1400" kern="1200">
+                <a:solidFill>
+                  <a:schemeClr val="tx1">
+                    <a:lumMod val="75000"/>
+                    <a:lumOff val="25000"/>
+                  </a:schemeClr>
+                </a:solidFill>
+                <a:latin typeface="+mn-lt"/>
+                <a:ea typeface="+mn-ea"/>
+                <a:cs typeface="+mn-cs"/>
+              </a:defRPr>
+            </a:lvl3pPr>
+            <a:lvl4pPr marL="1600200" indent="-228600" algn="l" defTabSz="457200" rtl="0" eaLnBrk="1" latinLnBrk="0" hangingPunct="1">
+              <a:spcBef>
+                <a:spcPts val="1000"/>
+              </a:spcBef>
+              <a:spcAft>
+                <a:spcPts val="0"/>
+              </a:spcAft>
+              <a:buClr>
+                <a:schemeClr val="accent1"/>
+              </a:buClr>
+              <a:buFont typeface="Wingdings 3" charset="2"/>
+              <a:buChar char=""/>
+              <a:defRPr sz="1200" kern="1200">
+                <a:solidFill>
+                  <a:schemeClr val="tx1">
+                    <a:lumMod val="75000"/>
+                    <a:lumOff val="25000"/>
+                  </a:schemeClr>
+                </a:solidFill>
+                <a:latin typeface="+mn-lt"/>
+                <a:ea typeface="+mn-ea"/>
+                <a:cs typeface="+mn-cs"/>
+              </a:defRPr>
+            </a:lvl4pPr>
+            <a:lvl5pPr marL="2057400" indent="-228600" algn="l" defTabSz="457200" rtl="0" eaLnBrk="1" latinLnBrk="0" hangingPunct="1">
+              <a:spcBef>
+                <a:spcPts val="1000"/>
+              </a:spcBef>
+              <a:spcAft>
+                <a:spcPts val="0"/>
+              </a:spcAft>
+              <a:buClr>
+                <a:schemeClr val="accent1"/>
+              </a:buClr>
+              <a:buFont typeface="Wingdings 3" charset="2"/>
+              <a:buChar char=""/>
+              <a:defRPr sz="1200" kern="1200">
+                <a:solidFill>
+                  <a:schemeClr val="tx1">
+                    <a:lumMod val="75000"/>
+                    <a:lumOff val="25000"/>
+                  </a:schemeClr>
+                </a:solidFill>
+                <a:latin typeface="+mn-lt"/>
+                <a:ea typeface="+mn-ea"/>
+                <a:cs typeface="+mn-cs"/>
+              </a:defRPr>
+            </a:lvl5pPr>
+            <a:lvl6pPr marL="2514600" indent="-228600" algn="l" defTabSz="457200" rtl="0" eaLnBrk="1" latinLnBrk="0" hangingPunct="1">
+              <a:spcBef>
+                <a:spcPts val="1000"/>
+              </a:spcBef>
+              <a:spcAft>
+                <a:spcPts val="0"/>
+              </a:spcAft>
+              <a:buClr>
+                <a:schemeClr val="accent1"/>
+              </a:buClr>
+              <a:buFont typeface="Wingdings 3" charset="2"/>
+              <a:buChar char=""/>
+              <a:defRPr sz="1200" kern="1200">
+                <a:solidFill>
+                  <a:schemeClr val="tx1">
+                    <a:lumMod val="75000"/>
+                    <a:lumOff val="25000"/>
+                  </a:schemeClr>
+                </a:solidFill>
+                <a:latin typeface="+mn-lt"/>
+                <a:ea typeface="+mn-ea"/>
+                <a:cs typeface="+mn-cs"/>
+              </a:defRPr>
+            </a:lvl6pPr>
+            <a:lvl7pPr marL="2971800" indent="-228600" algn="l" defTabSz="457200" rtl="0" eaLnBrk="1" latinLnBrk="0" hangingPunct="1">
+              <a:spcBef>
+                <a:spcPts val="1000"/>
+              </a:spcBef>
+              <a:spcAft>
+                <a:spcPts val="0"/>
+              </a:spcAft>
+              <a:buClr>
+                <a:schemeClr val="accent1"/>
+              </a:buClr>
+              <a:buFont typeface="Wingdings 3" charset="2"/>
+              <a:buChar char=""/>
+              <a:defRPr sz="1200" kern="1200">
+                <a:solidFill>
+                  <a:schemeClr val="tx1">
+                    <a:lumMod val="75000"/>
+                    <a:lumOff val="25000"/>
+                  </a:schemeClr>
+                </a:solidFill>
+                <a:latin typeface="+mn-lt"/>
+                <a:ea typeface="+mn-ea"/>
+                <a:cs typeface="+mn-cs"/>
+              </a:defRPr>
+            </a:lvl7pPr>
+            <a:lvl8pPr marL="3429000" indent="-228600" algn="l" defTabSz="457200" rtl="0" eaLnBrk="1" latinLnBrk="0" hangingPunct="1">
+              <a:spcBef>
+                <a:spcPts val="1000"/>
+              </a:spcBef>
+              <a:spcAft>
+                <a:spcPts val="0"/>
+              </a:spcAft>
+              <a:buClr>
+                <a:schemeClr val="accent1"/>
+              </a:buClr>
+              <a:buFont typeface="Wingdings 3" charset="2"/>
+              <a:buChar char=""/>
+              <a:defRPr sz="1200" kern="1200">
+                <a:solidFill>
+                  <a:schemeClr val="tx1">
+                    <a:lumMod val="75000"/>
+                    <a:lumOff val="25000"/>
+                  </a:schemeClr>
+                </a:solidFill>
+                <a:latin typeface="+mn-lt"/>
+                <a:ea typeface="+mn-ea"/>
+                <a:cs typeface="+mn-cs"/>
+              </a:defRPr>
+            </a:lvl8pPr>
+            <a:lvl9pPr marL="3886200" indent="-228600" algn="l" defTabSz="457200" rtl="0" eaLnBrk="1" latinLnBrk="0" hangingPunct="1">
+              <a:spcBef>
+                <a:spcPts val="1000"/>
+              </a:spcBef>
+              <a:spcAft>
+                <a:spcPts val="0"/>
+              </a:spcAft>
+              <a:buClr>
+                <a:schemeClr val="accent1"/>
+              </a:buClr>
+              <a:buFont typeface="Wingdings 3" charset="2"/>
+              <a:buChar char=""/>
+              <a:defRPr sz="1200" kern="1200">
+                <a:solidFill>
+                  <a:schemeClr val="tx1">
+                    <a:lumMod val="75000"/>
+                    <a:lumOff val="25000"/>
+                  </a:schemeClr>
+                </a:solidFill>
+                <a:latin typeface="+mn-lt"/>
+                <a:ea typeface="+mn-ea"/>
+                <a:cs typeface="+mn-cs"/>
+              </a:defRPr>
+            </a:lvl9pPr>
+          </a:lstStyle>
+          <a:p>
+            <a:pPr marL="0" indent="0">
+              <a:buNone/>
+            </a:pPr>
+            <a:r>
+              <a:rPr lang="en-US" sz="1200" b="1" dirty="0">
+                <a:solidFill>
+                  <a:srgbClr val="FF0000"/>
+                </a:solidFill>
+              </a:rPr>
+              <a:t>select </a:t>
+            </a:r>
+            <a:r>
+              <a:rPr lang="en-US" sz="1200" b="1" dirty="0" err="1">
+                <a:solidFill>
+                  <a:srgbClr val="FF0000"/>
+                </a:solidFill>
+              </a:rPr>
+              <a:t>B.movie_id</a:t>
+            </a:r>
+            <a:r>
+              <a:rPr lang="en-US" sz="1200" b="1" dirty="0">
+                <a:solidFill>
+                  <a:srgbClr val="FF0000"/>
+                </a:solidFill>
+              </a:rPr>
+              <a:t>, </a:t>
+            </a:r>
+            <a:r>
+              <a:rPr lang="en-US" sz="1200" b="1" dirty="0" err="1">
+                <a:solidFill>
+                  <a:srgbClr val="FF0000"/>
+                </a:solidFill>
+              </a:rPr>
+              <a:t>c.name</a:t>
+            </a:r>
+            <a:r>
+              <a:rPr lang="en-US" sz="1200" b="1" dirty="0">
+                <a:solidFill>
+                  <a:srgbClr val="FF0000"/>
+                </a:solidFill>
+              </a:rPr>
+              <a:t>, </a:t>
+            </a:r>
+            <a:r>
+              <a:rPr lang="en-US" sz="1200" b="1" dirty="0" err="1">
+                <a:solidFill>
+                  <a:srgbClr val="FF0000"/>
+                </a:solidFill>
+              </a:rPr>
+              <a:t>c.rating</a:t>
+            </a:r>
+            <a:r>
+              <a:rPr lang="en-US" sz="1200" b="1" dirty="0">
+                <a:solidFill>
+                  <a:srgbClr val="FF0000"/>
+                </a:solidFill>
+              </a:rPr>
+              <a:t>, </a:t>
+            </a:r>
+            <a:r>
+              <a:rPr lang="en-US" sz="1200" b="1" dirty="0" err="1">
+                <a:solidFill>
+                  <a:srgbClr val="FF0000"/>
+                </a:solidFill>
+              </a:rPr>
+              <a:t>c.availability,c.year</a:t>
+            </a:r>
+            <a:r>
+              <a:rPr lang="en-US" sz="1200" b="1" dirty="0">
+                <a:solidFill>
+                  <a:srgbClr val="FF0000"/>
+                </a:solidFill>
+              </a:rPr>
+              <a:t>, </a:t>
+            </a:r>
+            <a:r>
+              <a:rPr lang="en-US" sz="1200" b="1" dirty="0" err="1">
+                <a:solidFill>
+                  <a:srgbClr val="FF0000"/>
+                </a:solidFill>
+              </a:rPr>
+              <a:t>A.last_name</a:t>
+            </a:r>
+            <a:r>
+              <a:rPr lang="en-US" sz="1200" b="1" dirty="0">
+                <a:solidFill>
+                  <a:srgbClr val="FF0000"/>
+                </a:solidFill>
+              </a:rPr>
+              <a:t>, </a:t>
+            </a:r>
+            <a:r>
+              <a:rPr lang="en-US" sz="1200" b="1" dirty="0" err="1">
+                <a:solidFill>
+                  <a:srgbClr val="FF0000"/>
+                </a:solidFill>
+              </a:rPr>
+              <a:t>A.gender</a:t>
+            </a:r>
+            <a:r>
+              <a:rPr lang="en-US" sz="1200" b="1" dirty="0">
+                <a:solidFill>
+                  <a:srgbClr val="FF0000"/>
+                </a:solidFill>
+              </a:rPr>
+              <a:t> from actors A inner join roles B on </a:t>
+            </a:r>
+            <a:r>
+              <a:rPr lang="en-US" sz="1200" b="1" dirty="0" err="1">
+                <a:solidFill>
+                  <a:srgbClr val="FF0000"/>
+                </a:solidFill>
+              </a:rPr>
+              <a:t>A.id</a:t>
+            </a:r>
+            <a:r>
+              <a:rPr lang="en-US" sz="1200" b="1" dirty="0">
+                <a:solidFill>
+                  <a:srgbClr val="FF0000"/>
+                </a:solidFill>
+              </a:rPr>
+              <a:t> = </a:t>
+            </a:r>
+            <a:r>
+              <a:rPr lang="en-US" sz="1200" b="1" dirty="0" err="1">
+                <a:solidFill>
+                  <a:srgbClr val="FF0000"/>
+                </a:solidFill>
+              </a:rPr>
+              <a:t>B.actor_id</a:t>
+            </a:r>
+            <a:r>
+              <a:rPr lang="en-US" sz="1200" b="1" dirty="0">
+                <a:solidFill>
+                  <a:srgbClr val="FF0000"/>
+                </a:solidFill>
+              </a:rPr>
+              <a:t> inner join movies c on </a:t>
+            </a:r>
+            <a:r>
+              <a:rPr lang="en-US" sz="1200" b="1" dirty="0" err="1">
+                <a:solidFill>
+                  <a:srgbClr val="FF0000"/>
+                </a:solidFill>
+              </a:rPr>
+              <a:t>B.movie_id</a:t>
+            </a:r>
+            <a:r>
+              <a:rPr lang="en-US" sz="1200" b="1" dirty="0">
+                <a:solidFill>
+                  <a:srgbClr val="FF0000"/>
+                </a:solidFill>
+              </a:rPr>
+              <a:t> = </a:t>
+            </a:r>
+            <a:r>
+              <a:rPr lang="en-US" sz="1200" b="1" dirty="0" err="1">
+                <a:solidFill>
+                  <a:srgbClr val="FF0000"/>
+                </a:solidFill>
+              </a:rPr>
+              <a:t>c.id</a:t>
+            </a:r>
+            <a:r>
+              <a:rPr lang="en-US" sz="1200" b="1" dirty="0">
+                <a:solidFill>
+                  <a:srgbClr val="FF0000"/>
+                </a:solidFill>
+              </a:rPr>
+              <a:t> where </a:t>
+            </a:r>
+            <a:r>
+              <a:rPr lang="en-US" sz="1200" b="1" dirty="0" err="1">
+                <a:solidFill>
+                  <a:srgbClr val="FF0000"/>
+                </a:solidFill>
+              </a:rPr>
+              <a:t>B.movie_id</a:t>
+            </a:r>
+            <a:r>
+              <a:rPr lang="en-US" sz="1200" b="1" dirty="0">
+                <a:solidFill>
+                  <a:srgbClr val="FF0000"/>
+                </a:solidFill>
+              </a:rPr>
+              <a:t> in (select </a:t>
+            </a:r>
+            <a:r>
+              <a:rPr lang="en-US" sz="1200" b="1" dirty="0" err="1">
+                <a:solidFill>
+                  <a:srgbClr val="FF0000"/>
+                </a:solidFill>
+              </a:rPr>
+              <a:t>movie_id</a:t>
+            </a:r>
+            <a:r>
+              <a:rPr lang="en-US" sz="1200" b="1" dirty="0">
+                <a:solidFill>
+                  <a:srgbClr val="FF0000"/>
+                </a:solidFill>
+              </a:rPr>
+              <a:t> from </a:t>
+            </a:r>
+            <a:r>
+              <a:rPr lang="en-US" sz="1200" b="1" dirty="0" err="1">
+                <a:solidFill>
+                  <a:srgbClr val="FF0000"/>
+                </a:solidFill>
+              </a:rPr>
+              <a:t>movies_genres</a:t>
+            </a:r>
+            <a:r>
+              <a:rPr lang="en-US" sz="1200" b="1" dirty="0">
+                <a:solidFill>
+                  <a:srgbClr val="FF0000"/>
+                </a:solidFill>
+              </a:rPr>
+              <a:t> where genre = 'Crime’) and </a:t>
+            </a:r>
+            <a:r>
+              <a:rPr lang="en-US" sz="1200" b="1" dirty="0" err="1">
+                <a:solidFill>
+                  <a:srgbClr val="FF0000"/>
+                </a:solidFill>
+              </a:rPr>
+              <a:t>A.id</a:t>
+            </a:r>
+            <a:r>
+              <a:rPr lang="en-US" sz="1200" b="1" dirty="0">
+                <a:solidFill>
+                  <a:srgbClr val="FF0000"/>
+                </a:solidFill>
+              </a:rPr>
+              <a:t> in (select id from actors where gender = 'M’);</a:t>
+            </a:r>
+          </a:p>
+          <a:p>
+            <a:pPr marL="0" indent="0">
+              <a:buNone/>
+            </a:pPr>
+            <a:r>
+              <a:rPr lang="en-US" b="1" i="1" dirty="0"/>
+              <a:t>Before Indexing:</a:t>
+            </a:r>
+          </a:p>
+          <a:p>
+            <a:pPr marL="0" indent="0">
+              <a:buNone/>
+            </a:pPr>
+            <a:endParaRPr lang="en-US" i="1" dirty="0"/>
+          </a:p>
+          <a:p>
+            <a:pPr marL="0" indent="0">
+              <a:buNone/>
+            </a:pPr>
+            <a:r>
+              <a:rPr lang="en-US" b="1" i="1" dirty="0"/>
+              <a:t>Creating Indexes:</a:t>
+            </a:r>
+          </a:p>
+          <a:p>
+            <a:pPr marL="0" indent="0">
+              <a:buNone/>
+            </a:pPr>
+            <a:r>
+              <a:rPr lang="en-US" sz="1100" dirty="0"/>
+              <a:t>CREATE INDEX test4 ON movies(id, name);</a:t>
+            </a:r>
+          </a:p>
+          <a:p>
+            <a:pPr marL="0" indent="0">
+              <a:buNone/>
+            </a:pPr>
+            <a:r>
+              <a:rPr lang="en-US" sz="1100" dirty="0"/>
+              <a:t>CREATE INDEX test5 ON movies(id, rating);</a:t>
+            </a:r>
+          </a:p>
+          <a:p>
+            <a:pPr marL="0" indent="0">
+              <a:buNone/>
+            </a:pPr>
+            <a:r>
+              <a:rPr lang="en-US" sz="1100" dirty="0"/>
+              <a:t>CREATE INDEX test6 ON movies(id, availability);</a:t>
+            </a:r>
+          </a:p>
+          <a:p>
+            <a:pPr marL="0" indent="0">
+              <a:buNone/>
+            </a:pPr>
+            <a:r>
+              <a:rPr lang="en-US" sz="1100" dirty="0"/>
+              <a:t>CREATE INDEX test7 ON movies(id, year);</a:t>
+            </a:r>
+          </a:p>
+          <a:p>
+            <a:pPr marL="0" indent="0">
+              <a:buNone/>
+            </a:pPr>
+            <a:r>
+              <a:rPr lang="en-US" sz="1100" dirty="0"/>
+              <a:t>CREATE INDEX test8 ON actors(id, gender);</a:t>
+            </a:r>
+          </a:p>
+          <a:p>
+            <a:pPr marL="0" indent="0">
+              <a:buNone/>
+            </a:pPr>
+            <a:r>
+              <a:rPr lang="en-US" sz="1100" dirty="0"/>
+              <a:t>CREATE INDEX test9 ON actors(id, </a:t>
+            </a:r>
+            <a:r>
+              <a:rPr lang="en-US" sz="1100" dirty="0" err="1"/>
+              <a:t>last_name</a:t>
+            </a:r>
+            <a:r>
+              <a:rPr lang="en-US" sz="1100" dirty="0"/>
+              <a:t>);</a:t>
+            </a:r>
+          </a:p>
+          <a:p>
+            <a:pPr marL="0" indent="0">
+              <a:buNone/>
+            </a:pPr>
+            <a:r>
+              <a:rPr lang="en-US" b="1" i="1" dirty="0"/>
+              <a:t>After Indexing:</a:t>
+            </a:r>
+          </a:p>
+          <a:p>
+            <a:endParaRPr lang="en-US" b="1" dirty="0"/>
+          </a:p>
+        </p:txBody>
+      </p:sp>
+      <p:pic>
+        <p:nvPicPr>
+          <p:cNvPr id="22" name="Picture 21" descr="Graphical user interface, text&#10;&#10;Description automatically generated with medium confidence">
+            <a:extLst>
+              <a:ext uri="{FF2B5EF4-FFF2-40B4-BE49-F238E27FC236}">
+                <a16:creationId xmlns:a16="http://schemas.microsoft.com/office/drawing/2014/main" id="{4C5E392C-47DF-A34F-20FE-C085603E9935}"/>
+              </a:ext>
+            </a:extLst>
+          </p:cNvPr>
+          <p:cNvPicPr>
+            <a:picLocks noChangeAspect="1"/>
+          </p:cNvPicPr>
+          <p:nvPr/>
+        </p:nvPicPr>
+        <p:blipFill>
+          <a:blip r:embed="rId6"/>
+          <a:stretch>
+            <a:fillRect/>
+          </a:stretch>
+        </p:blipFill>
+        <p:spPr>
+          <a:xfrm>
+            <a:off x="8222760" y="3186705"/>
+            <a:ext cx="2070100" cy="520700"/>
+          </a:xfrm>
+          <a:prstGeom prst="rect">
+            <a:avLst/>
+          </a:prstGeom>
+        </p:spPr>
+      </p:pic>
+      <p:pic>
+        <p:nvPicPr>
+          <p:cNvPr id="24" name="Picture 23" descr="Graphical user interface, text, application, chat or text message, website&#10;&#10;Description automatically generated">
+            <a:extLst>
+              <a:ext uri="{FF2B5EF4-FFF2-40B4-BE49-F238E27FC236}">
+                <a16:creationId xmlns:a16="http://schemas.microsoft.com/office/drawing/2014/main" id="{8E76F330-62A2-A7AF-BFA5-A56CE5FD67AD}"/>
+              </a:ext>
+            </a:extLst>
+          </p:cNvPr>
+          <p:cNvPicPr>
+            <a:picLocks noChangeAspect="1"/>
+          </p:cNvPicPr>
+          <p:nvPr/>
+        </p:nvPicPr>
+        <p:blipFill>
+          <a:blip r:embed="rId7"/>
+          <a:stretch>
+            <a:fillRect/>
+          </a:stretch>
+        </p:blipFill>
+        <p:spPr>
+          <a:xfrm>
+            <a:off x="8324330" y="6310191"/>
+            <a:ext cx="2019300" cy="495300"/>
+          </a:xfrm>
+          <a:prstGeom prst="rect">
+            <a:avLst/>
+          </a:prstGeom>
+        </p:spPr>
+      </p:pic>
     </p:spTree>
     <p:extLst>
       <p:ext uri="{BB962C8B-B14F-4D97-AF65-F5344CB8AC3E}">
